--- a/soutenanceH4132.pptx
+++ b/soutenanceH4132.pptx
@@ -9,7 +9,8 @@
     <p:sldId id="258" r:id="rId3"/>
     <p:sldId id="257" r:id="rId4"/>
     <p:sldId id="260" r:id="rId5"/>
-    <p:sldId id="259" r:id="rId6"/>
+    <p:sldId id="261" r:id="rId6"/>
+    <p:sldId id="259" r:id="rId7"/>
   </p:sldIdLst>
   <p:sldSz cx="12192000" cy="6858000"/>
   <p:notesSz cx="6858000" cy="9144000"/>
@@ -5877,6 +5878,99 @@
 </file>
 
 <file path=ppt/slides/slide5.xml><?xml version="1.0" encoding="utf-8"?>
+<p:sld xmlns:a="http://schemas.openxmlformats.org/drawingml/2006/main" xmlns:r="http://schemas.openxmlformats.org/officeDocument/2006/relationships" xmlns:p="http://schemas.openxmlformats.org/presentationml/2006/main">
+  <p:cSld>
+    <p:spTree>
+      <p:nvGrpSpPr>
+        <p:cNvPr id="1" name=""/>
+        <p:cNvGrpSpPr/>
+        <p:nvPr/>
+      </p:nvGrpSpPr>
+      <p:grpSpPr>
+        <a:xfrm>
+          <a:off x="0" y="0"/>
+          <a:ext cx="0" cy="0"/>
+          <a:chOff x="0" y="0"/>
+          <a:chExt cx="0" cy="0"/>
+        </a:xfrm>
+      </p:grpSpPr>
+      <p:sp>
+        <p:nvSpPr>
+          <p:cNvPr id="2" name="Title 1">
+            <a:extLst>
+              <a:ext uri="{FF2B5EF4-FFF2-40B4-BE49-F238E27FC236}">
+                <a16:creationId xmlns:a16="http://schemas.microsoft.com/office/drawing/2014/main" id="{0DED4BE4-AB2C-7C8D-B477-214EEFC99A3F}"/>
+              </a:ext>
+            </a:extLst>
+          </p:cNvPr>
+          <p:cNvSpPr>
+            <a:spLocks noGrp="1"/>
+          </p:cNvSpPr>
+          <p:nvPr>
+            <p:ph type="title"/>
+          </p:nvPr>
+        </p:nvSpPr>
+        <p:spPr/>
+        <p:txBody>
+          <a:bodyPr/>
+          <a:lstStyle/>
+          <a:p>
+            <a:pPr algn="ctr"/>
+            <a:r>
+              <a:rPr lang="en-US" dirty="0" err="1"/>
+              <a:t>Séquences</a:t>
+            </a:r>
+            <a:r>
+              <a:rPr lang="en-US" dirty="0"/>
+              <a:t> de tests des </a:t>
+            </a:r>
+            <a:r>
+              <a:rPr lang="en-US" dirty="0" err="1"/>
+              <a:t>heuristiques</a:t>
+            </a:r>
+            <a:endParaRPr lang="en-US" dirty="0"/>
+          </a:p>
+        </p:txBody>
+      </p:sp>
+      <p:sp>
+        <p:nvSpPr>
+          <p:cNvPr id="3" name="Content Placeholder 2">
+            <a:extLst>
+              <a:ext uri="{FF2B5EF4-FFF2-40B4-BE49-F238E27FC236}">
+                <a16:creationId xmlns:a16="http://schemas.microsoft.com/office/drawing/2014/main" id="{1B1724A6-872E-5673-67B5-14F28E56E77B}"/>
+              </a:ext>
+            </a:extLst>
+          </p:cNvPr>
+          <p:cNvSpPr>
+            <a:spLocks noGrp="1"/>
+          </p:cNvSpPr>
+          <p:nvPr>
+            <p:ph idx="1"/>
+          </p:nvPr>
+        </p:nvSpPr>
+        <p:spPr/>
+        <p:txBody>
+          <a:bodyPr/>
+          <a:lstStyle/>
+          <a:p>
+            <a:endParaRPr lang="en-US" dirty="0"/>
+          </a:p>
+        </p:txBody>
+      </p:sp>
+    </p:spTree>
+    <p:extLst>
+      <p:ext uri="{BB962C8B-B14F-4D97-AF65-F5344CB8AC3E}">
+        <p14:creationId xmlns:p14="http://schemas.microsoft.com/office/powerpoint/2010/main" val="426543720"/>
+      </p:ext>
+    </p:extLst>
+  </p:cSld>
+  <p:clrMapOvr>
+    <a:masterClrMapping/>
+  </p:clrMapOvr>
+</p:sld>
+</file>
+
+<file path=ppt/slides/slide6.xml><?xml version="1.0" encoding="utf-8"?>
 <p:sld xmlns:a="http://schemas.openxmlformats.org/drawingml/2006/main" xmlns:r="http://schemas.openxmlformats.org/officeDocument/2006/relationships" xmlns:p="http://schemas.openxmlformats.org/presentationml/2006/main">
   <p:cSld>
     <p:spTree>

--- a/soutenanceH4132.pptx
+++ b/soutenanceH4132.pptx
@@ -109,6 +109,11 @@
       </a:defRPr>
     </a:lvl9pPr>
   </p:defaultTextStyle>
+  <p:extLst>
+    <p:ext uri="{EFAFB233-063F-42B5-8137-9DF3F51BA10A}">
+      <p15:sldGuideLst xmlns:p15="http://schemas.microsoft.com/office/powerpoint/2012/main"/>
+    </p:ext>
+  </p:extLst>
 </p:presentation>
 </file>
 
@@ -842,7 +847,7 @@
           <a:p>
             <a:fld id="{B1C51D9F-93D4-4A3A-8587-F89FBF454838}" type="datetimeFigureOut">
               <a:rPr lang="en-US" smtClean="0"/>
-              <a:t>11/6/2022</a:t>
+              <a:t>11/7/2022</a:t>
             </a:fld>
             <a:endParaRPr lang="en-US"/>
           </a:p>
@@ -1040,7 +1045,7 @@
           <a:p>
             <a:fld id="{B1C51D9F-93D4-4A3A-8587-F89FBF454838}" type="datetimeFigureOut">
               <a:rPr lang="en-US" smtClean="0"/>
-              <a:t>11/6/2022</a:t>
+              <a:t>11/7/2022</a:t>
             </a:fld>
             <a:endParaRPr lang="en-US"/>
           </a:p>
@@ -1248,7 +1253,7 @@
           <a:p>
             <a:fld id="{B1C51D9F-93D4-4A3A-8587-F89FBF454838}" type="datetimeFigureOut">
               <a:rPr lang="en-US" smtClean="0"/>
-              <a:t>11/6/2022</a:t>
+              <a:t>11/7/2022</a:t>
             </a:fld>
             <a:endParaRPr lang="en-US"/>
           </a:p>
@@ -1446,7 +1451,7 @@
           <a:p>
             <a:fld id="{B1C51D9F-93D4-4A3A-8587-F89FBF454838}" type="datetimeFigureOut">
               <a:rPr lang="en-US" smtClean="0"/>
-              <a:t>11/6/2022</a:t>
+              <a:t>11/7/2022</a:t>
             </a:fld>
             <a:endParaRPr lang="en-US"/>
           </a:p>
@@ -1721,7 +1726,7 @@
           <a:p>
             <a:fld id="{B1C51D9F-93D4-4A3A-8587-F89FBF454838}" type="datetimeFigureOut">
               <a:rPr lang="en-US" smtClean="0"/>
-              <a:t>11/6/2022</a:t>
+              <a:t>11/7/2022</a:t>
             </a:fld>
             <a:endParaRPr lang="en-US"/>
           </a:p>
@@ -1986,7 +1991,7 @@
           <a:p>
             <a:fld id="{B1C51D9F-93D4-4A3A-8587-F89FBF454838}" type="datetimeFigureOut">
               <a:rPr lang="en-US" smtClean="0"/>
-              <a:t>11/6/2022</a:t>
+              <a:t>11/7/2022</a:t>
             </a:fld>
             <a:endParaRPr lang="en-US"/>
           </a:p>
@@ -2398,7 +2403,7 @@
           <a:p>
             <a:fld id="{B1C51D9F-93D4-4A3A-8587-F89FBF454838}" type="datetimeFigureOut">
               <a:rPr lang="en-US" smtClean="0"/>
-              <a:t>11/6/2022</a:t>
+              <a:t>11/7/2022</a:t>
             </a:fld>
             <a:endParaRPr lang="en-US"/>
           </a:p>
@@ -2539,7 +2544,7 @@
           <a:p>
             <a:fld id="{B1C51D9F-93D4-4A3A-8587-F89FBF454838}" type="datetimeFigureOut">
               <a:rPr lang="en-US" smtClean="0"/>
-              <a:t>11/6/2022</a:t>
+              <a:t>11/7/2022</a:t>
             </a:fld>
             <a:endParaRPr lang="en-US"/>
           </a:p>
@@ -2652,7 +2657,7 @@
           <a:p>
             <a:fld id="{B1C51D9F-93D4-4A3A-8587-F89FBF454838}" type="datetimeFigureOut">
               <a:rPr lang="en-US" smtClean="0"/>
-              <a:t>11/6/2022</a:t>
+              <a:t>11/7/2022</a:t>
             </a:fld>
             <a:endParaRPr lang="en-US"/>
           </a:p>
@@ -2963,7 +2968,7 @@
           <a:p>
             <a:fld id="{B1C51D9F-93D4-4A3A-8587-F89FBF454838}" type="datetimeFigureOut">
               <a:rPr lang="en-US" smtClean="0"/>
-              <a:t>11/6/2022</a:t>
+              <a:t>11/7/2022</a:t>
             </a:fld>
             <a:endParaRPr lang="en-US"/>
           </a:p>
@@ -3251,7 +3256,7 @@
           <a:p>
             <a:fld id="{B1C51D9F-93D4-4A3A-8587-F89FBF454838}" type="datetimeFigureOut">
               <a:rPr lang="en-US" smtClean="0"/>
-              <a:t>11/6/2022</a:t>
+              <a:t>11/7/2022</a:t>
             </a:fld>
             <a:endParaRPr lang="en-US"/>
           </a:p>
@@ -3492,7 +3497,7 @@
           <a:p>
             <a:fld id="{B1C51D9F-93D4-4A3A-8587-F89FBF454838}" type="datetimeFigureOut">
               <a:rPr lang="en-US" smtClean="0"/>
-              <a:t>11/6/2022</a:t>
+              <a:t>11/7/2022</a:t>
             </a:fld>
             <a:endParaRPr lang="en-US"/>
           </a:p>
@@ -4116,7 +4121,7 @@
         <p:spPr>
           <a:xfrm>
             <a:off x="550416" y="1047565"/>
-            <a:ext cx="4296792" cy="2677656"/>
+            <a:ext cx="4296792" cy="1938992"/>
           </a:xfrm>
           <a:prstGeom prst="rect">
             <a:avLst/>
@@ -4145,7 +4150,7 @@
                 <a:latin typeface="Times New Roman" panose="02020603050405020304" pitchFamily="18" charset="0"/>
                 <a:cs typeface="Times New Roman" panose="02020603050405020304" pitchFamily="18" charset="0"/>
               </a:rPr>
-              <a:t> du jeu?</a:t>
+              <a:t> du jeu ?</a:t>
             </a:r>
           </a:p>
           <a:p>
@@ -4202,57 +4207,22 @@
                 <a:latin typeface="Times New Roman" panose="02020603050405020304" pitchFamily="18" charset="0"/>
                 <a:cs typeface="Times New Roman" panose="02020603050405020304" pitchFamily="18" charset="0"/>
               </a:rPr>
-              <a:t>Est un jeu à </a:t>
+              <a:t>Quid de la </a:t>
             </a:r>
             <a:r>
               <a:rPr lang="en-US" sz="2400" dirty="0" err="1">
                 <a:latin typeface="Times New Roman" panose="02020603050405020304" pitchFamily="18" charset="0"/>
                 <a:cs typeface="Times New Roman" panose="02020603050405020304" pitchFamily="18" charset="0"/>
               </a:rPr>
-              <a:t>somme</a:t>
+              <a:t>théorie</a:t>
             </a:r>
             <a:r>
               <a:rPr lang="en-US" sz="2400" dirty="0">
                 <a:latin typeface="Times New Roman" panose="02020603050405020304" pitchFamily="18" charset="0"/>
                 <a:cs typeface="Times New Roman" panose="02020603050405020304" pitchFamily="18" charset="0"/>
               </a:rPr>
-              <a:t> </a:t>
-            </a:r>
-            <a:r>
-              <a:rPr lang="en-US" sz="2400" dirty="0" err="1">
-                <a:latin typeface="Times New Roman" panose="02020603050405020304" pitchFamily="18" charset="0"/>
-                <a:cs typeface="Times New Roman" panose="02020603050405020304" pitchFamily="18" charset="0"/>
-              </a:rPr>
-              <a:t>nulle</a:t>
-            </a:r>
-            <a:endParaRPr lang="en-US" sz="2400" dirty="0">
-              <a:latin typeface="Times New Roman" panose="02020603050405020304" pitchFamily="18" charset="0"/>
-              <a:cs typeface="Times New Roman" panose="02020603050405020304" pitchFamily="18" charset="0"/>
-            </a:endParaRPr>
-          </a:p>
-          <a:p>
-            <a:pPr marL="285750" indent="-285750">
-              <a:buFontTx/>
-              <a:buChar char="-"/>
-            </a:pPr>
-            <a:r>
-              <a:rPr lang="en-US" sz="2400" dirty="0">
-                <a:latin typeface="Times New Roman" panose="02020603050405020304" pitchFamily="18" charset="0"/>
-                <a:cs typeface="Times New Roman" panose="02020603050405020304" pitchFamily="18" charset="0"/>
-              </a:rPr>
-              <a:t>Est un jeu à information </a:t>
-            </a:r>
-            <a:r>
-              <a:rPr lang="en-US" sz="2400" dirty="0" err="1">
-                <a:latin typeface="Times New Roman" panose="02020603050405020304" pitchFamily="18" charset="0"/>
-                <a:cs typeface="Times New Roman" panose="02020603050405020304" pitchFamily="18" charset="0"/>
-              </a:rPr>
-              <a:t>complète</a:t>
-            </a:r>
-            <a:endParaRPr lang="en-US" sz="2400" dirty="0">
-              <a:latin typeface="Times New Roman" panose="02020603050405020304" pitchFamily="18" charset="0"/>
-              <a:cs typeface="Times New Roman" panose="02020603050405020304" pitchFamily="18" charset="0"/>
-            </a:endParaRPr>
+              <a:t> des jeux ?</a:t>
+            </a:r>
           </a:p>
           <a:p>
             <a:pPr marL="285750" indent="-285750">
@@ -4903,7 +4873,7 @@
         </p:blipFill>
         <p:spPr>
           <a:xfrm flipH="1">
-            <a:off x="2895463" y="1557627"/>
+            <a:off x="4402972" y="1539247"/>
             <a:ext cx="2845292" cy="2845292"/>
           </a:xfrm>
           <a:prstGeom prst="rect">
@@ -4939,7 +4909,7 @@
         </p:blipFill>
         <p:spPr>
           <a:xfrm>
-            <a:off x="7694120" y="1557627"/>
+            <a:off x="9201629" y="1539247"/>
             <a:ext cx="2845292" cy="2845292"/>
           </a:xfrm>
           <a:prstGeom prst="rect">
@@ -4975,7 +4945,7 @@
         </p:blipFill>
         <p:spPr>
           <a:xfrm>
-            <a:off x="4848826" y="1557627"/>
+            <a:off x="6356335" y="1539247"/>
             <a:ext cx="3737222" cy="3114352"/>
           </a:xfrm>
           <a:prstGeom prst="rect">
@@ -5060,8 +5030,8 @@
         </p:nvSpPr>
         <p:spPr>
           <a:xfrm>
-            <a:off x="145079" y="893813"/>
-            <a:ext cx="2991776" cy="4801314"/>
+            <a:off x="145079" y="1818180"/>
+            <a:ext cx="4210957" cy="3108543"/>
           </a:xfrm>
           <a:prstGeom prst="rect">
             <a:avLst/>
@@ -5074,245 +5044,122 @@
           </a:bodyPr>
           <a:lstStyle/>
           <a:p>
-            <a:pPr marL="342900" indent="-342900">
+            <a:pPr marL="342900" indent="-342900" algn="just">
               <a:buAutoNum type="arabicPeriod"/>
             </a:pPr>
             <a:r>
-              <a:rPr lang="en-US" dirty="0" err="1">
+              <a:rPr lang="en-US" sz="2800" dirty="0" err="1">
                 <a:latin typeface="Times New Roman" panose="02020603050405020304" pitchFamily="18" charset="0"/>
                 <a:cs typeface="Times New Roman" panose="02020603050405020304" pitchFamily="18" charset="0"/>
               </a:rPr>
               <a:t>Humain</a:t>
             </a:r>
-            <a:endParaRPr lang="en-US" dirty="0">
+            <a:endParaRPr lang="en-US" sz="2800" dirty="0">
               <a:latin typeface="Times New Roman" panose="02020603050405020304" pitchFamily="18" charset="0"/>
               <a:cs typeface="Times New Roman" panose="02020603050405020304" pitchFamily="18" charset="0"/>
             </a:endParaRPr>
           </a:p>
           <a:p>
-            <a:pPr marL="342900" indent="-342900">
+            <a:pPr marL="342900" indent="-342900" algn="just">
               <a:buAutoNum type="arabicPeriod"/>
             </a:pPr>
             <a:r>
-              <a:rPr lang="en-US" dirty="0">
+              <a:rPr lang="en-US" sz="2800" dirty="0">
                 <a:latin typeface="Times New Roman" panose="02020603050405020304" pitchFamily="18" charset="0"/>
                 <a:cs typeface="Times New Roman" panose="02020603050405020304" pitchFamily="18" charset="0"/>
               </a:rPr>
               <a:t>IA </a:t>
             </a:r>
             <a:r>
-              <a:rPr lang="en-US" dirty="0" err="1">
+              <a:rPr lang="en-US" sz="2800" dirty="0" err="1">
                 <a:latin typeface="Times New Roman" panose="02020603050405020304" pitchFamily="18" charset="0"/>
                 <a:cs typeface="Times New Roman" panose="02020603050405020304" pitchFamily="18" charset="0"/>
               </a:rPr>
               <a:t>aléatoire</a:t>
             </a:r>
-            <a:endParaRPr lang="en-US" dirty="0">
+            <a:endParaRPr lang="en-US" sz="2800" dirty="0">
               <a:latin typeface="Times New Roman" panose="02020603050405020304" pitchFamily="18" charset="0"/>
               <a:cs typeface="Times New Roman" panose="02020603050405020304" pitchFamily="18" charset="0"/>
             </a:endParaRPr>
           </a:p>
           <a:p>
-            <a:pPr marL="342900" indent="-342900">
+            <a:pPr marL="342900" indent="-342900" algn="just">
               <a:buAutoNum type="arabicPeriod"/>
             </a:pPr>
             <a:r>
-              <a:rPr lang="en-US" dirty="0">
+              <a:rPr lang="en-US" sz="2800" dirty="0">
                 <a:latin typeface="Times New Roman" panose="02020603050405020304" pitchFamily="18" charset="0"/>
                 <a:cs typeface="Times New Roman" panose="02020603050405020304" pitchFamily="18" charset="0"/>
               </a:rPr>
-              <a:t>IA minimax 3 – </a:t>
-            </a:r>
-            <a:r>
-              <a:rPr lang="en-US" dirty="0" err="1">
+              <a:t>IA minimax 3 à 5 – </a:t>
+            </a:r>
+            <a:r>
+              <a:rPr lang="en-US" sz="2800" dirty="0" err="1">
                 <a:latin typeface="Times New Roman" panose="02020603050405020304" pitchFamily="18" charset="0"/>
                 <a:cs typeface="Times New Roman" panose="02020603050405020304" pitchFamily="18" charset="0"/>
               </a:rPr>
-              <a:t>évaluation</a:t>
-            </a:r>
-            <a:r>
-              <a:rPr lang="en-US" dirty="0">
+              <a:t>heuristique</a:t>
+            </a:r>
+            <a:r>
+              <a:rPr lang="en-US" sz="2800" dirty="0">
                 <a:latin typeface="Times New Roman" panose="02020603050405020304" pitchFamily="18" charset="0"/>
                 <a:cs typeface="Times New Roman" panose="02020603050405020304" pitchFamily="18" charset="0"/>
               </a:rPr>
-              <a:t> de la position</a:t>
-            </a:r>
-          </a:p>
-          <a:p>
-            <a:pPr marL="342900" indent="-342900">
-              <a:buAutoNum type="arabicPeriod"/>
-            </a:pPr>
-            <a:r>
-              <a:rPr lang="en-US" dirty="0">
+              <a:t> </a:t>
+            </a:r>
+            <a:r>
+              <a:rPr lang="en-US" sz="2800" dirty="0" err="1">
                 <a:latin typeface="Times New Roman" panose="02020603050405020304" pitchFamily="18" charset="0"/>
                 <a:cs typeface="Times New Roman" panose="02020603050405020304" pitchFamily="18" charset="0"/>
               </a:rPr>
-              <a:t>IA minimax 3 – </a:t>
-            </a:r>
-            <a:r>
-              <a:rPr lang="en-US" dirty="0" err="1">
+              <a:t>d’évaluation</a:t>
+            </a:r>
+            <a:r>
+              <a:rPr lang="en-US" sz="2800" dirty="0">
                 <a:latin typeface="Times New Roman" panose="02020603050405020304" pitchFamily="18" charset="0"/>
                 <a:cs typeface="Times New Roman" panose="02020603050405020304" pitchFamily="18" charset="0"/>
               </a:rPr>
-              <a:t>évaluation</a:t>
-            </a:r>
-            <a:r>
-              <a:rPr lang="en-US" dirty="0">
+              <a:t> de la position, de la puissance 3, de la </a:t>
+            </a:r>
+            <a:r>
+              <a:rPr lang="en-US" sz="2800" dirty="0" err="1">
                 <a:latin typeface="Times New Roman" panose="02020603050405020304" pitchFamily="18" charset="0"/>
                 <a:cs typeface="Times New Roman" panose="02020603050405020304" pitchFamily="18" charset="0"/>
               </a:rPr>
-              <a:t> de la position &amp; </a:t>
-            </a:r>
-            <a:r>
-              <a:rPr lang="en-US" dirty="0" err="1">
+              <a:t>densité</a:t>
+            </a:r>
+            <a:r>
+              <a:rPr lang="en-US" sz="2800" dirty="0">
                 <a:latin typeface="Times New Roman" panose="02020603050405020304" pitchFamily="18" charset="0"/>
                 <a:cs typeface="Times New Roman" panose="02020603050405020304" pitchFamily="18" charset="0"/>
               </a:rPr>
-              <a:t>évaluation</a:t>
-            </a:r>
-            <a:r>
-              <a:rPr lang="en-US" dirty="0">
+              <a:t> </a:t>
+            </a:r>
+            <a:r>
+              <a:rPr lang="en-US" sz="2800" dirty="0" err="1">
                 <a:latin typeface="Times New Roman" panose="02020603050405020304" pitchFamily="18" charset="0"/>
                 <a:cs typeface="Times New Roman" panose="02020603050405020304" pitchFamily="18" charset="0"/>
               </a:rPr>
-              <a:t> puissance 3</a:t>
-            </a:r>
-          </a:p>
-          <a:p>
-            <a:pPr marL="342900" indent="-342900">
-              <a:buFontTx/>
-              <a:buAutoNum type="arabicPeriod"/>
-            </a:pPr>
-            <a:r>
-              <a:rPr lang="en-US" dirty="0">
+              <a:t>ou</a:t>
+            </a:r>
+            <a:r>
+              <a:rPr lang="en-US" sz="2800" dirty="0">
                 <a:latin typeface="Times New Roman" panose="02020603050405020304" pitchFamily="18" charset="0"/>
                 <a:cs typeface="Times New Roman" panose="02020603050405020304" pitchFamily="18" charset="0"/>
               </a:rPr>
-              <a:t>IA minimax 4 – </a:t>
-            </a:r>
-            <a:r>
-              <a:rPr lang="en-US" dirty="0" err="1">
+              <a:t> de </a:t>
+            </a:r>
+            <a:r>
+              <a:rPr lang="en-US" sz="2800" dirty="0" err="1">
                 <a:latin typeface="Times New Roman" panose="02020603050405020304" pitchFamily="18" charset="0"/>
                 <a:cs typeface="Times New Roman" panose="02020603050405020304" pitchFamily="18" charset="0"/>
               </a:rPr>
-              <a:t>évaluation</a:t>
-            </a:r>
-            <a:r>
-              <a:rPr lang="en-US" dirty="0">
-                <a:latin typeface="Times New Roman" panose="02020603050405020304" pitchFamily="18" charset="0"/>
-                <a:cs typeface="Times New Roman" panose="02020603050405020304" pitchFamily="18" charset="0"/>
-              </a:rPr>
-              <a:t> de la position </a:t>
-            </a:r>
-          </a:p>
-          <a:p>
-            <a:pPr marL="342900" indent="-342900">
-              <a:buFontTx/>
-              <a:buAutoNum type="arabicPeriod"/>
-            </a:pPr>
-            <a:r>
-              <a:rPr lang="en-US" dirty="0">
-                <a:latin typeface="Times New Roman" panose="02020603050405020304" pitchFamily="18" charset="0"/>
-                <a:cs typeface="Times New Roman" panose="02020603050405020304" pitchFamily="18" charset="0"/>
-              </a:rPr>
-              <a:t>IA minimax 4 – </a:t>
-            </a:r>
-            <a:r>
-              <a:rPr lang="en-US" dirty="0" err="1">
-                <a:latin typeface="Times New Roman" panose="02020603050405020304" pitchFamily="18" charset="0"/>
-                <a:cs typeface="Times New Roman" panose="02020603050405020304" pitchFamily="18" charset="0"/>
-              </a:rPr>
-              <a:t>évaluation</a:t>
-            </a:r>
-            <a:r>
-              <a:rPr lang="en-US" dirty="0">
-                <a:latin typeface="Times New Roman" panose="02020603050405020304" pitchFamily="18" charset="0"/>
-                <a:cs typeface="Times New Roman" panose="02020603050405020304" pitchFamily="18" charset="0"/>
-              </a:rPr>
-              <a:t> de la position &amp; </a:t>
-            </a:r>
-            <a:r>
-              <a:rPr lang="en-US" dirty="0" err="1">
-                <a:latin typeface="Times New Roman" panose="02020603050405020304" pitchFamily="18" charset="0"/>
-                <a:cs typeface="Times New Roman" panose="02020603050405020304" pitchFamily="18" charset="0"/>
-              </a:rPr>
-              <a:t>évaluation</a:t>
-            </a:r>
-            <a:r>
-              <a:rPr lang="en-US" dirty="0">
-                <a:latin typeface="Times New Roman" panose="02020603050405020304" pitchFamily="18" charset="0"/>
-                <a:cs typeface="Times New Roman" panose="02020603050405020304" pitchFamily="18" charset="0"/>
-              </a:rPr>
-              <a:t> puissance 3</a:t>
-            </a:r>
-          </a:p>
-          <a:p>
-            <a:pPr marL="342900" indent="-342900">
-              <a:buFontTx/>
-              <a:buAutoNum type="arabicPeriod"/>
-            </a:pPr>
-            <a:r>
-              <a:rPr lang="en-US" dirty="0">
-                <a:latin typeface="Times New Roman" panose="02020603050405020304" pitchFamily="18" charset="0"/>
-                <a:cs typeface="Times New Roman" panose="02020603050405020304" pitchFamily="18" charset="0"/>
-              </a:rPr>
-              <a:t>IA minimax 5 – </a:t>
-            </a:r>
-            <a:r>
-              <a:rPr lang="en-US" dirty="0" err="1">
-                <a:latin typeface="Times New Roman" panose="02020603050405020304" pitchFamily="18" charset="0"/>
-                <a:cs typeface="Times New Roman" panose="02020603050405020304" pitchFamily="18" charset="0"/>
-              </a:rPr>
-              <a:t>évaluation</a:t>
-            </a:r>
-            <a:r>
-              <a:rPr lang="en-US" dirty="0">
-                <a:latin typeface="Times New Roman" panose="02020603050405020304" pitchFamily="18" charset="0"/>
-                <a:cs typeface="Times New Roman" panose="02020603050405020304" pitchFamily="18" charset="0"/>
-              </a:rPr>
-              <a:t> de la position </a:t>
-            </a:r>
-          </a:p>
-          <a:p>
-            <a:pPr marL="342900" indent="-342900">
-              <a:buFontTx/>
-              <a:buAutoNum type="arabicPeriod"/>
-            </a:pPr>
-            <a:r>
-              <a:rPr lang="en-US" dirty="0">
-                <a:latin typeface="Times New Roman" panose="02020603050405020304" pitchFamily="18" charset="0"/>
-                <a:cs typeface="Times New Roman" panose="02020603050405020304" pitchFamily="18" charset="0"/>
-              </a:rPr>
-              <a:t>IA minimax 5 – </a:t>
-            </a:r>
-            <a:r>
-              <a:rPr lang="en-US" dirty="0" err="1">
-                <a:latin typeface="Times New Roman" panose="02020603050405020304" pitchFamily="18" charset="0"/>
-                <a:cs typeface="Times New Roman" panose="02020603050405020304" pitchFamily="18" charset="0"/>
-              </a:rPr>
-              <a:t>évaluation</a:t>
-            </a:r>
-            <a:r>
-              <a:rPr lang="en-US" dirty="0">
-                <a:latin typeface="Times New Roman" panose="02020603050405020304" pitchFamily="18" charset="0"/>
-                <a:cs typeface="Times New Roman" panose="02020603050405020304" pitchFamily="18" charset="0"/>
-              </a:rPr>
-              <a:t> de la position &amp; </a:t>
-            </a:r>
-            <a:r>
-              <a:rPr lang="en-US" dirty="0" err="1">
-                <a:latin typeface="Times New Roman" panose="02020603050405020304" pitchFamily="18" charset="0"/>
-                <a:cs typeface="Times New Roman" panose="02020603050405020304" pitchFamily="18" charset="0"/>
-              </a:rPr>
-              <a:t>évaluation</a:t>
-            </a:r>
-            <a:r>
-              <a:rPr lang="en-US" dirty="0">
-                <a:latin typeface="Times New Roman" panose="02020603050405020304" pitchFamily="18" charset="0"/>
-                <a:cs typeface="Times New Roman" panose="02020603050405020304" pitchFamily="18" charset="0"/>
-              </a:rPr>
-              <a:t> puissance 3</a:t>
-            </a:r>
+              <a:t>l’adjacence</a:t>
+            </a:r>
+            <a:endParaRPr lang="en-US" sz="2800" dirty="0">
+              <a:latin typeface="Times New Roman" panose="02020603050405020304" pitchFamily="18" charset="0"/>
+              <a:cs typeface="Times New Roman" panose="02020603050405020304" pitchFamily="18" charset="0"/>
+            </a:endParaRPr>
           </a:p>
         </p:txBody>
       </p:sp>
@@ -5330,7 +5177,7 @@
         </p:nvSpPr>
         <p:spPr>
           <a:xfrm>
-            <a:off x="5634829" y="4948524"/>
+            <a:off x="7142338" y="4930144"/>
             <a:ext cx="2165216" cy="1015663"/>
           </a:xfrm>
           <a:prstGeom prst="rect">
@@ -5399,7 +5246,7 @@
           <p:nvPr>
             <p:extLst>
               <p:ext uri="{D42A27DB-BD31-4B8C-83A1-F6EECF244321}">
-                <p14:modId xmlns:p14="http://schemas.microsoft.com/office/powerpoint/2010/main" val="632479294"/>
+                <p14:modId xmlns:p14="http://schemas.microsoft.com/office/powerpoint/2010/main" val="2273091798"/>
               </p:ext>
             </p:extLst>
           </p:nvPr>
@@ -6033,7 +5880,7 @@
           <a:bodyPr/>
           <a:lstStyle/>
           <a:p>
-            <a:endParaRPr lang="en-US"/>
+            <a:endParaRPr lang="en-US" dirty="0"/>
           </a:p>
         </p:txBody>
       </p:sp>
@@ -6057,8 +5904,8 @@
             <a:chExt cx="3488040" cy="2529720"/>
           </a:xfrm>
         </p:grpSpPr>
-        <mc:AlternateContent xmlns:mc="http://schemas.openxmlformats.org/markup-compatibility/2006">
-          <mc:Choice xmlns:p14="http://schemas.microsoft.com/office/powerpoint/2010/main" Requires="p14">
+        <mc:AlternateContent xmlns:mc="http://schemas.openxmlformats.org/markup-compatibility/2006" xmlns:p14="http://schemas.microsoft.com/office/powerpoint/2010/main">
+          <mc:Choice Requires="p14">
             <p:contentPart p14:bwMode="auto" r:id="rId2">
               <p14:nvContentPartPr>
                 <p14:cNvPr id="4" name="Ink 3">
@@ -6077,7 +5924,7 @@
               </p14:xfrm>
             </p:contentPart>
           </mc:Choice>
-          <mc:Fallback>
+          <mc:Fallback xmlns="">
             <p:pic>
               <p:nvPicPr>
                 <p:cNvPr id="4" name="Ink 3">
@@ -6108,8 +5955,8 @@
             </p:pic>
           </mc:Fallback>
         </mc:AlternateContent>
-        <mc:AlternateContent xmlns:mc="http://schemas.openxmlformats.org/markup-compatibility/2006">
-          <mc:Choice xmlns:p14="http://schemas.microsoft.com/office/powerpoint/2010/main" Requires="p14">
+        <mc:AlternateContent xmlns:mc="http://schemas.openxmlformats.org/markup-compatibility/2006" xmlns:p14="http://schemas.microsoft.com/office/powerpoint/2010/main">
+          <mc:Choice Requires="p14">
             <p:contentPart p14:bwMode="auto" r:id="rId4">
               <p14:nvContentPartPr>
                 <p14:cNvPr id="5" name="Ink 4">
@@ -6128,7 +5975,7 @@
               </p14:xfrm>
             </p:contentPart>
           </mc:Choice>
-          <mc:Fallback>
+          <mc:Fallback xmlns="">
             <p:pic>
               <p:nvPicPr>
                 <p:cNvPr id="5" name="Ink 4">
@@ -6159,8 +6006,8 @@
             </p:pic>
           </mc:Fallback>
         </mc:AlternateContent>
-        <mc:AlternateContent xmlns:mc="http://schemas.openxmlformats.org/markup-compatibility/2006">
-          <mc:Choice xmlns:p14="http://schemas.microsoft.com/office/powerpoint/2010/main" Requires="p14">
+        <mc:AlternateContent xmlns:mc="http://schemas.openxmlformats.org/markup-compatibility/2006" xmlns:p14="http://schemas.microsoft.com/office/powerpoint/2010/main">
+          <mc:Choice Requires="p14">
             <p:contentPart p14:bwMode="auto" r:id="rId6">
               <p14:nvContentPartPr>
                 <p14:cNvPr id="6" name="Ink 5">
@@ -6179,7 +6026,7 @@
               </p14:xfrm>
             </p:contentPart>
           </mc:Choice>
-          <mc:Fallback>
+          <mc:Fallback xmlns="">
             <p:pic>
               <p:nvPicPr>
                 <p:cNvPr id="6" name="Ink 5">
@@ -6211,8 +6058,8 @@
           </mc:Fallback>
         </mc:AlternateContent>
       </p:grpSp>
-      <mc:AlternateContent xmlns:mc="http://schemas.openxmlformats.org/markup-compatibility/2006">
-        <mc:Choice xmlns:p14="http://schemas.microsoft.com/office/powerpoint/2010/main" Requires="p14">
+      <mc:AlternateContent xmlns:mc="http://schemas.openxmlformats.org/markup-compatibility/2006" xmlns:p14="http://schemas.microsoft.com/office/powerpoint/2010/main">
+        <mc:Choice Requires="p14">
           <p:contentPart p14:bwMode="auto" r:id="rId8">
             <p14:nvContentPartPr>
               <p14:cNvPr id="8" name="Ink 7">
@@ -6231,7 +6078,7 @@
             </p14:xfrm>
           </p:contentPart>
         </mc:Choice>
-        <mc:Fallback>
+        <mc:Fallback xmlns="">
           <p:pic>
             <p:nvPicPr>
               <p:cNvPr id="8" name="Ink 7">
@@ -6262,8 +6109,8 @@
           </p:pic>
         </mc:Fallback>
       </mc:AlternateContent>
-      <mc:AlternateContent xmlns:mc="http://schemas.openxmlformats.org/markup-compatibility/2006">
-        <mc:Choice xmlns:p14="http://schemas.microsoft.com/office/powerpoint/2010/main" Requires="p14">
+      <mc:AlternateContent xmlns:mc="http://schemas.openxmlformats.org/markup-compatibility/2006" xmlns:p14="http://schemas.microsoft.com/office/powerpoint/2010/main">
+        <mc:Choice Requires="p14">
           <p:contentPart p14:bwMode="auto" r:id="rId10">
             <p14:nvContentPartPr>
               <p14:cNvPr id="9" name="Ink 8">
@@ -6282,7 +6129,7 @@
             </p14:xfrm>
           </p:contentPart>
         </mc:Choice>
-        <mc:Fallback>
+        <mc:Fallback xmlns="">
           <p:pic>
             <p:nvPicPr>
               <p:cNvPr id="9" name="Ink 8">
@@ -6313,8 +6160,8 @@
           </p:pic>
         </mc:Fallback>
       </mc:AlternateContent>
-      <mc:AlternateContent xmlns:mc="http://schemas.openxmlformats.org/markup-compatibility/2006">
-        <mc:Choice xmlns:p14="http://schemas.microsoft.com/office/powerpoint/2010/main" xmlns:aink="http://schemas.microsoft.com/office/drawing/2016/ink" Requires="p14 aink">
+      <mc:AlternateContent xmlns:mc="http://schemas.openxmlformats.org/markup-compatibility/2006" xmlns:p14="http://schemas.microsoft.com/office/powerpoint/2010/main" xmlns:aink="http://schemas.microsoft.com/office/drawing/2016/ink">
+        <mc:Choice Requires="p14 aink">
           <p:contentPart p14:bwMode="auto" r:id="rId12">
             <p14:nvContentPartPr>
               <p14:cNvPr id="10" name="Ink 9">
@@ -6333,7 +6180,7 @@
             </p14:xfrm>
           </p:contentPart>
         </mc:Choice>
-        <mc:Fallback>
+        <mc:Fallback xmlns="">
           <p:pic>
             <p:nvPicPr>
               <p:cNvPr id="10" name="Ink 9">
@@ -6364,8 +6211,8 @@
           </p:pic>
         </mc:Fallback>
       </mc:AlternateContent>
-      <mc:AlternateContent xmlns:mc="http://schemas.openxmlformats.org/markup-compatibility/2006">
-        <mc:Choice xmlns:p14="http://schemas.microsoft.com/office/powerpoint/2010/main" xmlns:aink="http://schemas.microsoft.com/office/drawing/2016/ink" Requires="p14 aink">
+      <mc:AlternateContent xmlns:mc="http://schemas.openxmlformats.org/markup-compatibility/2006" xmlns:p14="http://schemas.microsoft.com/office/powerpoint/2010/main" xmlns:aink="http://schemas.microsoft.com/office/drawing/2016/ink">
+        <mc:Choice Requires="p14 aink">
           <p:contentPart p14:bwMode="auto" r:id="rId14">
             <p14:nvContentPartPr>
               <p14:cNvPr id="11" name="Ink 10">
@@ -6384,7 +6231,7 @@
             </p14:xfrm>
           </p:contentPart>
         </mc:Choice>
-        <mc:Fallback>
+        <mc:Fallback xmlns="">
           <p:pic>
             <p:nvPicPr>
               <p:cNvPr id="11" name="Ink 10">
@@ -6415,8 +6262,8 @@
           </p:pic>
         </mc:Fallback>
       </mc:AlternateContent>
-      <mc:AlternateContent xmlns:mc="http://schemas.openxmlformats.org/markup-compatibility/2006">
-        <mc:Choice xmlns:p14="http://schemas.microsoft.com/office/powerpoint/2010/main" Requires="p14">
+      <mc:AlternateContent xmlns:mc="http://schemas.openxmlformats.org/markup-compatibility/2006" xmlns:p14="http://schemas.microsoft.com/office/powerpoint/2010/main">
+        <mc:Choice Requires="p14">
           <p:contentPart p14:bwMode="auto" r:id="rId16">
             <p14:nvContentPartPr>
               <p14:cNvPr id="12" name="Ink 11">
@@ -6435,7 +6282,7 @@
             </p14:xfrm>
           </p:contentPart>
         </mc:Choice>
-        <mc:Fallback>
+        <mc:Fallback xmlns="">
           <p:pic>
             <p:nvPicPr>
               <p:cNvPr id="12" name="Ink 11">
@@ -6466,8 +6313,8 @@
           </p:pic>
         </mc:Fallback>
       </mc:AlternateContent>
-      <mc:AlternateContent xmlns:mc="http://schemas.openxmlformats.org/markup-compatibility/2006">
-        <mc:Choice xmlns:p14="http://schemas.microsoft.com/office/powerpoint/2010/main" Requires="p14">
+      <mc:AlternateContent xmlns:mc="http://schemas.openxmlformats.org/markup-compatibility/2006" xmlns:p14="http://schemas.microsoft.com/office/powerpoint/2010/main">
+        <mc:Choice Requires="p14">
           <p:contentPart p14:bwMode="auto" r:id="rId18">
             <p14:nvContentPartPr>
               <p14:cNvPr id="13" name="Ink 12">
@@ -6486,7 +6333,7 @@
             </p14:xfrm>
           </p:contentPart>
         </mc:Choice>
-        <mc:Fallback>
+        <mc:Fallback xmlns="">
           <p:pic>
             <p:nvPicPr>
               <p:cNvPr id="13" name="Ink 12">
@@ -6537,8 +6384,8 @@
             <a:chExt cx="497880" cy="283320"/>
           </a:xfrm>
         </p:grpSpPr>
-        <mc:AlternateContent xmlns:mc="http://schemas.openxmlformats.org/markup-compatibility/2006">
-          <mc:Choice xmlns:p14="http://schemas.microsoft.com/office/powerpoint/2010/main" Requires="p14">
+        <mc:AlternateContent xmlns:mc="http://schemas.openxmlformats.org/markup-compatibility/2006" xmlns:p14="http://schemas.microsoft.com/office/powerpoint/2010/main">
+          <mc:Choice Requires="p14">
             <p:contentPart p14:bwMode="auto" r:id="rId20">
               <p14:nvContentPartPr>
                 <p14:cNvPr id="14" name="Ink 13">
@@ -6557,7 +6404,7 @@
               </p14:xfrm>
             </p:contentPart>
           </mc:Choice>
-          <mc:Fallback>
+          <mc:Fallback xmlns="">
             <p:pic>
               <p:nvPicPr>
                 <p:cNvPr id="14" name="Ink 13">
@@ -6588,8 +6435,8 @@
             </p:pic>
           </mc:Fallback>
         </mc:AlternateContent>
-        <mc:AlternateContent xmlns:mc="http://schemas.openxmlformats.org/markup-compatibility/2006">
-          <mc:Choice xmlns:p14="http://schemas.microsoft.com/office/powerpoint/2010/main" Requires="p14">
+        <mc:AlternateContent xmlns:mc="http://schemas.openxmlformats.org/markup-compatibility/2006" xmlns:p14="http://schemas.microsoft.com/office/powerpoint/2010/main">
+          <mc:Choice Requires="p14">
             <p:contentPart p14:bwMode="auto" r:id="rId22">
               <p14:nvContentPartPr>
                 <p14:cNvPr id="15" name="Ink 14">
@@ -6608,7 +6455,7 @@
               </p14:xfrm>
             </p:contentPart>
           </mc:Choice>
-          <mc:Fallback>
+          <mc:Fallback xmlns="">
             <p:pic>
               <p:nvPicPr>
                 <p:cNvPr id="15" name="Ink 14">
@@ -6660,8 +6507,8 @@
             <a:chExt cx="385200" cy="400680"/>
           </a:xfrm>
         </p:grpSpPr>
-        <mc:AlternateContent xmlns:mc="http://schemas.openxmlformats.org/markup-compatibility/2006">
-          <mc:Choice xmlns:p14="http://schemas.microsoft.com/office/powerpoint/2010/main" Requires="p14">
+        <mc:AlternateContent xmlns:mc="http://schemas.openxmlformats.org/markup-compatibility/2006" xmlns:p14="http://schemas.microsoft.com/office/powerpoint/2010/main">
+          <mc:Choice Requires="p14">
             <p:contentPart p14:bwMode="auto" r:id="rId24">
               <p14:nvContentPartPr>
                 <p14:cNvPr id="16" name="Ink 15">
@@ -6680,7 +6527,7 @@
               </p14:xfrm>
             </p:contentPart>
           </mc:Choice>
-          <mc:Fallback>
+          <mc:Fallback xmlns="">
             <p:pic>
               <p:nvPicPr>
                 <p:cNvPr id="16" name="Ink 15">
@@ -6711,8 +6558,8 @@
             </p:pic>
           </mc:Fallback>
         </mc:AlternateContent>
-        <mc:AlternateContent xmlns:mc="http://schemas.openxmlformats.org/markup-compatibility/2006">
-          <mc:Choice xmlns:p14="http://schemas.microsoft.com/office/powerpoint/2010/main" Requires="p14">
+        <mc:AlternateContent xmlns:mc="http://schemas.openxmlformats.org/markup-compatibility/2006" xmlns:p14="http://schemas.microsoft.com/office/powerpoint/2010/main">
+          <mc:Choice Requires="p14">
             <p:contentPart p14:bwMode="auto" r:id="rId26">
               <p14:nvContentPartPr>
                 <p14:cNvPr id="17" name="Ink 16">
@@ -6731,7 +6578,7 @@
               </p14:xfrm>
             </p:contentPart>
           </mc:Choice>
-          <mc:Fallback>
+          <mc:Fallback xmlns="">
             <p:pic>
               <p:nvPicPr>
                 <p:cNvPr id="17" name="Ink 16">
@@ -6783,8 +6630,8 @@
             <a:chExt cx="2850480" cy="515520"/>
           </a:xfrm>
         </p:grpSpPr>
-        <mc:AlternateContent xmlns:mc="http://schemas.openxmlformats.org/markup-compatibility/2006">
-          <mc:Choice xmlns:p14="http://schemas.microsoft.com/office/powerpoint/2010/main" Requires="p14">
+        <mc:AlternateContent xmlns:mc="http://schemas.openxmlformats.org/markup-compatibility/2006" xmlns:p14="http://schemas.microsoft.com/office/powerpoint/2010/main">
+          <mc:Choice Requires="p14">
             <p:contentPart p14:bwMode="auto" r:id="rId28">
               <p14:nvContentPartPr>
                 <p14:cNvPr id="18" name="Ink 17">
@@ -6803,7 +6650,7 @@
               </p14:xfrm>
             </p:contentPart>
           </mc:Choice>
-          <mc:Fallback>
+          <mc:Fallback xmlns="">
             <p:pic>
               <p:nvPicPr>
                 <p:cNvPr id="18" name="Ink 17">
@@ -6834,8 +6681,8 @@
             </p:pic>
           </mc:Fallback>
         </mc:AlternateContent>
-        <mc:AlternateContent xmlns:mc="http://schemas.openxmlformats.org/markup-compatibility/2006">
-          <mc:Choice xmlns:p14="http://schemas.microsoft.com/office/powerpoint/2010/main" Requires="p14">
+        <mc:AlternateContent xmlns:mc="http://schemas.openxmlformats.org/markup-compatibility/2006" xmlns:p14="http://schemas.microsoft.com/office/powerpoint/2010/main">
+          <mc:Choice Requires="p14">
             <p:contentPart p14:bwMode="auto" r:id="rId30">
               <p14:nvContentPartPr>
                 <p14:cNvPr id="19" name="Ink 18">
@@ -6854,7 +6701,7 @@
               </p14:xfrm>
             </p:contentPart>
           </mc:Choice>
-          <mc:Fallback>
+          <mc:Fallback xmlns="">
             <p:pic>
               <p:nvPicPr>
                 <p:cNvPr id="19" name="Ink 18">
@@ -6885,8 +6732,8 @@
             </p:pic>
           </mc:Fallback>
         </mc:AlternateContent>
-        <mc:AlternateContent xmlns:mc="http://schemas.openxmlformats.org/markup-compatibility/2006">
-          <mc:Choice xmlns:p14="http://schemas.microsoft.com/office/powerpoint/2010/main" Requires="p14">
+        <mc:AlternateContent xmlns:mc="http://schemas.openxmlformats.org/markup-compatibility/2006" xmlns:p14="http://schemas.microsoft.com/office/powerpoint/2010/main">
+          <mc:Choice Requires="p14">
             <p:contentPart p14:bwMode="auto" r:id="rId32">
               <p14:nvContentPartPr>
                 <p14:cNvPr id="20" name="Ink 19">
@@ -6905,7 +6752,7 @@
               </p14:xfrm>
             </p:contentPart>
           </mc:Choice>
-          <mc:Fallback>
+          <mc:Fallback xmlns="">
             <p:pic>
               <p:nvPicPr>
                 <p:cNvPr id="20" name="Ink 19">
@@ -6936,8 +6783,8 @@
             </p:pic>
           </mc:Fallback>
         </mc:AlternateContent>
-        <mc:AlternateContent xmlns:mc="http://schemas.openxmlformats.org/markup-compatibility/2006">
-          <mc:Choice xmlns:p14="http://schemas.microsoft.com/office/powerpoint/2010/main" Requires="p14">
+        <mc:AlternateContent xmlns:mc="http://schemas.openxmlformats.org/markup-compatibility/2006" xmlns:p14="http://schemas.microsoft.com/office/powerpoint/2010/main">
+          <mc:Choice Requires="p14">
             <p:contentPart p14:bwMode="auto" r:id="rId34">
               <p14:nvContentPartPr>
                 <p14:cNvPr id="21" name="Ink 20">
@@ -6956,7 +6803,7 @@
               </p14:xfrm>
             </p:contentPart>
           </mc:Choice>
-          <mc:Fallback>
+          <mc:Fallback xmlns="">
             <p:pic>
               <p:nvPicPr>
                 <p:cNvPr id="21" name="Ink 20">
@@ -6987,8 +6834,8 @@
             </p:pic>
           </mc:Fallback>
         </mc:AlternateContent>
-        <mc:AlternateContent xmlns:mc="http://schemas.openxmlformats.org/markup-compatibility/2006">
-          <mc:Choice xmlns:p14="http://schemas.microsoft.com/office/powerpoint/2010/main" Requires="p14">
+        <mc:AlternateContent xmlns:mc="http://schemas.openxmlformats.org/markup-compatibility/2006" xmlns:p14="http://schemas.microsoft.com/office/powerpoint/2010/main">
+          <mc:Choice Requires="p14">
             <p:contentPart p14:bwMode="auto" r:id="rId36">
               <p14:nvContentPartPr>
                 <p14:cNvPr id="22" name="Ink 21">
@@ -7007,7 +6854,7 @@
               </p14:xfrm>
             </p:contentPart>
           </mc:Choice>
-          <mc:Fallback>
+          <mc:Fallback xmlns="">
             <p:pic>
               <p:nvPicPr>
                 <p:cNvPr id="22" name="Ink 21">
@@ -7038,8 +6885,8 @@
             </p:pic>
           </mc:Fallback>
         </mc:AlternateContent>
-        <mc:AlternateContent xmlns:mc="http://schemas.openxmlformats.org/markup-compatibility/2006">
-          <mc:Choice xmlns:p14="http://schemas.microsoft.com/office/powerpoint/2010/main" Requires="p14">
+        <mc:AlternateContent xmlns:mc="http://schemas.openxmlformats.org/markup-compatibility/2006" xmlns:p14="http://schemas.microsoft.com/office/powerpoint/2010/main">
+          <mc:Choice Requires="p14">
             <p:contentPart p14:bwMode="auto" r:id="rId38">
               <p14:nvContentPartPr>
                 <p14:cNvPr id="23" name="Ink 22">
@@ -7058,7 +6905,7 @@
               </p14:xfrm>
             </p:contentPart>
           </mc:Choice>
-          <mc:Fallback>
+          <mc:Fallback xmlns="">
             <p:pic>
               <p:nvPicPr>
                 <p:cNvPr id="23" name="Ink 22">
@@ -7089,8 +6936,8 @@
             </p:pic>
           </mc:Fallback>
         </mc:AlternateContent>
-        <mc:AlternateContent xmlns:mc="http://schemas.openxmlformats.org/markup-compatibility/2006">
-          <mc:Choice xmlns:p14="http://schemas.microsoft.com/office/powerpoint/2010/main" Requires="p14">
+        <mc:AlternateContent xmlns:mc="http://schemas.openxmlformats.org/markup-compatibility/2006" xmlns:p14="http://schemas.microsoft.com/office/powerpoint/2010/main">
+          <mc:Choice Requires="p14">
             <p:contentPart p14:bwMode="auto" r:id="rId40">
               <p14:nvContentPartPr>
                 <p14:cNvPr id="24" name="Ink 23">
@@ -7109,7 +6956,7 @@
               </p14:xfrm>
             </p:contentPart>
           </mc:Choice>
-          <mc:Fallback>
+          <mc:Fallback xmlns="">
             <p:pic>
               <p:nvPicPr>
                 <p:cNvPr id="24" name="Ink 23">
@@ -7140,8 +6987,8 @@
             </p:pic>
           </mc:Fallback>
         </mc:AlternateContent>
-        <mc:AlternateContent xmlns:mc="http://schemas.openxmlformats.org/markup-compatibility/2006">
-          <mc:Choice xmlns:p14="http://schemas.microsoft.com/office/powerpoint/2010/main" Requires="p14">
+        <mc:AlternateContent xmlns:mc="http://schemas.openxmlformats.org/markup-compatibility/2006" xmlns:p14="http://schemas.microsoft.com/office/powerpoint/2010/main">
+          <mc:Choice Requires="p14">
             <p:contentPart p14:bwMode="auto" r:id="rId42">
               <p14:nvContentPartPr>
                 <p14:cNvPr id="25" name="Ink 24">
@@ -7160,7 +7007,7 @@
               </p14:xfrm>
             </p:contentPart>
           </mc:Choice>
-          <mc:Fallback>
+          <mc:Fallback xmlns="">
             <p:pic>
               <p:nvPicPr>
                 <p:cNvPr id="25" name="Ink 24">

--- a/soutenanceH4132.pptx
+++ b/soutenanceH4132.pptx
@@ -9,8 +9,10 @@
     <p:sldId id="258" r:id="rId3"/>
     <p:sldId id="257" r:id="rId4"/>
     <p:sldId id="260" r:id="rId5"/>
-    <p:sldId id="261" r:id="rId6"/>
-    <p:sldId id="259" r:id="rId7"/>
+    <p:sldId id="262" r:id="rId6"/>
+    <p:sldId id="261" r:id="rId7"/>
+    <p:sldId id="259" r:id="rId8"/>
+    <p:sldId id="263" r:id="rId9"/>
   </p:sldIdLst>
   <p:sldSz cx="12192000" cy="6858000"/>
   <p:notesSz cx="6858000" cy="9144000"/>
@@ -847,7 +849,7 @@
           <a:p>
             <a:fld id="{B1C51D9F-93D4-4A3A-8587-F89FBF454838}" type="datetimeFigureOut">
               <a:rPr lang="en-US" smtClean="0"/>
-              <a:t>11/7/2022</a:t>
+              <a:t>11/8/2022</a:t>
             </a:fld>
             <a:endParaRPr lang="en-US"/>
           </a:p>
@@ -1045,7 +1047,7 @@
           <a:p>
             <a:fld id="{B1C51D9F-93D4-4A3A-8587-F89FBF454838}" type="datetimeFigureOut">
               <a:rPr lang="en-US" smtClean="0"/>
-              <a:t>11/7/2022</a:t>
+              <a:t>11/8/2022</a:t>
             </a:fld>
             <a:endParaRPr lang="en-US"/>
           </a:p>
@@ -1253,7 +1255,7 @@
           <a:p>
             <a:fld id="{B1C51D9F-93D4-4A3A-8587-F89FBF454838}" type="datetimeFigureOut">
               <a:rPr lang="en-US" smtClean="0"/>
-              <a:t>11/7/2022</a:t>
+              <a:t>11/8/2022</a:t>
             </a:fld>
             <a:endParaRPr lang="en-US"/>
           </a:p>
@@ -1451,7 +1453,7 @@
           <a:p>
             <a:fld id="{B1C51D9F-93D4-4A3A-8587-F89FBF454838}" type="datetimeFigureOut">
               <a:rPr lang="en-US" smtClean="0"/>
-              <a:t>11/7/2022</a:t>
+              <a:t>11/8/2022</a:t>
             </a:fld>
             <a:endParaRPr lang="en-US"/>
           </a:p>
@@ -1726,7 +1728,7 @@
           <a:p>
             <a:fld id="{B1C51D9F-93D4-4A3A-8587-F89FBF454838}" type="datetimeFigureOut">
               <a:rPr lang="en-US" smtClean="0"/>
-              <a:t>11/7/2022</a:t>
+              <a:t>11/8/2022</a:t>
             </a:fld>
             <a:endParaRPr lang="en-US"/>
           </a:p>
@@ -1991,7 +1993,7 @@
           <a:p>
             <a:fld id="{B1C51D9F-93D4-4A3A-8587-F89FBF454838}" type="datetimeFigureOut">
               <a:rPr lang="en-US" smtClean="0"/>
-              <a:t>11/7/2022</a:t>
+              <a:t>11/8/2022</a:t>
             </a:fld>
             <a:endParaRPr lang="en-US"/>
           </a:p>
@@ -2403,7 +2405,7 @@
           <a:p>
             <a:fld id="{B1C51D9F-93D4-4A3A-8587-F89FBF454838}" type="datetimeFigureOut">
               <a:rPr lang="en-US" smtClean="0"/>
-              <a:t>11/7/2022</a:t>
+              <a:t>11/8/2022</a:t>
             </a:fld>
             <a:endParaRPr lang="en-US"/>
           </a:p>
@@ -2544,7 +2546,7 @@
           <a:p>
             <a:fld id="{B1C51D9F-93D4-4A3A-8587-F89FBF454838}" type="datetimeFigureOut">
               <a:rPr lang="en-US" smtClean="0"/>
-              <a:t>11/7/2022</a:t>
+              <a:t>11/8/2022</a:t>
             </a:fld>
             <a:endParaRPr lang="en-US"/>
           </a:p>
@@ -2657,7 +2659,7 @@
           <a:p>
             <a:fld id="{B1C51D9F-93D4-4A3A-8587-F89FBF454838}" type="datetimeFigureOut">
               <a:rPr lang="en-US" smtClean="0"/>
-              <a:t>11/7/2022</a:t>
+              <a:t>11/8/2022</a:t>
             </a:fld>
             <a:endParaRPr lang="en-US"/>
           </a:p>
@@ -2968,7 +2970,7 @@
           <a:p>
             <a:fld id="{B1C51D9F-93D4-4A3A-8587-F89FBF454838}" type="datetimeFigureOut">
               <a:rPr lang="en-US" smtClean="0"/>
-              <a:t>11/7/2022</a:t>
+              <a:t>11/8/2022</a:t>
             </a:fld>
             <a:endParaRPr lang="en-US"/>
           </a:p>
@@ -3256,7 +3258,7 @@
           <a:p>
             <a:fld id="{B1C51D9F-93D4-4A3A-8587-F89FBF454838}" type="datetimeFigureOut">
               <a:rPr lang="en-US" smtClean="0"/>
-              <a:t>11/7/2022</a:t>
+              <a:t>11/8/2022</a:t>
             </a:fld>
             <a:endParaRPr lang="en-US"/>
           </a:p>
@@ -3497,7 +3499,7 @@
           <a:p>
             <a:fld id="{B1C51D9F-93D4-4A3A-8587-F89FBF454838}" type="datetimeFigureOut">
               <a:rPr lang="en-US" smtClean="0"/>
-              <a:t>11/7/2022</a:t>
+              <a:t>11/8/2022</a:t>
             </a:fld>
             <a:endParaRPr lang="en-US"/>
           </a:p>
@@ -4241,10 +4243,10 @@
       </p:sp>
       <p:pic>
         <p:nvPicPr>
-          <p:cNvPr id="17" name="Picture 16">
-            <a:extLst>
-              <a:ext uri="{FF2B5EF4-FFF2-40B4-BE49-F238E27FC236}">
-                <a16:creationId xmlns:a16="http://schemas.microsoft.com/office/drawing/2014/main" id="{0869085D-0A54-D3A2-FE9E-106E061710A2}"/>
+          <p:cNvPr id="3" name="Picture 2">
+            <a:extLst>
+              <a:ext uri="{FF2B5EF4-FFF2-40B4-BE49-F238E27FC236}">
+                <a16:creationId xmlns:a16="http://schemas.microsoft.com/office/drawing/2014/main" id="{86D9200F-3EA1-511B-A075-E7739EBE83A9}"/>
               </a:ext>
             </a:extLst>
           </p:cNvPr>
@@ -4267,8 +4269,8 @@
         </p:blipFill>
         <p:spPr>
           <a:xfrm>
-            <a:off x="8299881" y="377300"/>
-            <a:ext cx="492711" cy="492711"/>
+            <a:off x="1073505" y="4023064"/>
+            <a:ext cx="2295525" cy="1990725"/>
           </a:xfrm>
           <a:prstGeom prst="rect">
             <a:avLst/>
@@ -4277,10 +4279,10 @@
       </p:pic>
       <p:pic>
         <p:nvPicPr>
-          <p:cNvPr id="18" name="Picture 17">
-            <a:extLst>
-              <a:ext uri="{FF2B5EF4-FFF2-40B4-BE49-F238E27FC236}">
-                <a16:creationId xmlns:a16="http://schemas.microsoft.com/office/drawing/2014/main" id="{A5385946-FFFE-1095-61E9-F2214325C923}"/>
+          <p:cNvPr id="10" name="Picture 9">
+            <a:extLst>
+              <a:ext uri="{FF2B5EF4-FFF2-40B4-BE49-F238E27FC236}">
+                <a16:creationId xmlns:a16="http://schemas.microsoft.com/office/drawing/2014/main" id="{04C1246D-AF33-46F0-8E59-B20880E9441C}"/>
               </a:ext>
             </a:extLst>
           </p:cNvPr>
@@ -4290,7 +4292,7 @@
           <p:nvPr/>
         </p:nvPicPr>
         <p:blipFill>
-          <a:blip r:embed="rId3">
+          <a:blip r:embed="rId4">
             <a:extLst>
               <a:ext uri="{28A0092B-C50C-407E-A947-70E740481C1C}">
                 <a14:useLocalDpi xmlns:a14="http://schemas.microsoft.com/office/drawing/2010/main" val="0"/>
@@ -4303,8 +4305,8 @@
         </p:blipFill>
         <p:spPr>
           <a:xfrm>
-            <a:off x="8851036" y="377298"/>
-            <a:ext cx="492711" cy="492711"/>
+            <a:off x="2078504" y="5632881"/>
+            <a:ext cx="285527" cy="285527"/>
           </a:xfrm>
           <a:prstGeom prst="rect">
             <a:avLst/>
@@ -4313,10 +4315,10 @@
       </p:pic>
       <p:pic>
         <p:nvPicPr>
-          <p:cNvPr id="19" name="Picture 18">
-            <a:extLst>
-              <a:ext uri="{FF2B5EF4-FFF2-40B4-BE49-F238E27FC236}">
-                <a16:creationId xmlns:a16="http://schemas.microsoft.com/office/drawing/2014/main" id="{099ADAF3-36E0-0305-AF66-571784C77BAD}"/>
+          <p:cNvPr id="11" name="Picture 10">
+            <a:extLst>
+              <a:ext uri="{FF2B5EF4-FFF2-40B4-BE49-F238E27FC236}">
+                <a16:creationId xmlns:a16="http://schemas.microsoft.com/office/drawing/2014/main" id="{B08ACD22-9D96-F828-8FAF-6251B4ED92C0}"/>
               </a:ext>
             </a:extLst>
           </p:cNvPr>
@@ -4326,7 +4328,7 @@
           <p:nvPr/>
         </p:nvPicPr>
         <p:blipFill>
-          <a:blip r:embed="rId3">
+          <a:blip r:embed="rId4">
             <a:extLst>
               <a:ext uri="{28A0092B-C50C-407E-A947-70E740481C1C}">
                 <a14:useLocalDpi xmlns:a14="http://schemas.microsoft.com/office/drawing/2010/main" val="0"/>
@@ -4339,8 +4341,8 @@
         </p:blipFill>
         <p:spPr>
           <a:xfrm>
-            <a:off x="9955564" y="382476"/>
-            <a:ext cx="492711" cy="492711"/>
+            <a:off x="2364031" y="3806527"/>
+            <a:ext cx="285527" cy="285527"/>
           </a:xfrm>
           <a:prstGeom prst="rect">
             <a:avLst/>
@@ -4349,10 +4351,10 @@
       </p:pic>
       <p:pic>
         <p:nvPicPr>
-          <p:cNvPr id="20" name="Picture 19">
-            <a:extLst>
-              <a:ext uri="{FF2B5EF4-FFF2-40B4-BE49-F238E27FC236}">
-                <a16:creationId xmlns:a16="http://schemas.microsoft.com/office/drawing/2014/main" id="{C5FB7672-432C-EFC2-6DF8-F925F2524392}"/>
+          <p:cNvPr id="12" name="Picture 11">
+            <a:extLst>
+              <a:ext uri="{FF2B5EF4-FFF2-40B4-BE49-F238E27FC236}">
+                <a16:creationId xmlns:a16="http://schemas.microsoft.com/office/drawing/2014/main" id="{5DF52F92-D018-67A8-6556-939CC842B708}"/>
               </a:ext>
             </a:extLst>
           </p:cNvPr>
@@ -4362,7 +4364,14 @@
           <p:nvPr/>
         </p:nvPicPr>
         <p:blipFill>
-          <a:blip r:embed="rId3">
+          <a:blip r:embed="rId4">
+            <a:duotone>
+              <a:schemeClr val="accent4">
+                <a:shade val="45000"/>
+                <a:satMod val="135000"/>
+              </a:schemeClr>
+              <a:prstClr val="white"/>
+            </a:duotone>
             <a:extLst>
               <a:ext uri="{28A0092B-C50C-407E-A947-70E740481C1C}">
                 <a14:useLocalDpi xmlns:a14="http://schemas.microsoft.com/office/drawing/2010/main" val="0"/>
@@ -4375,8 +4384,48 @@
         </p:blipFill>
         <p:spPr>
           <a:xfrm>
-            <a:off x="9402191" y="377298"/>
-            <a:ext cx="492711" cy="492711"/>
+            <a:off x="2383685" y="5632881"/>
+            <a:ext cx="285527" cy="285527"/>
+          </a:xfrm>
+          <a:prstGeom prst="rect">
+            <a:avLst/>
+          </a:prstGeom>
+          <a:noFill/>
+          <a:ln>
+            <a:noFill/>
+          </a:ln>
+        </p:spPr>
+      </p:pic>
+      <p:pic>
+        <p:nvPicPr>
+          <p:cNvPr id="13" name="Picture 12">
+            <a:extLst>
+              <a:ext uri="{FF2B5EF4-FFF2-40B4-BE49-F238E27FC236}">
+                <a16:creationId xmlns:a16="http://schemas.microsoft.com/office/drawing/2014/main" id="{159A61CE-5B59-7B72-83C4-F26BE56894F4}"/>
+              </a:ext>
+            </a:extLst>
+          </p:cNvPr>
+          <p:cNvPicPr>
+            <a:picLocks noChangeAspect="1"/>
+          </p:cNvPicPr>
+          <p:nvPr/>
+        </p:nvPicPr>
+        <p:blipFill>
+          <a:blip r:embed="rId4">
+            <a:extLst>
+              <a:ext uri="{28A0092B-C50C-407E-A947-70E740481C1C}">
+                <a14:useLocalDpi xmlns:a14="http://schemas.microsoft.com/office/drawing/2010/main" val="0"/>
+              </a:ext>
+            </a:extLst>
+          </a:blip>
+          <a:stretch>
+            <a:fillRect/>
+          </a:stretch>
+        </p:blipFill>
+        <p:spPr>
+          <a:xfrm>
+            <a:off x="8299881" y="424685"/>
+            <a:ext cx="564907" cy="564907"/>
           </a:xfrm>
           <a:prstGeom prst="rect">
             <a:avLst/>
@@ -4385,10 +4434,10 @@
       </p:pic>
       <p:pic>
         <p:nvPicPr>
-          <p:cNvPr id="21" name="Picture 20">
-            <a:extLst>
-              <a:ext uri="{FF2B5EF4-FFF2-40B4-BE49-F238E27FC236}">
-                <a16:creationId xmlns:a16="http://schemas.microsoft.com/office/drawing/2014/main" id="{9314539D-B848-3A1F-ABF0-90FD4F79E6C9}"/>
+          <p:cNvPr id="42" name="Picture 41">
+            <a:extLst>
+              <a:ext uri="{FF2B5EF4-FFF2-40B4-BE49-F238E27FC236}">
+                <a16:creationId xmlns:a16="http://schemas.microsoft.com/office/drawing/2014/main" id="{1BC40B61-81A8-ABDD-F0D7-AC650B307C31}"/>
               </a:ext>
             </a:extLst>
           </p:cNvPr>
@@ -4398,7 +4447,7 @@
           <p:nvPr/>
         </p:nvPicPr>
         <p:blipFill>
-          <a:blip r:embed="rId3">
+          <a:blip r:embed="rId4">
             <a:extLst>
               <a:ext uri="{28A0092B-C50C-407E-A947-70E740481C1C}">
                 <a14:useLocalDpi xmlns:a14="http://schemas.microsoft.com/office/drawing/2010/main" val="0"/>
@@ -4411,8 +4460,8 @@
         </p:blipFill>
         <p:spPr>
           <a:xfrm>
-            <a:off x="8317632" y="2877403"/>
-            <a:ext cx="492711" cy="492711"/>
+            <a:off x="9030715" y="424686"/>
+            <a:ext cx="564907" cy="564907"/>
           </a:xfrm>
           <a:prstGeom prst="rect">
             <a:avLst/>
@@ -4421,10 +4470,10 @@
       </p:pic>
       <p:pic>
         <p:nvPicPr>
-          <p:cNvPr id="22" name="Picture 21">
-            <a:extLst>
-              <a:ext uri="{FF2B5EF4-FFF2-40B4-BE49-F238E27FC236}">
-                <a16:creationId xmlns:a16="http://schemas.microsoft.com/office/drawing/2014/main" id="{E4184BFB-48DF-26C2-CAB2-E278D33F52CC}"/>
+          <p:cNvPr id="43" name="Picture 42">
+            <a:extLst>
+              <a:ext uri="{FF2B5EF4-FFF2-40B4-BE49-F238E27FC236}">
+                <a16:creationId xmlns:a16="http://schemas.microsoft.com/office/drawing/2014/main" id="{27381BA1-7263-5DAB-298E-26EBB25AAEB9}"/>
               </a:ext>
             </a:extLst>
           </p:cNvPr>
@@ -4434,7 +4483,7 @@
           <p:nvPr/>
         </p:nvPicPr>
         <p:blipFill>
-          <a:blip r:embed="rId3">
+          <a:blip r:embed="rId4">
             <a:extLst>
               <a:ext uri="{28A0092B-C50C-407E-A947-70E740481C1C}">
                 <a14:useLocalDpi xmlns:a14="http://schemas.microsoft.com/office/drawing/2010/main" val="0"/>
@@ -4447,8 +4496,8 @@
         </p:blipFill>
         <p:spPr>
           <a:xfrm>
-            <a:off x="8317632" y="2336605"/>
-            <a:ext cx="492711" cy="492711"/>
+            <a:off x="9748022" y="424687"/>
+            <a:ext cx="564907" cy="564907"/>
           </a:xfrm>
           <a:prstGeom prst="rect">
             <a:avLst/>
@@ -4457,10 +4506,10 @@
       </p:pic>
       <p:pic>
         <p:nvPicPr>
-          <p:cNvPr id="23" name="Picture 22">
-            <a:extLst>
-              <a:ext uri="{FF2B5EF4-FFF2-40B4-BE49-F238E27FC236}">
-                <a16:creationId xmlns:a16="http://schemas.microsoft.com/office/drawing/2014/main" id="{C47790A9-E990-7ADE-0E2F-1A0958E114CA}"/>
+          <p:cNvPr id="44" name="Picture 43">
+            <a:extLst>
+              <a:ext uri="{FF2B5EF4-FFF2-40B4-BE49-F238E27FC236}">
+                <a16:creationId xmlns:a16="http://schemas.microsoft.com/office/drawing/2014/main" id="{2D443DED-585A-DAF4-C874-B488FB2B8177}"/>
               </a:ext>
             </a:extLst>
           </p:cNvPr>
@@ -4470,7 +4519,7 @@
           <p:nvPr/>
         </p:nvPicPr>
         <p:blipFill>
-          <a:blip r:embed="rId3">
+          <a:blip r:embed="rId4">
             <a:extLst>
               <a:ext uri="{28A0092B-C50C-407E-A947-70E740481C1C}">
                 <a14:useLocalDpi xmlns:a14="http://schemas.microsoft.com/office/drawing/2010/main" val="0"/>
@@ -4483,8 +4532,8 @@
         </p:blipFill>
         <p:spPr>
           <a:xfrm>
-            <a:off x="8299881" y="1784930"/>
-            <a:ext cx="492711" cy="492711"/>
+            <a:off x="10465329" y="424687"/>
+            <a:ext cx="564907" cy="564907"/>
           </a:xfrm>
           <a:prstGeom prst="rect">
             <a:avLst/>
@@ -4493,10 +4542,10 @@
       </p:pic>
       <p:pic>
         <p:nvPicPr>
-          <p:cNvPr id="24" name="Picture 23">
-            <a:extLst>
-              <a:ext uri="{FF2B5EF4-FFF2-40B4-BE49-F238E27FC236}">
-                <a16:creationId xmlns:a16="http://schemas.microsoft.com/office/drawing/2014/main" id="{BF1459AC-07E4-4FFE-0454-EFFBEDE53C8F}"/>
+          <p:cNvPr id="49" name="Picture 48">
+            <a:extLst>
+              <a:ext uri="{FF2B5EF4-FFF2-40B4-BE49-F238E27FC236}">
+                <a16:creationId xmlns:a16="http://schemas.microsoft.com/office/drawing/2014/main" id="{C9989BF2-AB1B-204A-9E64-8452285DB346}"/>
               </a:ext>
             </a:extLst>
           </p:cNvPr>
@@ -4506,7 +4555,7 @@
           <p:nvPr/>
         </p:nvPicPr>
         <p:blipFill>
-          <a:blip r:embed="rId3">
+          <a:blip r:embed="rId4">
             <a:extLst>
               <a:ext uri="{28A0092B-C50C-407E-A947-70E740481C1C}">
                 <a14:useLocalDpi xmlns:a14="http://schemas.microsoft.com/office/drawing/2010/main" val="0"/>
@@ -4519,8 +4568,8 @@
         </p:blipFill>
         <p:spPr>
           <a:xfrm>
-            <a:off x="8317633" y="1233255"/>
-            <a:ext cx="492711" cy="492711"/>
+            <a:off x="8299881" y="1293901"/>
+            <a:ext cx="564907" cy="564907"/>
           </a:xfrm>
           <a:prstGeom prst="rect">
             <a:avLst/>
@@ -4529,10 +4578,10 @@
       </p:pic>
       <p:pic>
         <p:nvPicPr>
-          <p:cNvPr id="25" name="Picture 24">
-            <a:extLst>
-              <a:ext uri="{FF2B5EF4-FFF2-40B4-BE49-F238E27FC236}">
-                <a16:creationId xmlns:a16="http://schemas.microsoft.com/office/drawing/2014/main" id="{7EFDF114-91A3-0314-5CF8-780A722C6578}"/>
+          <p:cNvPr id="50" name="Picture 49">
+            <a:extLst>
+              <a:ext uri="{FF2B5EF4-FFF2-40B4-BE49-F238E27FC236}">
+                <a16:creationId xmlns:a16="http://schemas.microsoft.com/office/drawing/2014/main" id="{07AB700C-7528-947B-1475-4044769F9EB6}"/>
               </a:ext>
             </a:extLst>
           </p:cNvPr>
@@ -4542,7 +4591,7 @@
           <p:nvPr/>
         </p:nvPicPr>
         <p:blipFill>
-          <a:blip r:embed="rId3">
+          <a:blip r:embed="rId4">
             <a:extLst>
               <a:ext uri="{28A0092B-C50C-407E-A947-70E740481C1C}">
                 <a14:useLocalDpi xmlns:a14="http://schemas.microsoft.com/office/drawing/2010/main" val="0"/>
@@ -4555,8 +4604,8 @@
         </p:blipFill>
         <p:spPr>
           <a:xfrm>
-            <a:off x="9814258" y="2943543"/>
-            <a:ext cx="492711" cy="492711"/>
+            <a:off x="8299880" y="1927591"/>
+            <a:ext cx="564907" cy="564907"/>
           </a:xfrm>
           <a:prstGeom prst="rect">
             <a:avLst/>
@@ -4565,10 +4614,10 @@
       </p:pic>
       <p:pic>
         <p:nvPicPr>
-          <p:cNvPr id="26" name="Picture 25">
-            <a:extLst>
-              <a:ext uri="{FF2B5EF4-FFF2-40B4-BE49-F238E27FC236}">
-                <a16:creationId xmlns:a16="http://schemas.microsoft.com/office/drawing/2014/main" id="{A3F579E1-6582-DE6B-FBB3-45D7CB4EC4CF}"/>
+          <p:cNvPr id="51" name="Picture 50">
+            <a:extLst>
+              <a:ext uri="{FF2B5EF4-FFF2-40B4-BE49-F238E27FC236}">
+                <a16:creationId xmlns:a16="http://schemas.microsoft.com/office/drawing/2014/main" id="{4BDC6BCA-FF3F-0A69-5E76-0037D5DE8FE0}"/>
               </a:ext>
             </a:extLst>
           </p:cNvPr>
@@ -4578,7 +4627,7 @@
           <p:nvPr/>
         </p:nvPicPr>
         <p:blipFill>
-          <a:blip r:embed="rId3">
+          <a:blip r:embed="rId4">
             <a:extLst>
               <a:ext uri="{28A0092B-C50C-407E-A947-70E740481C1C}">
                 <a14:useLocalDpi xmlns:a14="http://schemas.microsoft.com/office/drawing/2010/main" val="0"/>
@@ -4591,8 +4640,8 @@
         </p:blipFill>
         <p:spPr>
           <a:xfrm>
-            <a:off x="9343747" y="3360126"/>
-            <a:ext cx="492711" cy="492711"/>
+            <a:off x="8299880" y="2561281"/>
+            <a:ext cx="564907" cy="564907"/>
           </a:xfrm>
           <a:prstGeom prst="rect">
             <a:avLst/>
@@ -4601,10 +4650,10 @@
       </p:pic>
       <p:pic>
         <p:nvPicPr>
-          <p:cNvPr id="27" name="Picture 26">
-            <a:extLst>
-              <a:ext uri="{FF2B5EF4-FFF2-40B4-BE49-F238E27FC236}">
-                <a16:creationId xmlns:a16="http://schemas.microsoft.com/office/drawing/2014/main" id="{7E8FAD73-8148-FD9B-286F-D9B153FCDAD4}"/>
+          <p:cNvPr id="52" name="Picture 51">
+            <a:extLst>
+              <a:ext uri="{FF2B5EF4-FFF2-40B4-BE49-F238E27FC236}">
+                <a16:creationId xmlns:a16="http://schemas.microsoft.com/office/drawing/2014/main" id="{082B55FE-318E-A841-C813-FC315279C4F6}"/>
               </a:ext>
             </a:extLst>
           </p:cNvPr>
@@ -4614,7 +4663,7 @@
           <p:nvPr/>
         </p:nvPicPr>
         <p:blipFill>
-          <a:blip r:embed="rId3">
+          <a:blip r:embed="rId4">
             <a:extLst>
               <a:ext uri="{28A0092B-C50C-407E-A947-70E740481C1C}">
                 <a14:useLocalDpi xmlns:a14="http://schemas.microsoft.com/office/drawing/2010/main" val="0"/>
@@ -4627,8 +4676,8 @@
         </p:blipFill>
         <p:spPr>
           <a:xfrm>
-            <a:off x="8851036" y="3776709"/>
-            <a:ext cx="492711" cy="492711"/>
+            <a:off x="8299879" y="3194971"/>
+            <a:ext cx="564907" cy="564907"/>
           </a:xfrm>
           <a:prstGeom prst="rect">
             <a:avLst/>
@@ -4637,10 +4686,10 @@
       </p:pic>
       <p:pic>
         <p:nvPicPr>
-          <p:cNvPr id="28" name="Picture 27">
-            <a:extLst>
-              <a:ext uri="{FF2B5EF4-FFF2-40B4-BE49-F238E27FC236}">
-                <a16:creationId xmlns:a16="http://schemas.microsoft.com/office/drawing/2014/main" id="{0831894B-3531-4555-CD53-9AB9F3D03C16}"/>
+          <p:cNvPr id="53" name="Picture 52">
+            <a:extLst>
+              <a:ext uri="{FF2B5EF4-FFF2-40B4-BE49-F238E27FC236}">
+                <a16:creationId xmlns:a16="http://schemas.microsoft.com/office/drawing/2014/main" id="{7D795CB2-33A8-F068-4CD6-BACA27E03724}"/>
               </a:ext>
             </a:extLst>
           </p:cNvPr>
@@ -4650,7 +4699,7 @@
           <p:nvPr/>
         </p:nvPicPr>
         <p:blipFill>
-          <a:blip r:embed="rId3">
+          <a:blip r:embed="rId4">
             <a:extLst>
               <a:ext uri="{28A0092B-C50C-407E-A947-70E740481C1C}">
                 <a14:useLocalDpi xmlns:a14="http://schemas.microsoft.com/office/drawing/2010/main" val="0"/>
@@ -4663,8 +4712,8 @@
         </p:blipFill>
         <p:spPr>
           <a:xfrm>
-            <a:off x="8367937" y="4175465"/>
-            <a:ext cx="492711" cy="492711"/>
+            <a:off x="9264196" y="3666836"/>
+            <a:ext cx="564907" cy="564907"/>
           </a:xfrm>
           <a:prstGeom prst="rect">
             <a:avLst/>
@@ -4673,10 +4722,10 @@
       </p:pic>
       <p:pic>
         <p:nvPicPr>
-          <p:cNvPr id="29" name="Picture 28">
-            <a:extLst>
-              <a:ext uri="{FF2B5EF4-FFF2-40B4-BE49-F238E27FC236}">
-                <a16:creationId xmlns:a16="http://schemas.microsoft.com/office/drawing/2014/main" id="{91A7A59F-A583-4B83-F35E-56E45E523F70}"/>
+          <p:cNvPr id="54" name="Picture 53">
+            <a:extLst>
+              <a:ext uri="{FF2B5EF4-FFF2-40B4-BE49-F238E27FC236}">
+                <a16:creationId xmlns:a16="http://schemas.microsoft.com/office/drawing/2014/main" id="{DEFC62D7-0E24-5403-781A-FE9851F3167E}"/>
               </a:ext>
             </a:extLst>
           </p:cNvPr>
@@ -4686,7 +4735,7 @@
           <p:nvPr/>
         </p:nvPicPr>
         <p:blipFill>
-          <a:blip r:embed="rId3">
+          <a:blip r:embed="rId4">
             <a:extLst>
               <a:ext uri="{28A0092B-C50C-407E-A947-70E740481C1C}">
                 <a14:useLocalDpi xmlns:a14="http://schemas.microsoft.com/office/drawing/2010/main" val="0"/>
@@ -4699,8 +4748,8 @@
         </p:blipFill>
         <p:spPr>
           <a:xfrm>
-            <a:off x="11151824" y="5331321"/>
-            <a:ext cx="492711" cy="492711"/>
+            <a:off x="9800725" y="3194970"/>
+            <a:ext cx="564907" cy="564907"/>
           </a:xfrm>
           <a:prstGeom prst="rect">
             <a:avLst/>
@@ -4709,10 +4758,10 @@
       </p:pic>
       <p:pic>
         <p:nvPicPr>
-          <p:cNvPr id="30" name="Picture 29">
-            <a:extLst>
-              <a:ext uri="{FF2B5EF4-FFF2-40B4-BE49-F238E27FC236}">
-                <a16:creationId xmlns:a16="http://schemas.microsoft.com/office/drawing/2014/main" id="{EEEE1DC9-A5E1-A1DD-B639-4713701F5181}"/>
+          <p:cNvPr id="55" name="Picture 54">
+            <a:extLst>
+              <a:ext uri="{FF2B5EF4-FFF2-40B4-BE49-F238E27FC236}">
+                <a16:creationId xmlns:a16="http://schemas.microsoft.com/office/drawing/2014/main" id="{945AA4DB-CE8A-F00C-5EC9-B96A800606AE}"/>
               </a:ext>
             </a:extLst>
           </p:cNvPr>
@@ -4722,7 +4771,7 @@
           <p:nvPr/>
         </p:nvPicPr>
         <p:blipFill>
-          <a:blip r:embed="rId3">
+          <a:blip r:embed="rId4">
             <a:extLst>
               <a:ext uri="{28A0092B-C50C-407E-A947-70E740481C1C}">
                 <a14:useLocalDpi xmlns:a14="http://schemas.microsoft.com/office/drawing/2010/main" val="0"/>
@@ -4735,8 +4784,8 @@
         </p:blipFill>
         <p:spPr>
           <a:xfrm>
-            <a:off x="10684997" y="4929082"/>
-            <a:ext cx="492711" cy="492711"/>
+            <a:off x="10312929" y="2704103"/>
+            <a:ext cx="564907" cy="564907"/>
           </a:xfrm>
           <a:prstGeom prst="rect">
             <a:avLst/>
@@ -4745,10 +4794,10 @@
       </p:pic>
       <p:pic>
         <p:nvPicPr>
-          <p:cNvPr id="31" name="Picture 30">
-            <a:extLst>
-              <a:ext uri="{FF2B5EF4-FFF2-40B4-BE49-F238E27FC236}">
-                <a16:creationId xmlns:a16="http://schemas.microsoft.com/office/drawing/2014/main" id="{6469AFA6-E9CF-DBCD-F0BB-6785EB80502C}"/>
+          <p:cNvPr id="56" name="Picture 55">
+            <a:extLst>
+              <a:ext uri="{FF2B5EF4-FFF2-40B4-BE49-F238E27FC236}">
+                <a16:creationId xmlns:a16="http://schemas.microsoft.com/office/drawing/2014/main" id="{62B6AE7F-B15B-0F53-8DBE-1198C0EB18BC}"/>
               </a:ext>
             </a:extLst>
           </p:cNvPr>
@@ -4758,7 +4807,7 @@
           <p:nvPr/>
         </p:nvPicPr>
         <p:blipFill>
-          <a:blip r:embed="rId3">
+          <a:blip r:embed="rId4">
             <a:extLst>
               <a:ext uri="{28A0092B-C50C-407E-A947-70E740481C1C}">
                 <a14:useLocalDpi xmlns:a14="http://schemas.microsoft.com/office/drawing/2010/main" val="0"/>
@@ -4771,8 +4820,8 @@
         </p:blipFill>
         <p:spPr>
           <a:xfrm>
-            <a:off x="10247775" y="4537141"/>
-            <a:ext cx="492711" cy="492711"/>
+            <a:off x="10793419" y="2210044"/>
+            <a:ext cx="564907" cy="564907"/>
           </a:xfrm>
           <a:prstGeom prst="rect">
             <a:avLst/>
@@ -4781,10 +4830,10 @@
       </p:pic>
       <p:pic>
         <p:nvPicPr>
-          <p:cNvPr id="32" name="Picture 31">
-            <a:extLst>
-              <a:ext uri="{FF2B5EF4-FFF2-40B4-BE49-F238E27FC236}">
-                <a16:creationId xmlns:a16="http://schemas.microsoft.com/office/drawing/2014/main" id="{1604984E-7BA3-A16F-9A7A-9701CC99DF41}"/>
+          <p:cNvPr id="57" name="Picture 56">
+            <a:extLst>
+              <a:ext uri="{FF2B5EF4-FFF2-40B4-BE49-F238E27FC236}">
+                <a16:creationId xmlns:a16="http://schemas.microsoft.com/office/drawing/2014/main" id="{0C206D26-2ADD-4344-E8AE-5F169FEC4295}"/>
               </a:ext>
             </a:extLst>
           </p:cNvPr>
@@ -4794,7 +4843,7 @@
           <p:nvPr/>
         </p:nvPicPr>
         <p:blipFill>
-          <a:blip r:embed="rId3">
+          <a:blip r:embed="rId4">
             <a:extLst>
               <a:ext uri="{28A0092B-C50C-407E-A947-70E740481C1C}">
                 <a14:useLocalDpi xmlns:a14="http://schemas.microsoft.com/office/drawing/2010/main" val="0"/>
@@ -4807,8 +4856,116 @@
         </p:blipFill>
         <p:spPr>
           <a:xfrm>
-            <a:off x="9810553" y="4172663"/>
-            <a:ext cx="492711" cy="492711"/>
+            <a:off x="10030475" y="5731335"/>
+            <a:ext cx="564907" cy="564907"/>
+          </a:xfrm>
+          <a:prstGeom prst="rect">
+            <a:avLst/>
+          </a:prstGeom>
+        </p:spPr>
+      </p:pic>
+      <p:pic>
+        <p:nvPicPr>
+          <p:cNvPr id="58" name="Picture 57">
+            <a:extLst>
+              <a:ext uri="{FF2B5EF4-FFF2-40B4-BE49-F238E27FC236}">
+                <a16:creationId xmlns:a16="http://schemas.microsoft.com/office/drawing/2014/main" id="{0804AF18-2E89-77C7-1897-FD9637A15984}"/>
+              </a:ext>
+            </a:extLst>
+          </p:cNvPr>
+          <p:cNvPicPr>
+            <a:picLocks noChangeAspect="1"/>
+          </p:cNvPicPr>
+          <p:nvPr/>
+        </p:nvPicPr>
+        <p:blipFill>
+          <a:blip r:embed="rId4">
+            <a:extLst>
+              <a:ext uri="{28A0092B-C50C-407E-A947-70E740481C1C}">
+                <a14:useLocalDpi xmlns:a14="http://schemas.microsoft.com/office/drawing/2010/main" val="0"/>
+              </a:ext>
+            </a:extLst>
+          </a:blip>
+          <a:stretch>
+            <a:fillRect/>
+          </a:stretch>
+        </p:blipFill>
+        <p:spPr>
+          <a:xfrm>
+            <a:off x="9595622" y="5257116"/>
+            <a:ext cx="564907" cy="564907"/>
+          </a:xfrm>
+          <a:prstGeom prst="rect">
+            <a:avLst/>
+          </a:prstGeom>
+        </p:spPr>
+      </p:pic>
+      <p:pic>
+        <p:nvPicPr>
+          <p:cNvPr id="59" name="Picture 58">
+            <a:extLst>
+              <a:ext uri="{FF2B5EF4-FFF2-40B4-BE49-F238E27FC236}">
+                <a16:creationId xmlns:a16="http://schemas.microsoft.com/office/drawing/2014/main" id="{18A6911E-BFFB-1352-B235-D4EB620B6FED}"/>
+              </a:ext>
+            </a:extLst>
+          </p:cNvPr>
+          <p:cNvPicPr>
+            <a:picLocks noChangeAspect="1"/>
+          </p:cNvPicPr>
+          <p:nvPr/>
+        </p:nvPicPr>
+        <p:blipFill>
+          <a:blip r:embed="rId4">
+            <a:extLst>
+              <a:ext uri="{28A0092B-C50C-407E-A947-70E740481C1C}">
+                <a14:useLocalDpi xmlns:a14="http://schemas.microsoft.com/office/drawing/2010/main" val="0"/>
+              </a:ext>
+            </a:extLst>
+          </a:blip>
+          <a:stretch>
+            <a:fillRect/>
+          </a:stretch>
+        </p:blipFill>
+        <p:spPr>
+          <a:xfrm>
+            <a:off x="9169586" y="4821174"/>
+            <a:ext cx="564907" cy="564907"/>
+          </a:xfrm>
+          <a:prstGeom prst="rect">
+            <a:avLst/>
+          </a:prstGeom>
+        </p:spPr>
+      </p:pic>
+      <p:pic>
+        <p:nvPicPr>
+          <p:cNvPr id="60" name="Picture 59">
+            <a:extLst>
+              <a:ext uri="{FF2B5EF4-FFF2-40B4-BE49-F238E27FC236}">
+                <a16:creationId xmlns:a16="http://schemas.microsoft.com/office/drawing/2014/main" id="{D2464243-1C0E-7432-1EEA-127CF738E495}"/>
+              </a:ext>
+            </a:extLst>
+          </p:cNvPr>
+          <p:cNvPicPr>
+            <a:picLocks noChangeAspect="1"/>
+          </p:cNvPicPr>
+          <p:nvPr/>
+        </p:nvPicPr>
+        <p:blipFill>
+          <a:blip r:embed="rId4">
+            <a:extLst>
+              <a:ext uri="{28A0092B-C50C-407E-A947-70E740481C1C}">
+                <a14:useLocalDpi xmlns:a14="http://schemas.microsoft.com/office/drawing/2010/main" val="0"/>
+              </a:ext>
+            </a:extLst>
+          </a:blip>
+          <a:stretch>
+            <a:fillRect/>
+          </a:stretch>
+        </p:blipFill>
+        <p:spPr>
+          <a:xfrm>
+            <a:off x="8756046" y="4385232"/>
+            <a:ext cx="564907" cy="564907"/>
           </a:xfrm>
           <a:prstGeom prst="rect">
             <a:avLst/>
@@ -5031,7 +5188,7 @@
         <p:spPr>
           <a:xfrm>
             <a:off x="145079" y="1818180"/>
-            <a:ext cx="4210957" cy="3108543"/>
+            <a:ext cx="4858849" cy="3539430"/>
           </a:xfrm>
           <a:prstGeom prst="rect">
             <a:avLst/>
@@ -5091,7 +5248,21 @@
                 <a:latin typeface="Times New Roman" panose="02020603050405020304" pitchFamily="18" charset="0"/>
                 <a:cs typeface="Times New Roman" panose="02020603050405020304" pitchFamily="18" charset="0"/>
               </a:rPr>
-              <a:t>IA minimax 3 à 5 – </a:t>
+              <a:t>IA minimax de </a:t>
+            </a:r>
+            <a:r>
+              <a:rPr lang="en-US" sz="2800" dirty="0" err="1">
+                <a:latin typeface="Times New Roman" panose="02020603050405020304" pitchFamily="18" charset="0"/>
+                <a:cs typeface="Times New Roman" panose="02020603050405020304" pitchFamily="18" charset="0"/>
+              </a:rPr>
+              <a:t>niveaux</a:t>
+            </a:r>
+            <a:r>
+              <a:rPr lang="en-US" sz="2800" dirty="0">
+                <a:latin typeface="Times New Roman" panose="02020603050405020304" pitchFamily="18" charset="0"/>
+                <a:cs typeface="Times New Roman" panose="02020603050405020304" pitchFamily="18" charset="0"/>
+              </a:rPr>
+              <a:t> 3 à 5 – </a:t>
             </a:r>
             <a:r>
               <a:rPr lang="en-US" sz="2800" dirty="0" err="1">
@@ -5160,6 +5331,32 @@
               <a:latin typeface="Times New Roman" panose="02020603050405020304" pitchFamily="18" charset="0"/>
               <a:cs typeface="Times New Roman" panose="02020603050405020304" pitchFamily="18" charset="0"/>
             </a:endParaRPr>
+          </a:p>
+          <a:p>
+            <a:pPr marL="342900" indent="-342900" algn="just">
+              <a:buAutoNum type="arabicPeriod"/>
+            </a:pPr>
+            <a:r>
+              <a:rPr lang="en-US" sz="2800" dirty="0">
+                <a:latin typeface="Times New Roman" panose="02020603050405020304" pitchFamily="18" charset="0"/>
+                <a:cs typeface="Times New Roman" panose="02020603050405020304" pitchFamily="18" charset="0"/>
+              </a:rPr>
+              <a:t>Nouvelles </a:t>
+            </a:r>
+            <a:r>
+              <a:rPr lang="en-US" sz="2800" dirty="0" err="1">
+                <a:latin typeface="Times New Roman" panose="02020603050405020304" pitchFamily="18" charset="0"/>
+                <a:cs typeface="Times New Roman" panose="02020603050405020304" pitchFamily="18" charset="0"/>
+              </a:rPr>
+              <a:t>heuristiques</a:t>
+            </a:r>
+            <a:r>
+              <a:rPr lang="en-US" sz="2800" dirty="0">
+                <a:latin typeface="Times New Roman" panose="02020603050405020304" pitchFamily="18" charset="0"/>
+                <a:cs typeface="Times New Roman" panose="02020603050405020304" pitchFamily="18" charset="0"/>
+              </a:rPr>
+              <a:t> ?</a:t>
+            </a:r>
           </a:p>
         </p:txBody>
       </p:sp>
@@ -5741,6 +5938,190 @@
           <a:chExt cx="0" cy="0"/>
         </a:xfrm>
       </p:grpSpPr>
+      <p:graphicFrame>
+        <p:nvGraphicFramePr>
+          <p:cNvPr id="4" name="Table 4">
+            <a:extLst>
+              <a:ext uri="{FF2B5EF4-FFF2-40B4-BE49-F238E27FC236}">
+                <a16:creationId xmlns:a16="http://schemas.microsoft.com/office/drawing/2014/main" id="{36E725D5-33F9-8665-2BC9-27C6B687C240}"/>
+              </a:ext>
+            </a:extLst>
+          </p:cNvPr>
+          <p:cNvGraphicFramePr>
+            <a:graphicFrameLocks noGrp="1"/>
+          </p:cNvGraphicFramePr>
+          <p:nvPr>
+            <p:extLst>
+              <p:ext uri="{D42A27DB-BD31-4B8C-83A1-F6EECF244321}">
+                <p14:modId xmlns:p14="http://schemas.microsoft.com/office/powerpoint/2010/main" val="21728106"/>
+              </p:ext>
+            </p:extLst>
+          </p:nvPr>
+        </p:nvGraphicFramePr>
+        <p:xfrm>
+          <a:off x="1617942" y="2029531"/>
+          <a:ext cx="8956116" cy="2798938"/>
+        </p:xfrm>
+        <a:graphic>
+          <a:graphicData uri="http://schemas.openxmlformats.org/drawingml/2006/table">
+            <a:tbl>
+              <a:tblPr firstRow="1" bandRow="1">
+                <a:tableStyleId>{0505E3EF-67EA-436B-97B2-0124C06EBD24}</a:tableStyleId>
+              </a:tblPr>
+              <a:tblGrid>
+                <a:gridCol w="4478058">
+                  <a:extLst>
+                    <a:ext uri="{9D8B030D-6E8A-4147-A177-3AD203B41FA5}">
+                      <a16:colId xmlns:a16="http://schemas.microsoft.com/office/drawing/2014/main" val="3701756039"/>
+                    </a:ext>
+                  </a:extLst>
+                </a:gridCol>
+                <a:gridCol w="4478058">
+                  <a:extLst>
+                    <a:ext uri="{9D8B030D-6E8A-4147-A177-3AD203B41FA5}">
+                      <a16:colId xmlns:a16="http://schemas.microsoft.com/office/drawing/2014/main" val="1147236668"/>
+                    </a:ext>
+                  </a:extLst>
+                </a:gridCol>
+              </a:tblGrid>
+              <a:tr h="537337">
+                <a:tc>
+                  <a:txBody>
+                    <a:bodyPr/>
+                    <a:lstStyle/>
+                    <a:p>
+                      <a:pPr algn="ctr"/>
+                      <a:r>
+                        <a:rPr lang="en-US" dirty="0" err="1"/>
+                        <a:t>Heuristique</a:t>
+                      </a:r>
+                      <a:r>
+                        <a:rPr lang="en-US" dirty="0"/>
+                        <a:t> de test</a:t>
+                      </a:r>
+                    </a:p>
+                  </a:txBody>
+                  <a:tcPr/>
+                </a:tc>
+                <a:tc>
+                  <a:txBody>
+                    <a:bodyPr/>
+                    <a:lstStyle/>
+                    <a:p>
+                      <a:pPr marL="0" marR="0" lvl="0" indent="0" algn="ctr" defTabSz="914400" rtl="0" eaLnBrk="1" fontAlgn="auto" latinLnBrk="0" hangingPunct="1">
+                        <a:lnSpc>
+                          <a:spcPct val="100000"/>
+                        </a:lnSpc>
+                        <a:spcBef>
+                          <a:spcPts val="0"/>
+                        </a:spcBef>
+                        <a:spcAft>
+                          <a:spcPts val="0"/>
+                        </a:spcAft>
+                        <a:buClrTx/>
+                        <a:buSzTx/>
+                        <a:buFontTx/>
+                        <a:buNone/>
+                        <a:tabLst/>
+                        <a:defRPr/>
+                      </a:pPr>
+                      <a:r>
+                        <a:rPr lang="en-US" dirty="0" err="1"/>
+                        <a:t>Heuristique</a:t>
+                      </a:r>
+                      <a:r>
+                        <a:rPr lang="en-US" dirty="0"/>
+                        <a:t> de configuration</a:t>
+                      </a:r>
+                    </a:p>
+                  </a:txBody>
+                  <a:tcPr/>
+                </a:tc>
+                <a:extLst>
+                  <a:ext uri="{0D108BD9-81ED-4DB2-BD59-A6C34878D82A}">
+                    <a16:rowId xmlns:a16="http://schemas.microsoft.com/office/drawing/2014/main" val="3059242724"/>
+                  </a:ext>
+                </a:extLst>
+              </a:tr>
+              <a:tr h="2261601">
+                <a:tc>
+                  <a:txBody>
+                    <a:bodyPr/>
+                    <a:lstStyle/>
+                    <a:p>
+                      <a:pPr algn="ctr"/>
+                      <a:endParaRPr lang="en-US" dirty="0"/>
+                    </a:p>
+                  </a:txBody>
+                  <a:tcPr/>
+                </a:tc>
+                <a:tc>
+                  <a:txBody>
+                    <a:bodyPr/>
+                    <a:lstStyle/>
+                    <a:p>
+                      <a:pPr marL="0" marR="0" lvl="0" indent="0" algn="ctr" defTabSz="914400" rtl="0" eaLnBrk="1" fontAlgn="auto" latinLnBrk="0" hangingPunct="1">
+                        <a:lnSpc>
+                          <a:spcPct val="100000"/>
+                        </a:lnSpc>
+                        <a:spcBef>
+                          <a:spcPts val="0"/>
+                        </a:spcBef>
+                        <a:spcAft>
+                          <a:spcPts val="0"/>
+                        </a:spcAft>
+                        <a:buClrTx/>
+                        <a:buSzTx/>
+                        <a:buFontTx/>
+                        <a:buNone/>
+                        <a:tabLst/>
+                        <a:defRPr/>
+                      </a:pPr>
+                      <a:endParaRPr lang="en-US" dirty="0"/>
+                    </a:p>
+                  </a:txBody>
+                  <a:tcPr/>
+                </a:tc>
+                <a:extLst>
+                  <a:ext uri="{0D108BD9-81ED-4DB2-BD59-A6C34878D82A}">
+                    <a16:rowId xmlns:a16="http://schemas.microsoft.com/office/drawing/2014/main" val="996401370"/>
+                  </a:ext>
+                </a:extLst>
+              </a:tr>
+            </a:tbl>
+          </a:graphicData>
+        </a:graphic>
+      </p:graphicFrame>
+    </p:spTree>
+    <p:extLst>
+      <p:ext uri="{BB962C8B-B14F-4D97-AF65-F5344CB8AC3E}">
+        <p14:creationId xmlns:p14="http://schemas.microsoft.com/office/powerpoint/2010/main" val="428637583"/>
+      </p:ext>
+    </p:extLst>
+  </p:cSld>
+  <p:clrMapOvr>
+    <a:masterClrMapping/>
+  </p:clrMapOvr>
+</p:sld>
+</file>
+
+<file path=ppt/slides/slide6.xml><?xml version="1.0" encoding="utf-8"?>
+<p:sld xmlns:a="http://schemas.openxmlformats.org/drawingml/2006/main" xmlns:r="http://schemas.openxmlformats.org/officeDocument/2006/relationships" xmlns:p="http://schemas.openxmlformats.org/presentationml/2006/main">
+  <p:cSld>
+    <p:spTree>
+      <p:nvGrpSpPr>
+        <p:cNvPr id="1" name=""/>
+        <p:cNvGrpSpPr/>
+        <p:nvPr/>
+      </p:nvGrpSpPr>
+      <p:grpSpPr>
+        <a:xfrm>
+          <a:off x="0" y="0"/>
+          <a:ext cx="0" cy="0"/>
+          <a:chOff x="0" y="0"/>
+          <a:chExt cx="0" cy="0"/>
+        </a:xfrm>
+      </p:grpSpPr>
       <p:sp>
         <p:nvSpPr>
           <p:cNvPr id="2" name="Title 1">
@@ -5797,8 +6178,275 @@
         </p:nvSpPr>
         <p:spPr/>
         <p:txBody>
-          <a:bodyPr/>
+          <a:bodyPr>
+            <a:normAutofit lnSpcReduction="10000"/>
+          </a:bodyPr>
           <a:lstStyle/>
+          <a:p>
+            <a:r>
+              <a:rPr lang="en-US" dirty="0" err="1"/>
+              <a:t>Mesure</a:t>
+            </a:r>
+            <a:r>
+              <a:rPr lang="en-US" dirty="0"/>
+              <a:t> de la </a:t>
+            </a:r>
+            <a:r>
+              <a:rPr lang="en-US" dirty="0" err="1"/>
+              <a:t>mémoire</a:t>
+            </a:r>
+            <a:r>
+              <a:rPr lang="en-US" dirty="0"/>
+              <a:t> </a:t>
+            </a:r>
+            <a:r>
+              <a:rPr lang="en-US" dirty="0" err="1"/>
+              <a:t>allouée</a:t>
+            </a:r>
+            <a:r>
+              <a:rPr lang="en-US" dirty="0"/>
+              <a:t>? De la </a:t>
+            </a:r>
+            <a:r>
+              <a:rPr lang="en-US" dirty="0" err="1"/>
+              <a:t>mémoire</a:t>
+            </a:r>
+            <a:r>
+              <a:rPr lang="en-US" dirty="0"/>
+              <a:t> </a:t>
+            </a:r>
+            <a:r>
+              <a:rPr lang="en-US" dirty="0" err="1"/>
+              <a:t>utilisée</a:t>
+            </a:r>
+            <a:r>
+              <a:rPr lang="en-US" dirty="0"/>
+              <a:t>?</a:t>
+            </a:r>
+          </a:p>
+          <a:p>
+            <a:r>
+              <a:rPr lang="en-US" dirty="0" err="1"/>
+              <a:t>Mesure</a:t>
+            </a:r>
+            <a:r>
+              <a:rPr lang="en-US" dirty="0"/>
+              <a:t> du </a:t>
+            </a:r>
+            <a:r>
+              <a:rPr lang="en-US" dirty="0" err="1"/>
+              <a:t>nombre</a:t>
+            </a:r>
+            <a:r>
+              <a:rPr lang="en-US" dirty="0"/>
+              <a:t> </a:t>
+            </a:r>
+            <a:r>
+              <a:rPr lang="en-US" dirty="0" err="1"/>
+              <a:t>d’inférences</a:t>
+            </a:r>
+            <a:r>
+              <a:rPr lang="en-US" dirty="0"/>
+              <a:t> </a:t>
+            </a:r>
+            <a:r>
+              <a:rPr lang="en-US" dirty="0" err="1"/>
+              <a:t>faites</a:t>
+            </a:r>
+            <a:r>
+              <a:rPr lang="en-US" dirty="0"/>
+              <a:t>?</a:t>
+            </a:r>
+          </a:p>
+          <a:p>
+            <a:r>
+              <a:rPr lang="en-US" dirty="0" err="1"/>
+              <a:t>Mesure</a:t>
+            </a:r>
+            <a:r>
+              <a:rPr lang="en-US" dirty="0"/>
+              <a:t> du temps total passé? Du temps </a:t>
+            </a:r>
+            <a:r>
+              <a:rPr lang="en-US" dirty="0" err="1"/>
+              <a:t>moyen</a:t>
+            </a:r>
+            <a:r>
+              <a:rPr lang="en-US" dirty="0"/>
+              <a:t>?</a:t>
+            </a:r>
+          </a:p>
+          <a:p>
+            <a:r>
+              <a:rPr lang="en-US" dirty="0" err="1"/>
+              <a:t>Mesure</a:t>
+            </a:r>
+            <a:r>
+              <a:rPr lang="en-US" dirty="0"/>
+              <a:t> du </a:t>
+            </a:r>
+            <a:r>
+              <a:rPr lang="en-US" dirty="0" err="1"/>
+              <a:t>nombre</a:t>
+            </a:r>
+            <a:r>
+              <a:rPr lang="en-US" dirty="0"/>
+              <a:t> de coups </a:t>
+            </a:r>
+            <a:r>
+              <a:rPr lang="en-US" dirty="0" err="1"/>
+              <a:t>gagnants</a:t>
+            </a:r>
+            <a:r>
+              <a:rPr lang="en-US" dirty="0"/>
+              <a:t> </a:t>
+            </a:r>
+            <a:r>
+              <a:rPr lang="en-US" dirty="0" err="1"/>
+              <a:t>moyens</a:t>
+            </a:r>
+            <a:r>
+              <a:rPr lang="en-US" dirty="0"/>
+              <a:t>? </a:t>
+            </a:r>
+            <a:r>
+              <a:rPr lang="en-US" dirty="0" err="1"/>
+              <a:t>Voire</a:t>
+            </a:r>
+            <a:r>
+              <a:rPr lang="en-US" dirty="0"/>
+              <a:t> </a:t>
+            </a:r>
+            <a:r>
+              <a:rPr lang="en-US" dirty="0" err="1"/>
+              <a:t>nombre</a:t>
+            </a:r>
+            <a:r>
+              <a:rPr lang="en-US" dirty="0"/>
+              <a:t> de coups </a:t>
+            </a:r>
+            <a:r>
+              <a:rPr lang="en-US" dirty="0" err="1"/>
+              <a:t>perdants</a:t>
+            </a:r>
+            <a:r>
+              <a:rPr lang="en-US" dirty="0"/>
+              <a:t> </a:t>
+            </a:r>
+            <a:r>
+              <a:rPr lang="en-US" dirty="0" err="1"/>
+              <a:t>moyens</a:t>
+            </a:r>
+            <a:r>
+              <a:rPr lang="en-US" dirty="0"/>
+              <a:t>?</a:t>
+            </a:r>
+          </a:p>
+          <a:p>
+            <a:r>
+              <a:rPr lang="en-US" dirty="0"/>
+              <a:t>Par IA? Par </a:t>
+            </a:r>
+            <a:r>
+              <a:rPr lang="en-US" dirty="0" err="1"/>
+              <a:t>itération</a:t>
+            </a:r>
+            <a:r>
+              <a:rPr lang="en-US" dirty="0"/>
+              <a:t>? </a:t>
+            </a:r>
+          </a:p>
+          <a:p>
+            <a:r>
+              <a:rPr lang="en-US" dirty="0"/>
+              <a:t>Quelle IA </a:t>
+            </a:r>
+            <a:r>
+              <a:rPr lang="en-US" dirty="0" err="1"/>
+              <a:t>gagne</a:t>
+            </a:r>
+            <a:r>
+              <a:rPr lang="en-US" dirty="0"/>
+              <a:t> </a:t>
+            </a:r>
+            <a:r>
+              <a:rPr lang="en-US" dirty="0" err="1"/>
+              <a:t>contre</a:t>
+            </a:r>
+            <a:r>
+              <a:rPr lang="en-US" dirty="0"/>
+              <a:t> quelle IA? </a:t>
+            </a:r>
+            <a:r>
+              <a:rPr lang="en-US" dirty="0" err="1"/>
+              <a:t>Laquelle</a:t>
+            </a:r>
+            <a:r>
+              <a:rPr lang="en-US" dirty="0"/>
+              <a:t> </a:t>
+            </a:r>
+            <a:r>
+              <a:rPr lang="en-US" dirty="0" err="1"/>
+              <a:t>possède</a:t>
+            </a:r>
+            <a:r>
+              <a:rPr lang="en-US" dirty="0"/>
+              <a:t> le plus grand ratio </a:t>
+            </a:r>
+            <a:r>
+              <a:rPr lang="en-US" dirty="0" err="1"/>
+              <a:t>nbVictoires</a:t>
+            </a:r>
+            <a:r>
+              <a:rPr lang="en-US" dirty="0"/>
+              <a:t> / </a:t>
+            </a:r>
+            <a:r>
+              <a:rPr lang="en-US" dirty="0" err="1"/>
+              <a:t>tempsDeCalcul</a:t>
+            </a:r>
+            <a:r>
+              <a:rPr lang="en-US" dirty="0"/>
+              <a:t>?</a:t>
+            </a:r>
+          </a:p>
+          <a:p>
+            <a:r>
+              <a:rPr lang="en-US" dirty="0" err="1"/>
+              <a:t>Laquelle</a:t>
+            </a:r>
+            <a:r>
+              <a:rPr lang="en-US" dirty="0"/>
+              <a:t> </a:t>
+            </a:r>
+            <a:r>
+              <a:rPr lang="en-US" dirty="0" err="1"/>
+              <a:t>possède</a:t>
+            </a:r>
+            <a:r>
+              <a:rPr lang="en-US" dirty="0"/>
+              <a:t> le plus grand ratio </a:t>
+            </a:r>
+            <a:r>
+              <a:rPr lang="en-US" dirty="0" err="1"/>
+              <a:t>nbVictoires</a:t>
+            </a:r>
+            <a:r>
+              <a:rPr lang="en-US" dirty="0"/>
+              <a:t> / </a:t>
+            </a:r>
+            <a:r>
+              <a:rPr lang="en-US" dirty="0" err="1"/>
+              <a:t>nombreCoupsJoués</a:t>
+            </a:r>
+            <a:r>
+              <a:rPr lang="en-US" dirty="0"/>
+              <a:t>?</a:t>
+            </a:r>
+          </a:p>
+          <a:p>
+            <a:endParaRPr lang="en-US" dirty="0"/>
+          </a:p>
           <a:p>
             <a:endParaRPr lang="en-US" dirty="0"/>
           </a:p>
@@ -5817,7 +6465,7 @@
 </p:sld>
 </file>
 
-<file path=ppt/slides/slide6.xml><?xml version="1.0" encoding="utf-8"?>
+<file path=ppt/slides/slide7.xml><?xml version="1.0" encoding="utf-8"?>
 <p:sld xmlns:a="http://schemas.openxmlformats.org/drawingml/2006/main" xmlns:r="http://schemas.openxmlformats.org/officeDocument/2006/relationships" xmlns:p="http://schemas.openxmlformats.org/presentationml/2006/main">
   <p:cSld>
     <p:spTree>
@@ -7052,6 +7700,142 @@
 </p:sld>
 </file>
 
+<file path=ppt/slides/slide8.xml><?xml version="1.0" encoding="utf-8"?>
+<p:sld xmlns:a="http://schemas.openxmlformats.org/drawingml/2006/main" xmlns:r="http://schemas.openxmlformats.org/officeDocument/2006/relationships" xmlns:p="http://schemas.openxmlformats.org/presentationml/2006/main">
+  <p:cSld>
+    <p:spTree>
+      <p:nvGrpSpPr>
+        <p:cNvPr id="1" name=""/>
+        <p:cNvGrpSpPr/>
+        <p:nvPr/>
+      </p:nvGrpSpPr>
+      <p:grpSpPr>
+        <a:xfrm>
+          <a:off x="0" y="0"/>
+          <a:ext cx="0" cy="0"/>
+          <a:chOff x="0" y="0"/>
+          <a:chExt cx="0" cy="0"/>
+        </a:xfrm>
+      </p:grpSpPr>
+      <p:sp>
+        <p:nvSpPr>
+          <p:cNvPr id="2" name="Title 1">
+            <a:extLst>
+              <a:ext uri="{FF2B5EF4-FFF2-40B4-BE49-F238E27FC236}">
+                <a16:creationId xmlns:a16="http://schemas.microsoft.com/office/drawing/2014/main" id="{786344D9-B452-03F8-6BE9-6D25038EF356}"/>
+              </a:ext>
+            </a:extLst>
+          </p:cNvPr>
+          <p:cNvSpPr>
+            <a:spLocks noGrp="1"/>
+          </p:cNvSpPr>
+          <p:nvPr>
+            <p:ph type="title"/>
+          </p:nvPr>
+        </p:nvSpPr>
+        <p:spPr/>
+        <p:txBody>
+          <a:bodyPr/>
+          <a:lstStyle/>
+          <a:p>
+            <a:pPr algn="ctr"/>
+            <a:r>
+              <a:rPr lang="en-US" dirty="0"/>
+              <a:t>Conclusion</a:t>
+            </a:r>
+          </a:p>
+        </p:txBody>
+      </p:sp>
+      <p:sp>
+        <p:nvSpPr>
+          <p:cNvPr id="3" name="Content Placeholder 2">
+            <a:extLst>
+              <a:ext uri="{FF2B5EF4-FFF2-40B4-BE49-F238E27FC236}">
+                <a16:creationId xmlns:a16="http://schemas.microsoft.com/office/drawing/2014/main" id="{277B7E95-4F83-7A36-D536-6D480296D15C}"/>
+              </a:ext>
+            </a:extLst>
+          </p:cNvPr>
+          <p:cNvSpPr>
+            <a:spLocks noGrp="1"/>
+          </p:cNvSpPr>
+          <p:nvPr>
+            <p:ph idx="1"/>
+          </p:nvPr>
+        </p:nvSpPr>
+        <p:spPr/>
+        <p:txBody>
+          <a:bodyPr/>
+          <a:lstStyle/>
+          <a:p>
+            <a:r>
+              <a:rPr lang="en-US" dirty="0" err="1"/>
+              <a:t>Qu’a</a:t>
+            </a:r>
+            <a:r>
+              <a:rPr lang="en-US" dirty="0"/>
+              <a:t>-t-on </a:t>
+            </a:r>
+            <a:r>
+              <a:rPr lang="en-US" dirty="0" err="1"/>
+              <a:t>appris</a:t>
+            </a:r>
+            <a:r>
+              <a:rPr lang="en-US" dirty="0"/>
+              <a:t>?</a:t>
+            </a:r>
+          </a:p>
+          <a:p>
+            <a:r>
+              <a:rPr lang="en-US" dirty="0"/>
+              <a:t>Comment nous </a:t>
+            </a:r>
+            <a:r>
+              <a:rPr lang="en-US" dirty="0" err="1"/>
+              <a:t>sommes</a:t>
+            </a:r>
+            <a:r>
+              <a:rPr lang="en-US" dirty="0"/>
+              <a:t>-nous </a:t>
+            </a:r>
+            <a:r>
+              <a:rPr lang="en-US" dirty="0" err="1"/>
+              <a:t>organisés</a:t>
+            </a:r>
+            <a:r>
+              <a:rPr lang="en-US" dirty="0"/>
+              <a:t>?</a:t>
+            </a:r>
+          </a:p>
+          <a:p>
+            <a:r>
+              <a:rPr lang="en-US" dirty="0" err="1"/>
+              <a:t>Difficultés</a:t>
+            </a:r>
+            <a:r>
+              <a:rPr lang="en-US" dirty="0"/>
+              <a:t> </a:t>
+            </a:r>
+            <a:r>
+              <a:rPr lang="en-US" dirty="0" err="1"/>
+              <a:t>rencontrées</a:t>
+            </a:r>
+            <a:endParaRPr lang="en-US" dirty="0"/>
+          </a:p>
+        </p:txBody>
+      </p:sp>
+    </p:spTree>
+    <p:extLst>
+      <p:ext uri="{BB962C8B-B14F-4D97-AF65-F5344CB8AC3E}">
+        <p14:creationId xmlns:p14="http://schemas.microsoft.com/office/powerpoint/2010/main" val="468677552"/>
+      </p:ext>
+    </p:extLst>
+  </p:cSld>
+  <p:clrMapOvr>
+    <a:masterClrMapping/>
+  </p:clrMapOvr>
+</p:sld>
+</file>
+
 <file path=ppt/theme/theme1.xml><?xml version="1.0" encoding="utf-8"?>
 <a:theme xmlns:a="http://schemas.openxmlformats.org/drawingml/2006/main" name="Office Theme">
   <a:themeElements>

--- a/soutenanceH4132.pptx
+++ b/soutenanceH4132.pptx
@@ -3918,10 +3918,10 @@
       </p:grpSpPr>
       <p:pic>
         <p:nvPicPr>
-          <p:cNvPr id="5" name="Picture 4">
-            <a:extLst>
-              <a:ext uri="{FF2B5EF4-FFF2-40B4-BE49-F238E27FC236}">
-                <a16:creationId xmlns:a16="http://schemas.microsoft.com/office/drawing/2014/main" id="{40206211-0CEF-B79C-B542-FE6492EEB687}"/>
+          <p:cNvPr id="6" name="Picture 5">
+            <a:extLst>
+              <a:ext uri="{FF2B5EF4-FFF2-40B4-BE49-F238E27FC236}">
+                <a16:creationId xmlns:a16="http://schemas.microsoft.com/office/drawing/2014/main" id="{D4BE0233-533B-45B8-ECC9-57B9E7ED134C}"/>
               </a:ext>
             </a:extLst>
           </p:cNvPr>
@@ -3944,8 +3944,8 @@
         </p:blipFill>
         <p:spPr>
           <a:xfrm>
-            <a:off x="3066125" y="468628"/>
-            <a:ext cx="6059750" cy="6059750"/>
+            <a:off x="3060008" y="399360"/>
+            <a:ext cx="6071983" cy="6059280"/>
           </a:xfrm>
           <a:prstGeom prst="rect">
             <a:avLst/>

--- a/soutenanceH4132.pptx
+++ b/soutenanceH4132.pptx
@@ -113,7 +113,7 @@
   </p:defaultTextStyle>
   <p:extLst>
     <p:ext uri="{EFAFB233-063F-42B5-8137-9DF3F51BA10A}">
-      <p15:sldGuideLst xmlns:p15="http://schemas.microsoft.com/office/powerpoint/2012/main"/>
+      <p15:sldGuideLst xmlns:p15="http://schemas.microsoft.com/office/powerpoint/2012/main" xmlns=""/>
     </p:ext>
   </p:extLst>
 </p:presentation>
@@ -724,7 +724,7 @@
           <p:cNvPr id="2" name="Title 1">
             <a:extLst>
               <a:ext uri="{FF2B5EF4-FFF2-40B4-BE49-F238E27FC236}">
-                <a16:creationId xmlns:a16="http://schemas.microsoft.com/office/drawing/2014/main" id="{DEFD447F-5801-C171-81E3-6ABFEC86F9E5}"/>
+                <a16:creationId xmlns:a16="http://schemas.microsoft.com/office/drawing/2014/main" xmlns="" id="{DEFD447F-5801-C171-81E3-6ABFEC86F9E5}"/>
               </a:ext>
             </a:extLst>
           </p:cNvPr>
@@ -761,7 +761,7 @@
           <p:cNvPr id="3" name="Subtitle 2">
             <a:extLst>
               <a:ext uri="{FF2B5EF4-FFF2-40B4-BE49-F238E27FC236}">
-                <a16:creationId xmlns:a16="http://schemas.microsoft.com/office/drawing/2014/main" id="{24A62045-64A5-B131-229C-F329F01E4743}"/>
+                <a16:creationId xmlns:a16="http://schemas.microsoft.com/office/drawing/2014/main" xmlns="" id="{24A62045-64A5-B131-229C-F329F01E4743}"/>
               </a:ext>
             </a:extLst>
           </p:cNvPr>
@@ -831,7 +831,7 @@
           <p:cNvPr id="4" name="Date Placeholder 3">
             <a:extLst>
               <a:ext uri="{FF2B5EF4-FFF2-40B4-BE49-F238E27FC236}">
-                <a16:creationId xmlns:a16="http://schemas.microsoft.com/office/drawing/2014/main" id="{49FC8AE1-6D0D-9DC3-B10B-FC7173602B4E}"/>
+                <a16:creationId xmlns:a16="http://schemas.microsoft.com/office/drawing/2014/main" xmlns="" id="{49FC8AE1-6D0D-9DC3-B10B-FC7173602B4E}"/>
               </a:ext>
             </a:extLst>
           </p:cNvPr>
@@ -860,7 +860,7 @@
           <p:cNvPr id="5" name="Footer Placeholder 4">
             <a:extLst>
               <a:ext uri="{FF2B5EF4-FFF2-40B4-BE49-F238E27FC236}">
-                <a16:creationId xmlns:a16="http://schemas.microsoft.com/office/drawing/2014/main" id="{8E3F8F8D-C5CA-0E0C-831D-AC2BF94D77FF}"/>
+                <a16:creationId xmlns:a16="http://schemas.microsoft.com/office/drawing/2014/main" xmlns="" id="{8E3F8F8D-C5CA-0E0C-831D-AC2BF94D77FF}"/>
               </a:ext>
             </a:extLst>
           </p:cNvPr>
@@ -885,7 +885,7 @@
           <p:cNvPr id="6" name="Slide Number Placeholder 5">
             <a:extLst>
               <a:ext uri="{FF2B5EF4-FFF2-40B4-BE49-F238E27FC236}">
-                <a16:creationId xmlns:a16="http://schemas.microsoft.com/office/drawing/2014/main" id="{10EADD1F-7C55-2FED-9CD3-E5F088CCCDF3}"/>
+                <a16:creationId xmlns:a16="http://schemas.microsoft.com/office/drawing/2014/main" xmlns="" id="{10EADD1F-7C55-2FED-9CD3-E5F088CCCDF3}"/>
               </a:ext>
             </a:extLst>
           </p:cNvPr>
@@ -903,7 +903,7 @@
           <a:p>
             <a:fld id="{02FB3399-B4F1-43D5-AC3A-B3E80400B24E}" type="slidenum">
               <a:rPr lang="en-US" smtClean="0"/>
-              <a:t>‹#›</a:t>
+              <a:t>‹N°›</a:t>
             </a:fld>
             <a:endParaRPr lang="en-US"/>
           </a:p>
@@ -944,7 +944,7 @@
           <p:cNvPr id="2" name="Title 1">
             <a:extLst>
               <a:ext uri="{FF2B5EF4-FFF2-40B4-BE49-F238E27FC236}">
-                <a16:creationId xmlns:a16="http://schemas.microsoft.com/office/drawing/2014/main" id="{BF826CA3-F6AE-3A56-7653-4E3DA02DDEF9}"/>
+                <a16:creationId xmlns:a16="http://schemas.microsoft.com/office/drawing/2014/main" xmlns="" id="{BF826CA3-F6AE-3A56-7653-4E3DA02DDEF9}"/>
               </a:ext>
             </a:extLst>
           </p:cNvPr>
@@ -972,7 +972,7 @@
           <p:cNvPr id="3" name="Vertical Text Placeholder 2">
             <a:extLst>
               <a:ext uri="{FF2B5EF4-FFF2-40B4-BE49-F238E27FC236}">
-                <a16:creationId xmlns:a16="http://schemas.microsoft.com/office/drawing/2014/main" id="{6E5685E6-3AF8-B5A9-4587-CDDD6DD71A97}"/>
+                <a16:creationId xmlns:a16="http://schemas.microsoft.com/office/drawing/2014/main" xmlns="" id="{6E5685E6-3AF8-B5A9-4587-CDDD6DD71A97}"/>
               </a:ext>
             </a:extLst>
           </p:cNvPr>
@@ -1029,7 +1029,7 @@
           <p:cNvPr id="4" name="Date Placeholder 3">
             <a:extLst>
               <a:ext uri="{FF2B5EF4-FFF2-40B4-BE49-F238E27FC236}">
-                <a16:creationId xmlns:a16="http://schemas.microsoft.com/office/drawing/2014/main" id="{873F3514-835F-492D-D186-DF33190FC3C3}"/>
+                <a16:creationId xmlns:a16="http://schemas.microsoft.com/office/drawing/2014/main" xmlns="" id="{873F3514-835F-492D-D186-DF33190FC3C3}"/>
               </a:ext>
             </a:extLst>
           </p:cNvPr>
@@ -1058,7 +1058,7 @@
           <p:cNvPr id="5" name="Footer Placeholder 4">
             <a:extLst>
               <a:ext uri="{FF2B5EF4-FFF2-40B4-BE49-F238E27FC236}">
-                <a16:creationId xmlns:a16="http://schemas.microsoft.com/office/drawing/2014/main" id="{F0C4D7ED-CF30-2500-5C3B-1AE2B5A6B8F1}"/>
+                <a16:creationId xmlns:a16="http://schemas.microsoft.com/office/drawing/2014/main" xmlns="" id="{F0C4D7ED-CF30-2500-5C3B-1AE2B5A6B8F1}"/>
               </a:ext>
             </a:extLst>
           </p:cNvPr>
@@ -1083,7 +1083,7 @@
           <p:cNvPr id="6" name="Slide Number Placeholder 5">
             <a:extLst>
               <a:ext uri="{FF2B5EF4-FFF2-40B4-BE49-F238E27FC236}">
-                <a16:creationId xmlns:a16="http://schemas.microsoft.com/office/drawing/2014/main" id="{1CAE9B68-14E6-E81D-9854-0DD108DCAF3A}"/>
+                <a16:creationId xmlns:a16="http://schemas.microsoft.com/office/drawing/2014/main" xmlns="" id="{1CAE9B68-14E6-E81D-9854-0DD108DCAF3A}"/>
               </a:ext>
             </a:extLst>
           </p:cNvPr>
@@ -1101,7 +1101,7 @@
           <a:p>
             <a:fld id="{02FB3399-B4F1-43D5-AC3A-B3E80400B24E}" type="slidenum">
               <a:rPr lang="en-US" smtClean="0"/>
-              <a:t>‹#›</a:t>
+              <a:t>‹N°›</a:t>
             </a:fld>
             <a:endParaRPr lang="en-US"/>
           </a:p>
@@ -1142,7 +1142,7 @@
           <p:cNvPr id="2" name="Vertical Title 1">
             <a:extLst>
               <a:ext uri="{FF2B5EF4-FFF2-40B4-BE49-F238E27FC236}">
-                <a16:creationId xmlns:a16="http://schemas.microsoft.com/office/drawing/2014/main" id="{1866E329-9CBF-0695-FC6E-DC3265A89FE1}"/>
+                <a16:creationId xmlns:a16="http://schemas.microsoft.com/office/drawing/2014/main" xmlns="" id="{1866E329-9CBF-0695-FC6E-DC3265A89FE1}"/>
               </a:ext>
             </a:extLst>
           </p:cNvPr>
@@ -1175,7 +1175,7 @@
           <p:cNvPr id="3" name="Vertical Text Placeholder 2">
             <a:extLst>
               <a:ext uri="{FF2B5EF4-FFF2-40B4-BE49-F238E27FC236}">
-                <a16:creationId xmlns:a16="http://schemas.microsoft.com/office/drawing/2014/main" id="{EEEA4E02-A9CA-6DC7-EE6F-07744F290ED9}"/>
+                <a16:creationId xmlns:a16="http://schemas.microsoft.com/office/drawing/2014/main" xmlns="" id="{EEEA4E02-A9CA-6DC7-EE6F-07744F290ED9}"/>
               </a:ext>
             </a:extLst>
           </p:cNvPr>
@@ -1237,7 +1237,7 @@
           <p:cNvPr id="4" name="Date Placeholder 3">
             <a:extLst>
               <a:ext uri="{FF2B5EF4-FFF2-40B4-BE49-F238E27FC236}">
-                <a16:creationId xmlns:a16="http://schemas.microsoft.com/office/drawing/2014/main" id="{A13B3DFB-8CD9-E119-F563-544F0689F85F}"/>
+                <a16:creationId xmlns:a16="http://schemas.microsoft.com/office/drawing/2014/main" xmlns="" id="{A13B3DFB-8CD9-E119-F563-544F0689F85F}"/>
               </a:ext>
             </a:extLst>
           </p:cNvPr>
@@ -1266,7 +1266,7 @@
           <p:cNvPr id="5" name="Footer Placeholder 4">
             <a:extLst>
               <a:ext uri="{FF2B5EF4-FFF2-40B4-BE49-F238E27FC236}">
-                <a16:creationId xmlns:a16="http://schemas.microsoft.com/office/drawing/2014/main" id="{B1107B81-55DD-BF1B-5999-F8253B5A4914}"/>
+                <a16:creationId xmlns:a16="http://schemas.microsoft.com/office/drawing/2014/main" xmlns="" id="{B1107B81-55DD-BF1B-5999-F8253B5A4914}"/>
               </a:ext>
             </a:extLst>
           </p:cNvPr>
@@ -1291,7 +1291,7 @@
           <p:cNvPr id="6" name="Slide Number Placeholder 5">
             <a:extLst>
               <a:ext uri="{FF2B5EF4-FFF2-40B4-BE49-F238E27FC236}">
-                <a16:creationId xmlns:a16="http://schemas.microsoft.com/office/drawing/2014/main" id="{33E5EA52-7E6B-C7F0-5B85-73F77D636102}"/>
+                <a16:creationId xmlns:a16="http://schemas.microsoft.com/office/drawing/2014/main" xmlns="" id="{33E5EA52-7E6B-C7F0-5B85-73F77D636102}"/>
               </a:ext>
             </a:extLst>
           </p:cNvPr>
@@ -1309,7 +1309,7 @@
           <a:p>
             <a:fld id="{02FB3399-B4F1-43D5-AC3A-B3E80400B24E}" type="slidenum">
               <a:rPr lang="en-US" smtClean="0"/>
-              <a:t>‹#›</a:t>
+              <a:t>‹N°›</a:t>
             </a:fld>
             <a:endParaRPr lang="en-US"/>
           </a:p>
@@ -1350,7 +1350,7 @@
           <p:cNvPr id="2" name="Title 1">
             <a:extLst>
               <a:ext uri="{FF2B5EF4-FFF2-40B4-BE49-F238E27FC236}">
-                <a16:creationId xmlns:a16="http://schemas.microsoft.com/office/drawing/2014/main" id="{1C4DCCF7-716E-8630-A475-278D427E28CC}"/>
+                <a16:creationId xmlns:a16="http://schemas.microsoft.com/office/drawing/2014/main" xmlns="" id="{1C4DCCF7-716E-8630-A475-278D427E28CC}"/>
               </a:ext>
             </a:extLst>
           </p:cNvPr>
@@ -1378,7 +1378,7 @@
           <p:cNvPr id="3" name="Content Placeholder 2">
             <a:extLst>
               <a:ext uri="{FF2B5EF4-FFF2-40B4-BE49-F238E27FC236}">
-                <a16:creationId xmlns:a16="http://schemas.microsoft.com/office/drawing/2014/main" id="{51BF8104-DEFD-8CF5-33DD-B3A0BE3D23C6}"/>
+                <a16:creationId xmlns:a16="http://schemas.microsoft.com/office/drawing/2014/main" xmlns="" id="{51BF8104-DEFD-8CF5-33DD-B3A0BE3D23C6}"/>
               </a:ext>
             </a:extLst>
           </p:cNvPr>
@@ -1435,7 +1435,7 @@
           <p:cNvPr id="4" name="Date Placeholder 3">
             <a:extLst>
               <a:ext uri="{FF2B5EF4-FFF2-40B4-BE49-F238E27FC236}">
-                <a16:creationId xmlns:a16="http://schemas.microsoft.com/office/drawing/2014/main" id="{5F290BE3-F892-E946-2BA2-1DA485EE0B7B}"/>
+                <a16:creationId xmlns:a16="http://schemas.microsoft.com/office/drawing/2014/main" xmlns="" id="{5F290BE3-F892-E946-2BA2-1DA485EE0B7B}"/>
               </a:ext>
             </a:extLst>
           </p:cNvPr>
@@ -1464,7 +1464,7 @@
           <p:cNvPr id="5" name="Footer Placeholder 4">
             <a:extLst>
               <a:ext uri="{FF2B5EF4-FFF2-40B4-BE49-F238E27FC236}">
-                <a16:creationId xmlns:a16="http://schemas.microsoft.com/office/drawing/2014/main" id="{5CF46A5A-B20A-D6F1-4E73-A829E326C46A}"/>
+                <a16:creationId xmlns:a16="http://schemas.microsoft.com/office/drawing/2014/main" xmlns="" id="{5CF46A5A-B20A-D6F1-4E73-A829E326C46A}"/>
               </a:ext>
             </a:extLst>
           </p:cNvPr>
@@ -1489,7 +1489,7 @@
           <p:cNvPr id="6" name="Slide Number Placeholder 5">
             <a:extLst>
               <a:ext uri="{FF2B5EF4-FFF2-40B4-BE49-F238E27FC236}">
-                <a16:creationId xmlns:a16="http://schemas.microsoft.com/office/drawing/2014/main" id="{9F11A62C-B696-1A91-C174-C3E392DDB2D1}"/>
+                <a16:creationId xmlns:a16="http://schemas.microsoft.com/office/drawing/2014/main" xmlns="" id="{9F11A62C-B696-1A91-C174-C3E392DDB2D1}"/>
               </a:ext>
             </a:extLst>
           </p:cNvPr>
@@ -1507,7 +1507,7 @@
           <a:p>
             <a:fld id="{02FB3399-B4F1-43D5-AC3A-B3E80400B24E}" type="slidenum">
               <a:rPr lang="en-US" smtClean="0"/>
-              <a:t>‹#›</a:t>
+              <a:t>‹N°›</a:t>
             </a:fld>
             <a:endParaRPr lang="en-US"/>
           </a:p>
@@ -1548,7 +1548,7 @@
           <p:cNvPr id="2" name="Title 1">
             <a:extLst>
               <a:ext uri="{FF2B5EF4-FFF2-40B4-BE49-F238E27FC236}">
-                <a16:creationId xmlns:a16="http://schemas.microsoft.com/office/drawing/2014/main" id="{D1CD2519-F7C5-48FF-A0A9-5A686A8A1D2D}"/>
+                <a16:creationId xmlns:a16="http://schemas.microsoft.com/office/drawing/2014/main" xmlns="" id="{D1CD2519-F7C5-48FF-A0A9-5A686A8A1D2D}"/>
               </a:ext>
             </a:extLst>
           </p:cNvPr>
@@ -1585,7 +1585,7 @@
           <p:cNvPr id="3" name="Text Placeholder 2">
             <a:extLst>
               <a:ext uri="{FF2B5EF4-FFF2-40B4-BE49-F238E27FC236}">
-                <a16:creationId xmlns:a16="http://schemas.microsoft.com/office/drawing/2014/main" id="{FAD6CBC0-0971-3F0E-3A55-49C206FA8E3C}"/>
+                <a16:creationId xmlns:a16="http://schemas.microsoft.com/office/drawing/2014/main" xmlns="" id="{FAD6CBC0-0971-3F0E-3A55-49C206FA8E3C}"/>
               </a:ext>
             </a:extLst>
           </p:cNvPr>
@@ -1710,7 +1710,7 @@
           <p:cNvPr id="4" name="Date Placeholder 3">
             <a:extLst>
               <a:ext uri="{FF2B5EF4-FFF2-40B4-BE49-F238E27FC236}">
-                <a16:creationId xmlns:a16="http://schemas.microsoft.com/office/drawing/2014/main" id="{E2709A9F-6771-A8CF-1C81-6FE470A6FCA2}"/>
+                <a16:creationId xmlns:a16="http://schemas.microsoft.com/office/drawing/2014/main" xmlns="" id="{E2709A9F-6771-A8CF-1C81-6FE470A6FCA2}"/>
               </a:ext>
             </a:extLst>
           </p:cNvPr>
@@ -1739,7 +1739,7 @@
           <p:cNvPr id="5" name="Footer Placeholder 4">
             <a:extLst>
               <a:ext uri="{FF2B5EF4-FFF2-40B4-BE49-F238E27FC236}">
-                <a16:creationId xmlns:a16="http://schemas.microsoft.com/office/drawing/2014/main" id="{23B0D561-F4B5-6414-F3F6-C7C22BAFF328}"/>
+                <a16:creationId xmlns:a16="http://schemas.microsoft.com/office/drawing/2014/main" xmlns="" id="{23B0D561-F4B5-6414-F3F6-C7C22BAFF328}"/>
               </a:ext>
             </a:extLst>
           </p:cNvPr>
@@ -1764,7 +1764,7 @@
           <p:cNvPr id="6" name="Slide Number Placeholder 5">
             <a:extLst>
               <a:ext uri="{FF2B5EF4-FFF2-40B4-BE49-F238E27FC236}">
-                <a16:creationId xmlns:a16="http://schemas.microsoft.com/office/drawing/2014/main" id="{34EBB488-88B1-ED57-CA2B-1FD8E92E746F}"/>
+                <a16:creationId xmlns:a16="http://schemas.microsoft.com/office/drawing/2014/main" xmlns="" id="{34EBB488-88B1-ED57-CA2B-1FD8E92E746F}"/>
               </a:ext>
             </a:extLst>
           </p:cNvPr>
@@ -1782,7 +1782,7 @@
           <a:p>
             <a:fld id="{02FB3399-B4F1-43D5-AC3A-B3E80400B24E}" type="slidenum">
               <a:rPr lang="en-US" smtClean="0"/>
-              <a:t>‹#›</a:t>
+              <a:t>‹N°›</a:t>
             </a:fld>
             <a:endParaRPr lang="en-US"/>
           </a:p>
@@ -1823,7 +1823,7 @@
           <p:cNvPr id="2" name="Title 1">
             <a:extLst>
               <a:ext uri="{FF2B5EF4-FFF2-40B4-BE49-F238E27FC236}">
-                <a16:creationId xmlns:a16="http://schemas.microsoft.com/office/drawing/2014/main" id="{5EC1C2DD-3C05-C03B-7CF9-9B8E308D6937}"/>
+                <a16:creationId xmlns:a16="http://schemas.microsoft.com/office/drawing/2014/main" xmlns="" id="{5EC1C2DD-3C05-C03B-7CF9-9B8E308D6937}"/>
               </a:ext>
             </a:extLst>
           </p:cNvPr>
@@ -1851,7 +1851,7 @@
           <p:cNvPr id="3" name="Content Placeholder 2">
             <a:extLst>
               <a:ext uri="{FF2B5EF4-FFF2-40B4-BE49-F238E27FC236}">
-                <a16:creationId xmlns:a16="http://schemas.microsoft.com/office/drawing/2014/main" id="{C0450F66-9C3B-0042-8395-FF3B127407AE}"/>
+                <a16:creationId xmlns:a16="http://schemas.microsoft.com/office/drawing/2014/main" xmlns="" id="{C0450F66-9C3B-0042-8395-FF3B127407AE}"/>
               </a:ext>
             </a:extLst>
           </p:cNvPr>
@@ -1913,7 +1913,7 @@
           <p:cNvPr id="4" name="Content Placeholder 3">
             <a:extLst>
               <a:ext uri="{FF2B5EF4-FFF2-40B4-BE49-F238E27FC236}">
-                <a16:creationId xmlns:a16="http://schemas.microsoft.com/office/drawing/2014/main" id="{038DAD0E-B537-2D6B-F5A0-7494EB5E5DC3}"/>
+                <a16:creationId xmlns:a16="http://schemas.microsoft.com/office/drawing/2014/main" xmlns="" id="{038DAD0E-B537-2D6B-F5A0-7494EB5E5DC3}"/>
               </a:ext>
             </a:extLst>
           </p:cNvPr>
@@ -1975,7 +1975,7 @@
           <p:cNvPr id="5" name="Date Placeholder 4">
             <a:extLst>
               <a:ext uri="{FF2B5EF4-FFF2-40B4-BE49-F238E27FC236}">
-                <a16:creationId xmlns:a16="http://schemas.microsoft.com/office/drawing/2014/main" id="{37CF6D67-2F0D-0439-1BFA-5EFA5BF5ACB3}"/>
+                <a16:creationId xmlns:a16="http://schemas.microsoft.com/office/drawing/2014/main" xmlns="" id="{37CF6D67-2F0D-0439-1BFA-5EFA5BF5ACB3}"/>
               </a:ext>
             </a:extLst>
           </p:cNvPr>
@@ -2004,7 +2004,7 @@
           <p:cNvPr id="6" name="Footer Placeholder 5">
             <a:extLst>
               <a:ext uri="{FF2B5EF4-FFF2-40B4-BE49-F238E27FC236}">
-                <a16:creationId xmlns:a16="http://schemas.microsoft.com/office/drawing/2014/main" id="{D63A0337-1312-8925-AD9F-B03942DA118F}"/>
+                <a16:creationId xmlns:a16="http://schemas.microsoft.com/office/drawing/2014/main" xmlns="" id="{D63A0337-1312-8925-AD9F-B03942DA118F}"/>
               </a:ext>
             </a:extLst>
           </p:cNvPr>
@@ -2029,7 +2029,7 @@
           <p:cNvPr id="7" name="Slide Number Placeholder 6">
             <a:extLst>
               <a:ext uri="{FF2B5EF4-FFF2-40B4-BE49-F238E27FC236}">
-                <a16:creationId xmlns:a16="http://schemas.microsoft.com/office/drawing/2014/main" id="{987E4895-2881-F499-5ADA-15BBAD79273E}"/>
+                <a16:creationId xmlns:a16="http://schemas.microsoft.com/office/drawing/2014/main" xmlns="" id="{987E4895-2881-F499-5ADA-15BBAD79273E}"/>
               </a:ext>
             </a:extLst>
           </p:cNvPr>
@@ -2047,7 +2047,7 @@
           <a:p>
             <a:fld id="{02FB3399-B4F1-43D5-AC3A-B3E80400B24E}" type="slidenum">
               <a:rPr lang="en-US" smtClean="0"/>
-              <a:t>‹#›</a:t>
+              <a:t>‹N°›</a:t>
             </a:fld>
             <a:endParaRPr lang="en-US"/>
           </a:p>
@@ -2088,7 +2088,7 @@
           <p:cNvPr id="2" name="Title 1">
             <a:extLst>
               <a:ext uri="{FF2B5EF4-FFF2-40B4-BE49-F238E27FC236}">
-                <a16:creationId xmlns:a16="http://schemas.microsoft.com/office/drawing/2014/main" id="{A0A8CF0C-3F16-6534-C4B6-C1EC273179AF}"/>
+                <a16:creationId xmlns:a16="http://schemas.microsoft.com/office/drawing/2014/main" xmlns="" id="{A0A8CF0C-3F16-6534-C4B6-C1EC273179AF}"/>
               </a:ext>
             </a:extLst>
           </p:cNvPr>
@@ -2121,7 +2121,7 @@
           <p:cNvPr id="3" name="Text Placeholder 2">
             <a:extLst>
               <a:ext uri="{FF2B5EF4-FFF2-40B4-BE49-F238E27FC236}">
-                <a16:creationId xmlns:a16="http://schemas.microsoft.com/office/drawing/2014/main" id="{19CC4A7A-0155-16EB-B336-C159F290FDCD}"/>
+                <a16:creationId xmlns:a16="http://schemas.microsoft.com/office/drawing/2014/main" xmlns="" id="{19CC4A7A-0155-16EB-B336-C159F290FDCD}"/>
               </a:ext>
             </a:extLst>
           </p:cNvPr>
@@ -2192,7 +2192,7 @@
           <p:cNvPr id="4" name="Content Placeholder 3">
             <a:extLst>
               <a:ext uri="{FF2B5EF4-FFF2-40B4-BE49-F238E27FC236}">
-                <a16:creationId xmlns:a16="http://schemas.microsoft.com/office/drawing/2014/main" id="{5BFEFC88-8F7D-063E-8958-D1B69024FB68}"/>
+                <a16:creationId xmlns:a16="http://schemas.microsoft.com/office/drawing/2014/main" xmlns="" id="{5BFEFC88-8F7D-063E-8958-D1B69024FB68}"/>
               </a:ext>
             </a:extLst>
           </p:cNvPr>
@@ -2254,7 +2254,7 @@
           <p:cNvPr id="5" name="Text Placeholder 4">
             <a:extLst>
               <a:ext uri="{FF2B5EF4-FFF2-40B4-BE49-F238E27FC236}">
-                <a16:creationId xmlns:a16="http://schemas.microsoft.com/office/drawing/2014/main" id="{0BFE1EA4-65BB-7508-31B2-30138B4F77A8}"/>
+                <a16:creationId xmlns:a16="http://schemas.microsoft.com/office/drawing/2014/main" xmlns="" id="{0BFE1EA4-65BB-7508-31B2-30138B4F77A8}"/>
               </a:ext>
             </a:extLst>
           </p:cNvPr>
@@ -2325,7 +2325,7 @@
           <p:cNvPr id="6" name="Content Placeholder 5">
             <a:extLst>
               <a:ext uri="{FF2B5EF4-FFF2-40B4-BE49-F238E27FC236}">
-                <a16:creationId xmlns:a16="http://schemas.microsoft.com/office/drawing/2014/main" id="{1F3FA40A-A488-C26D-03E4-0C15F2EE931E}"/>
+                <a16:creationId xmlns:a16="http://schemas.microsoft.com/office/drawing/2014/main" xmlns="" id="{1F3FA40A-A488-C26D-03E4-0C15F2EE931E}"/>
               </a:ext>
             </a:extLst>
           </p:cNvPr>
@@ -2387,7 +2387,7 @@
           <p:cNvPr id="7" name="Date Placeholder 6">
             <a:extLst>
               <a:ext uri="{FF2B5EF4-FFF2-40B4-BE49-F238E27FC236}">
-                <a16:creationId xmlns:a16="http://schemas.microsoft.com/office/drawing/2014/main" id="{1A5E1B4B-4B27-FCCE-1E77-24B3F0A137B6}"/>
+                <a16:creationId xmlns:a16="http://schemas.microsoft.com/office/drawing/2014/main" xmlns="" id="{1A5E1B4B-4B27-FCCE-1E77-24B3F0A137B6}"/>
               </a:ext>
             </a:extLst>
           </p:cNvPr>
@@ -2416,7 +2416,7 @@
           <p:cNvPr id="8" name="Footer Placeholder 7">
             <a:extLst>
               <a:ext uri="{FF2B5EF4-FFF2-40B4-BE49-F238E27FC236}">
-                <a16:creationId xmlns:a16="http://schemas.microsoft.com/office/drawing/2014/main" id="{524E216E-505B-6FD9-1064-C046B83BBA7E}"/>
+                <a16:creationId xmlns:a16="http://schemas.microsoft.com/office/drawing/2014/main" xmlns="" id="{524E216E-505B-6FD9-1064-C046B83BBA7E}"/>
               </a:ext>
             </a:extLst>
           </p:cNvPr>
@@ -2441,7 +2441,7 @@
           <p:cNvPr id="9" name="Slide Number Placeholder 8">
             <a:extLst>
               <a:ext uri="{FF2B5EF4-FFF2-40B4-BE49-F238E27FC236}">
-                <a16:creationId xmlns:a16="http://schemas.microsoft.com/office/drawing/2014/main" id="{36A83B8A-9A0C-25DF-68FC-EE7DF6465EDF}"/>
+                <a16:creationId xmlns:a16="http://schemas.microsoft.com/office/drawing/2014/main" xmlns="" id="{36A83B8A-9A0C-25DF-68FC-EE7DF6465EDF}"/>
               </a:ext>
             </a:extLst>
           </p:cNvPr>
@@ -2459,7 +2459,7 @@
           <a:p>
             <a:fld id="{02FB3399-B4F1-43D5-AC3A-B3E80400B24E}" type="slidenum">
               <a:rPr lang="en-US" smtClean="0"/>
-              <a:t>‹#›</a:t>
+              <a:t>‹N°›</a:t>
             </a:fld>
             <a:endParaRPr lang="en-US"/>
           </a:p>
@@ -2500,7 +2500,7 @@
           <p:cNvPr id="2" name="Title 1">
             <a:extLst>
               <a:ext uri="{FF2B5EF4-FFF2-40B4-BE49-F238E27FC236}">
-                <a16:creationId xmlns:a16="http://schemas.microsoft.com/office/drawing/2014/main" id="{11B6EDDC-80E0-414B-B502-CE1A723AE4F1}"/>
+                <a16:creationId xmlns:a16="http://schemas.microsoft.com/office/drawing/2014/main" xmlns="" id="{11B6EDDC-80E0-414B-B502-CE1A723AE4F1}"/>
               </a:ext>
             </a:extLst>
           </p:cNvPr>
@@ -2528,7 +2528,7 @@
           <p:cNvPr id="3" name="Date Placeholder 2">
             <a:extLst>
               <a:ext uri="{FF2B5EF4-FFF2-40B4-BE49-F238E27FC236}">
-                <a16:creationId xmlns:a16="http://schemas.microsoft.com/office/drawing/2014/main" id="{A6FFE272-77FE-6204-E595-E30BB75B88D9}"/>
+                <a16:creationId xmlns:a16="http://schemas.microsoft.com/office/drawing/2014/main" xmlns="" id="{A6FFE272-77FE-6204-E595-E30BB75B88D9}"/>
               </a:ext>
             </a:extLst>
           </p:cNvPr>
@@ -2557,7 +2557,7 @@
           <p:cNvPr id="4" name="Footer Placeholder 3">
             <a:extLst>
               <a:ext uri="{FF2B5EF4-FFF2-40B4-BE49-F238E27FC236}">
-                <a16:creationId xmlns:a16="http://schemas.microsoft.com/office/drawing/2014/main" id="{C2DA68A4-45DA-844F-52E7-5F818C9FF1D7}"/>
+                <a16:creationId xmlns:a16="http://schemas.microsoft.com/office/drawing/2014/main" xmlns="" id="{C2DA68A4-45DA-844F-52E7-5F818C9FF1D7}"/>
               </a:ext>
             </a:extLst>
           </p:cNvPr>
@@ -2582,7 +2582,7 @@
           <p:cNvPr id="5" name="Slide Number Placeholder 4">
             <a:extLst>
               <a:ext uri="{FF2B5EF4-FFF2-40B4-BE49-F238E27FC236}">
-                <a16:creationId xmlns:a16="http://schemas.microsoft.com/office/drawing/2014/main" id="{90664980-5213-4FC6-4B93-403C913942A0}"/>
+                <a16:creationId xmlns:a16="http://schemas.microsoft.com/office/drawing/2014/main" xmlns="" id="{90664980-5213-4FC6-4B93-403C913942A0}"/>
               </a:ext>
             </a:extLst>
           </p:cNvPr>
@@ -2600,7 +2600,7 @@
           <a:p>
             <a:fld id="{02FB3399-B4F1-43D5-AC3A-B3E80400B24E}" type="slidenum">
               <a:rPr lang="en-US" smtClean="0"/>
-              <a:t>‹#›</a:t>
+              <a:t>‹N°›</a:t>
             </a:fld>
             <a:endParaRPr lang="en-US"/>
           </a:p>
@@ -2641,7 +2641,7 @@
           <p:cNvPr id="2" name="Date Placeholder 1">
             <a:extLst>
               <a:ext uri="{FF2B5EF4-FFF2-40B4-BE49-F238E27FC236}">
-                <a16:creationId xmlns:a16="http://schemas.microsoft.com/office/drawing/2014/main" id="{C14DAB29-9911-48E6-4540-C1981004A5AE}"/>
+                <a16:creationId xmlns:a16="http://schemas.microsoft.com/office/drawing/2014/main" xmlns="" id="{C14DAB29-9911-48E6-4540-C1981004A5AE}"/>
               </a:ext>
             </a:extLst>
           </p:cNvPr>
@@ -2670,7 +2670,7 @@
           <p:cNvPr id="3" name="Footer Placeholder 2">
             <a:extLst>
               <a:ext uri="{FF2B5EF4-FFF2-40B4-BE49-F238E27FC236}">
-                <a16:creationId xmlns:a16="http://schemas.microsoft.com/office/drawing/2014/main" id="{E4A63528-F2BC-F852-6567-4C11CA22E74B}"/>
+                <a16:creationId xmlns:a16="http://schemas.microsoft.com/office/drawing/2014/main" xmlns="" id="{E4A63528-F2BC-F852-6567-4C11CA22E74B}"/>
               </a:ext>
             </a:extLst>
           </p:cNvPr>
@@ -2695,7 +2695,7 @@
           <p:cNvPr id="4" name="Slide Number Placeholder 3">
             <a:extLst>
               <a:ext uri="{FF2B5EF4-FFF2-40B4-BE49-F238E27FC236}">
-                <a16:creationId xmlns:a16="http://schemas.microsoft.com/office/drawing/2014/main" id="{E1D80C17-9C90-E0A3-968B-54A097619070}"/>
+                <a16:creationId xmlns:a16="http://schemas.microsoft.com/office/drawing/2014/main" xmlns="" id="{E1D80C17-9C90-E0A3-968B-54A097619070}"/>
               </a:ext>
             </a:extLst>
           </p:cNvPr>
@@ -2713,7 +2713,7 @@
           <a:p>
             <a:fld id="{02FB3399-B4F1-43D5-AC3A-B3E80400B24E}" type="slidenum">
               <a:rPr lang="en-US" smtClean="0"/>
-              <a:t>‹#›</a:t>
+              <a:t>‹N°›</a:t>
             </a:fld>
             <a:endParaRPr lang="en-US"/>
           </a:p>
@@ -2754,7 +2754,7 @@
           <p:cNvPr id="2" name="Title 1">
             <a:extLst>
               <a:ext uri="{FF2B5EF4-FFF2-40B4-BE49-F238E27FC236}">
-                <a16:creationId xmlns:a16="http://schemas.microsoft.com/office/drawing/2014/main" id="{DA65EEB2-5467-D6CD-FFA6-68079167A774}"/>
+                <a16:creationId xmlns:a16="http://schemas.microsoft.com/office/drawing/2014/main" xmlns="" id="{DA65EEB2-5467-D6CD-FFA6-68079167A774}"/>
               </a:ext>
             </a:extLst>
           </p:cNvPr>
@@ -2791,7 +2791,7 @@
           <p:cNvPr id="3" name="Content Placeholder 2">
             <a:extLst>
               <a:ext uri="{FF2B5EF4-FFF2-40B4-BE49-F238E27FC236}">
-                <a16:creationId xmlns:a16="http://schemas.microsoft.com/office/drawing/2014/main" id="{A6DB81AD-6392-7B9B-FFEB-5FA0C73EDFFA}"/>
+                <a16:creationId xmlns:a16="http://schemas.microsoft.com/office/drawing/2014/main" xmlns="" id="{A6DB81AD-6392-7B9B-FFEB-5FA0C73EDFFA}"/>
               </a:ext>
             </a:extLst>
           </p:cNvPr>
@@ -2881,7 +2881,7 @@
           <p:cNvPr id="4" name="Text Placeholder 3">
             <a:extLst>
               <a:ext uri="{FF2B5EF4-FFF2-40B4-BE49-F238E27FC236}">
-                <a16:creationId xmlns:a16="http://schemas.microsoft.com/office/drawing/2014/main" id="{5F29C028-B27B-4A4B-07E5-47F8E911286B}"/>
+                <a16:creationId xmlns:a16="http://schemas.microsoft.com/office/drawing/2014/main" xmlns="" id="{5F29C028-B27B-4A4B-07E5-47F8E911286B}"/>
               </a:ext>
             </a:extLst>
           </p:cNvPr>
@@ -2952,7 +2952,7 @@
           <p:cNvPr id="5" name="Date Placeholder 4">
             <a:extLst>
               <a:ext uri="{FF2B5EF4-FFF2-40B4-BE49-F238E27FC236}">
-                <a16:creationId xmlns:a16="http://schemas.microsoft.com/office/drawing/2014/main" id="{B67435F6-D543-09F1-19CF-E7B29F4F7512}"/>
+                <a16:creationId xmlns:a16="http://schemas.microsoft.com/office/drawing/2014/main" xmlns="" id="{B67435F6-D543-09F1-19CF-E7B29F4F7512}"/>
               </a:ext>
             </a:extLst>
           </p:cNvPr>
@@ -2981,7 +2981,7 @@
           <p:cNvPr id="6" name="Footer Placeholder 5">
             <a:extLst>
               <a:ext uri="{FF2B5EF4-FFF2-40B4-BE49-F238E27FC236}">
-                <a16:creationId xmlns:a16="http://schemas.microsoft.com/office/drawing/2014/main" id="{D4DB17E1-7F07-A581-92C4-F7DB8747999B}"/>
+                <a16:creationId xmlns:a16="http://schemas.microsoft.com/office/drawing/2014/main" xmlns="" id="{D4DB17E1-7F07-A581-92C4-F7DB8747999B}"/>
               </a:ext>
             </a:extLst>
           </p:cNvPr>
@@ -3006,7 +3006,7 @@
           <p:cNvPr id="7" name="Slide Number Placeholder 6">
             <a:extLst>
               <a:ext uri="{FF2B5EF4-FFF2-40B4-BE49-F238E27FC236}">
-                <a16:creationId xmlns:a16="http://schemas.microsoft.com/office/drawing/2014/main" id="{6054D8C3-682E-E0D7-BBF1-990A4F01A78F}"/>
+                <a16:creationId xmlns:a16="http://schemas.microsoft.com/office/drawing/2014/main" xmlns="" id="{6054D8C3-682E-E0D7-BBF1-990A4F01A78F}"/>
               </a:ext>
             </a:extLst>
           </p:cNvPr>
@@ -3024,7 +3024,7 @@
           <a:p>
             <a:fld id="{02FB3399-B4F1-43D5-AC3A-B3E80400B24E}" type="slidenum">
               <a:rPr lang="en-US" smtClean="0"/>
-              <a:t>‹#›</a:t>
+              <a:t>‹N°›</a:t>
             </a:fld>
             <a:endParaRPr lang="en-US"/>
           </a:p>
@@ -3065,7 +3065,7 @@
           <p:cNvPr id="2" name="Title 1">
             <a:extLst>
               <a:ext uri="{FF2B5EF4-FFF2-40B4-BE49-F238E27FC236}">
-                <a16:creationId xmlns:a16="http://schemas.microsoft.com/office/drawing/2014/main" id="{63A5D356-80C3-73A0-C9A3-17ABA57EDB71}"/>
+                <a16:creationId xmlns:a16="http://schemas.microsoft.com/office/drawing/2014/main" xmlns="" id="{63A5D356-80C3-73A0-C9A3-17ABA57EDB71}"/>
               </a:ext>
             </a:extLst>
           </p:cNvPr>
@@ -3102,7 +3102,7 @@
           <p:cNvPr id="3" name="Picture Placeholder 2">
             <a:extLst>
               <a:ext uri="{FF2B5EF4-FFF2-40B4-BE49-F238E27FC236}">
-                <a16:creationId xmlns:a16="http://schemas.microsoft.com/office/drawing/2014/main" id="{3BA19093-DFEB-0F06-C46C-EDD6B08C386F}"/>
+                <a16:creationId xmlns:a16="http://schemas.microsoft.com/office/drawing/2014/main" xmlns="" id="{3BA19093-DFEB-0F06-C46C-EDD6B08C386F}"/>
               </a:ext>
             </a:extLst>
           </p:cNvPr>
@@ -3169,7 +3169,7 @@
           <p:cNvPr id="4" name="Text Placeholder 3">
             <a:extLst>
               <a:ext uri="{FF2B5EF4-FFF2-40B4-BE49-F238E27FC236}">
-                <a16:creationId xmlns:a16="http://schemas.microsoft.com/office/drawing/2014/main" id="{B8EB1AAD-96A2-4C6C-9422-8901481E4E29}"/>
+                <a16:creationId xmlns:a16="http://schemas.microsoft.com/office/drawing/2014/main" xmlns="" id="{B8EB1AAD-96A2-4C6C-9422-8901481E4E29}"/>
               </a:ext>
             </a:extLst>
           </p:cNvPr>
@@ -3240,7 +3240,7 @@
           <p:cNvPr id="5" name="Date Placeholder 4">
             <a:extLst>
               <a:ext uri="{FF2B5EF4-FFF2-40B4-BE49-F238E27FC236}">
-                <a16:creationId xmlns:a16="http://schemas.microsoft.com/office/drawing/2014/main" id="{75EFB7DA-381F-4DB4-513E-8B6A87E86195}"/>
+                <a16:creationId xmlns:a16="http://schemas.microsoft.com/office/drawing/2014/main" xmlns="" id="{75EFB7DA-381F-4DB4-513E-8B6A87E86195}"/>
               </a:ext>
             </a:extLst>
           </p:cNvPr>
@@ -3269,7 +3269,7 @@
           <p:cNvPr id="6" name="Footer Placeholder 5">
             <a:extLst>
               <a:ext uri="{FF2B5EF4-FFF2-40B4-BE49-F238E27FC236}">
-                <a16:creationId xmlns:a16="http://schemas.microsoft.com/office/drawing/2014/main" id="{94B348D7-7ABD-E2BB-3747-1D14B9A0F8B5}"/>
+                <a16:creationId xmlns:a16="http://schemas.microsoft.com/office/drawing/2014/main" xmlns="" id="{94B348D7-7ABD-E2BB-3747-1D14B9A0F8B5}"/>
               </a:ext>
             </a:extLst>
           </p:cNvPr>
@@ -3294,7 +3294,7 @@
           <p:cNvPr id="7" name="Slide Number Placeholder 6">
             <a:extLst>
               <a:ext uri="{FF2B5EF4-FFF2-40B4-BE49-F238E27FC236}">
-                <a16:creationId xmlns:a16="http://schemas.microsoft.com/office/drawing/2014/main" id="{EB9314C5-FAEA-9FEE-B3AF-3C94FE7FAB70}"/>
+                <a16:creationId xmlns:a16="http://schemas.microsoft.com/office/drawing/2014/main" xmlns="" id="{EB9314C5-FAEA-9FEE-B3AF-3C94FE7FAB70}"/>
               </a:ext>
             </a:extLst>
           </p:cNvPr>
@@ -3312,7 +3312,7 @@
           <a:p>
             <a:fld id="{02FB3399-B4F1-43D5-AC3A-B3E80400B24E}" type="slidenum">
               <a:rPr lang="en-US" smtClean="0"/>
-              <a:t>‹#›</a:t>
+              <a:t>‹N°›</a:t>
             </a:fld>
             <a:endParaRPr lang="en-US"/>
           </a:p>
@@ -3358,7 +3358,7 @@
           <p:cNvPr id="2" name="Title Placeholder 1">
             <a:extLst>
               <a:ext uri="{FF2B5EF4-FFF2-40B4-BE49-F238E27FC236}">
-                <a16:creationId xmlns:a16="http://schemas.microsoft.com/office/drawing/2014/main" id="{450A1A46-C19F-696B-0AE2-7D8876929098}"/>
+                <a16:creationId xmlns:a16="http://schemas.microsoft.com/office/drawing/2014/main" xmlns="" id="{450A1A46-C19F-696B-0AE2-7D8876929098}"/>
               </a:ext>
             </a:extLst>
           </p:cNvPr>
@@ -3396,7 +3396,7 @@
           <p:cNvPr id="3" name="Text Placeholder 2">
             <a:extLst>
               <a:ext uri="{FF2B5EF4-FFF2-40B4-BE49-F238E27FC236}">
-                <a16:creationId xmlns:a16="http://schemas.microsoft.com/office/drawing/2014/main" id="{9A0B6A22-B57C-3039-2E5D-BC28802D4BB8}"/>
+                <a16:creationId xmlns:a16="http://schemas.microsoft.com/office/drawing/2014/main" xmlns="" id="{9A0B6A22-B57C-3039-2E5D-BC28802D4BB8}"/>
               </a:ext>
             </a:extLst>
           </p:cNvPr>
@@ -3463,7 +3463,7 @@
           <p:cNvPr id="4" name="Date Placeholder 3">
             <a:extLst>
               <a:ext uri="{FF2B5EF4-FFF2-40B4-BE49-F238E27FC236}">
-                <a16:creationId xmlns:a16="http://schemas.microsoft.com/office/drawing/2014/main" id="{DAFCD50C-9853-8796-8EA2-8393BFB5D032}"/>
+                <a16:creationId xmlns:a16="http://schemas.microsoft.com/office/drawing/2014/main" xmlns="" id="{DAFCD50C-9853-8796-8EA2-8393BFB5D032}"/>
               </a:ext>
             </a:extLst>
           </p:cNvPr>
@@ -3510,7 +3510,7 @@
           <p:cNvPr id="5" name="Footer Placeholder 4">
             <a:extLst>
               <a:ext uri="{FF2B5EF4-FFF2-40B4-BE49-F238E27FC236}">
-                <a16:creationId xmlns:a16="http://schemas.microsoft.com/office/drawing/2014/main" id="{C3CCB41E-1DDF-0BB8-E254-E403227AFA5F}"/>
+                <a16:creationId xmlns:a16="http://schemas.microsoft.com/office/drawing/2014/main" xmlns="" id="{C3CCB41E-1DDF-0BB8-E254-E403227AFA5F}"/>
               </a:ext>
             </a:extLst>
           </p:cNvPr>
@@ -3553,7 +3553,7 @@
           <p:cNvPr id="6" name="Slide Number Placeholder 5">
             <a:extLst>
               <a:ext uri="{FF2B5EF4-FFF2-40B4-BE49-F238E27FC236}">
-                <a16:creationId xmlns:a16="http://schemas.microsoft.com/office/drawing/2014/main" id="{32A79386-D9FD-CF57-40C0-6AFCD8389C75}"/>
+                <a16:creationId xmlns:a16="http://schemas.microsoft.com/office/drawing/2014/main" xmlns="" id="{32A79386-D9FD-CF57-40C0-6AFCD8389C75}"/>
               </a:ext>
             </a:extLst>
           </p:cNvPr>
@@ -3589,7 +3589,7 @@
           <a:p>
             <a:fld id="{02FB3399-B4F1-43D5-AC3A-B3E80400B24E}" type="slidenum">
               <a:rPr lang="en-US" smtClean="0"/>
-              <a:t>‹#›</a:t>
+              <a:t>‹N°›</a:t>
             </a:fld>
             <a:endParaRPr lang="en-US"/>
           </a:p>
@@ -3921,7 +3921,7 @@
           <p:cNvPr id="6" name="Picture 5">
             <a:extLst>
               <a:ext uri="{FF2B5EF4-FFF2-40B4-BE49-F238E27FC236}">
-                <a16:creationId xmlns:a16="http://schemas.microsoft.com/office/drawing/2014/main" id="{D4BE0233-533B-45B8-ECC9-57B9E7ED134C}"/>
+                <a16:creationId xmlns:a16="http://schemas.microsoft.com/office/drawing/2014/main" xmlns="" id="{D4BE0233-533B-45B8-ECC9-57B9E7ED134C}"/>
               </a:ext>
             </a:extLst>
           </p:cNvPr>
@@ -3957,7 +3957,7 @@
           <p:cNvPr id="2" name="Title 1">
             <a:extLst>
               <a:ext uri="{FF2B5EF4-FFF2-40B4-BE49-F238E27FC236}">
-                <a16:creationId xmlns:a16="http://schemas.microsoft.com/office/drawing/2014/main" id="{7536F7C6-A765-2221-DEFA-84FFE0415FED}"/>
+                <a16:creationId xmlns:a16="http://schemas.microsoft.com/office/drawing/2014/main" xmlns="" id="{7536F7C6-A765-2221-DEFA-84FFE0415FED}"/>
               </a:ext>
             </a:extLst>
           </p:cNvPr>
@@ -3995,7 +3995,7 @@
           <p:cNvPr id="3" name="Subtitle 2">
             <a:extLst>
               <a:ext uri="{FF2B5EF4-FFF2-40B4-BE49-F238E27FC236}">
-                <a16:creationId xmlns:a16="http://schemas.microsoft.com/office/drawing/2014/main" id="{4B641AEC-CBAF-72AF-6445-A561AC22F469}"/>
+                <a16:creationId xmlns:a16="http://schemas.microsoft.com/office/drawing/2014/main" xmlns="" id="{4B641AEC-CBAF-72AF-6445-A561AC22F469}"/>
               </a:ext>
             </a:extLst>
           </p:cNvPr>
@@ -4077,7 +4077,7 @@
           <p:cNvPr id="5" name="Picture 4">
             <a:extLst>
               <a:ext uri="{FF2B5EF4-FFF2-40B4-BE49-F238E27FC236}">
-                <a16:creationId xmlns:a16="http://schemas.microsoft.com/office/drawing/2014/main" id="{62040E69-27D9-B46E-CE54-7E78255F4474}"/>
+                <a16:creationId xmlns:a16="http://schemas.microsoft.com/office/drawing/2014/main" xmlns="" id="{62040E69-27D9-B46E-CE54-7E78255F4474}"/>
               </a:ext>
             </a:extLst>
           </p:cNvPr>
@@ -4113,7 +4113,7 @@
           <p:cNvPr id="6" name="TextBox 5">
             <a:extLst>
               <a:ext uri="{FF2B5EF4-FFF2-40B4-BE49-F238E27FC236}">
-                <a16:creationId xmlns:a16="http://schemas.microsoft.com/office/drawing/2014/main" id="{41A42AD6-426C-CB9B-813A-2026D18CD4E9}"/>
+                <a16:creationId xmlns:a16="http://schemas.microsoft.com/office/drawing/2014/main" xmlns="" id="{41A42AD6-426C-CB9B-813A-2026D18CD4E9}"/>
               </a:ext>
             </a:extLst>
           </p:cNvPr>
@@ -4246,7 +4246,7 @@
           <p:cNvPr id="3" name="Picture 2">
             <a:extLst>
               <a:ext uri="{FF2B5EF4-FFF2-40B4-BE49-F238E27FC236}">
-                <a16:creationId xmlns:a16="http://schemas.microsoft.com/office/drawing/2014/main" id="{86D9200F-3EA1-511B-A075-E7739EBE83A9}"/>
+                <a16:creationId xmlns:a16="http://schemas.microsoft.com/office/drawing/2014/main" xmlns="" id="{86D9200F-3EA1-511B-A075-E7739EBE83A9}"/>
               </a:ext>
             </a:extLst>
           </p:cNvPr>
@@ -4282,7 +4282,7 @@
           <p:cNvPr id="10" name="Picture 9">
             <a:extLst>
               <a:ext uri="{FF2B5EF4-FFF2-40B4-BE49-F238E27FC236}">
-                <a16:creationId xmlns:a16="http://schemas.microsoft.com/office/drawing/2014/main" id="{04C1246D-AF33-46F0-8E59-B20880E9441C}"/>
+                <a16:creationId xmlns:a16="http://schemas.microsoft.com/office/drawing/2014/main" xmlns="" id="{04C1246D-AF33-46F0-8E59-B20880E9441C}"/>
               </a:ext>
             </a:extLst>
           </p:cNvPr>
@@ -4292,7 +4292,7 @@
           <p:nvPr/>
         </p:nvPicPr>
         <p:blipFill>
-          <a:blip r:embed="rId4">
+          <a:blip r:embed="rId4" cstate="print">
             <a:extLst>
               <a:ext uri="{28A0092B-C50C-407E-A947-70E740481C1C}">
                 <a14:useLocalDpi xmlns:a14="http://schemas.microsoft.com/office/drawing/2010/main" val="0"/>
@@ -4318,7 +4318,7 @@
           <p:cNvPr id="11" name="Picture 10">
             <a:extLst>
               <a:ext uri="{FF2B5EF4-FFF2-40B4-BE49-F238E27FC236}">
-                <a16:creationId xmlns:a16="http://schemas.microsoft.com/office/drawing/2014/main" id="{B08ACD22-9D96-F828-8FAF-6251B4ED92C0}"/>
+                <a16:creationId xmlns:a16="http://schemas.microsoft.com/office/drawing/2014/main" xmlns="" id="{B08ACD22-9D96-F828-8FAF-6251B4ED92C0}"/>
               </a:ext>
             </a:extLst>
           </p:cNvPr>
@@ -4328,7 +4328,7 @@
           <p:nvPr/>
         </p:nvPicPr>
         <p:blipFill>
-          <a:blip r:embed="rId4">
+          <a:blip r:embed="rId4" cstate="print">
             <a:extLst>
               <a:ext uri="{28A0092B-C50C-407E-A947-70E740481C1C}">
                 <a14:useLocalDpi xmlns:a14="http://schemas.microsoft.com/office/drawing/2010/main" val="0"/>
@@ -4354,7 +4354,7 @@
           <p:cNvPr id="12" name="Picture 11">
             <a:extLst>
               <a:ext uri="{FF2B5EF4-FFF2-40B4-BE49-F238E27FC236}">
-                <a16:creationId xmlns:a16="http://schemas.microsoft.com/office/drawing/2014/main" id="{5DF52F92-D018-67A8-6556-939CC842B708}"/>
+                <a16:creationId xmlns:a16="http://schemas.microsoft.com/office/drawing/2014/main" xmlns="" id="{5DF52F92-D018-67A8-6556-939CC842B708}"/>
               </a:ext>
             </a:extLst>
           </p:cNvPr>
@@ -4364,7 +4364,7 @@
           <p:nvPr/>
         </p:nvPicPr>
         <p:blipFill>
-          <a:blip r:embed="rId4">
+          <a:blip r:embed="rId4" cstate="print">
             <a:duotone>
               <a:schemeClr val="accent4">
                 <a:shade val="45000"/>
@@ -4401,7 +4401,7 @@
           <p:cNvPr id="13" name="Picture 12">
             <a:extLst>
               <a:ext uri="{FF2B5EF4-FFF2-40B4-BE49-F238E27FC236}">
-                <a16:creationId xmlns:a16="http://schemas.microsoft.com/office/drawing/2014/main" id="{159A61CE-5B59-7B72-83C4-F26BE56894F4}"/>
+                <a16:creationId xmlns:a16="http://schemas.microsoft.com/office/drawing/2014/main" xmlns="" id="{159A61CE-5B59-7B72-83C4-F26BE56894F4}"/>
               </a:ext>
             </a:extLst>
           </p:cNvPr>
@@ -4411,7 +4411,7 @@
           <p:nvPr/>
         </p:nvPicPr>
         <p:blipFill>
-          <a:blip r:embed="rId4">
+          <a:blip r:embed="rId5" cstate="print">
             <a:extLst>
               <a:ext uri="{28A0092B-C50C-407E-A947-70E740481C1C}">
                 <a14:useLocalDpi xmlns:a14="http://schemas.microsoft.com/office/drawing/2010/main" val="0"/>
@@ -4437,7 +4437,7 @@
           <p:cNvPr id="42" name="Picture 41">
             <a:extLst>
               <a:ext uri="{FF2B5EF4-FFF2-40B4-BE49-F238E27FC236}">
-                <a16:creationId xmlns:a16="http://schemas.microsoft.com/office/drawing/2014/main" id="{1BC40B61-81A8-ABDD-F0D7-AC650B307C31}"/>
+                <a16:creationId xmlns:a16="http://schemas.microsoft.com/office/drawing/2014/main" xmlns="" id="{1BC40B61-81A8-ABDD-F0D7-AC650B307C31}"/>
               </a:ext>
             </a:extLst>
           </p:cNvPr>
@@ -4447,7 +4447,7 @@
           <p:nvPr/>
         </p:nvPicPr>
         <p:blipFill>
-          <a:blip r:embed="rId4">
+          <a:blip r:embed="rId5" cstate="print">
             <a:extLst>
               <a:ext uri="{28A0092B-C50C-407E-A947-70E740481C1C}">
                 <a14:useLocalDpi xmlns:a14="http://schemas.microsoft.com/office/drawing/2010/main" val="0"/>
@@ -4473,7 +4473,7 @@
           <p:cNvPr id="43" name="Picture 42">
             <a:extLst>
               <a:ext uri="{FF2B5EF4-FFF2-40B4-BE49-F238E27FC236}">
-                <a16:creationId xmlns:a16="http://schemas.microsoft.com/office/drawing/2014/main" id="{27381BA1-7263-5DAB-298E-26EBB25AAEB9}"/>
+                <a16:creationId xmlns:a16="http://schemas.microsoft.com/office/drawing/2014/main" xmlns="" id="{27381BA1-7263-5DAB-298E-26EBB25AAEB9}"/>
               </a:ext>
             </a:extLst>
           </p:cNvPr>
@@ -4483,7 +4483,7 @@
           <p:nvPr/>
         </p:nvPicPr>
         <p:blipFill>
-          <a:blip r:embed="rId4">
+          <a:blip r:embed="rId5" cstate="print">
             <a:extLst>
               <a:ext uri="{28A0092B-C50C-407E-A947-70E740481C1C}">
                 <a14:useLocalDpi xmlns:a14="http://schemas.microsoft.com/office/drawing/2010/main" val="0"/>
@@ -4509,7 +4509,7 @@
           <p:cNvPr id="44" name="Picture 43">
             <a:extLst>
               <a:ext uri="{FF2B5EF4-FFF2-40B4-BE49-F238E27FC236}">
-                <a16:creationId xmlns:a16="http://schemas.microsoft.com/office/drawing/2014/main" id="{2D443DED-585A-DAF4-C874-B488FB2B8177}"/>
+                <a16:creationId xmlns:a16="http://schemas.microsoft.com/office/drawing/2014/main" xmlns="" id="{2D443DED-585A-DAF4-C874-B488FB2B8177}"/>
               </a:ext>
             </a:extLst>
           </p:cNvPr>
@@ -4519,7 +4519,7 @@
           <p:nvPr/>
         </p:nvPicPr>
         <p:blipFill>
-          <a:blip r:embed="rId4">
+          <a:blip r:embed="rId5" cstate="print">
             <a:extLst>
               <a:ext uri="{28A0092B-C50C-407E-A947-70E740481C1C}">
                 <a14:useLocalDpi xmlns:a14="http://schemas.microsoft.com/office/drawing/2010/main" val="0"/>
@@ -4545,7 +4545,7 @@
           <p:cNvPr id="49" name="Picture 48">
             <a:extLst>
               <a:ext uri="{FF2B5EF4-FFF2-40B4-BE49-F238E27FC236}">
-                <a16:creationId xmlns:a16="http://schemas.microsoft.com/office/drawing/2014/main" id="{C9989BF2-AB1B-204A-9E64-8452285DB346}"/>
+                <a16:creationId xmlns:a16="http://schemas.microsoft.com/office/drawing/2014/main" xmlns="" id="{C9989BF2-AB1B-204A-9E64-8452285DB346}"/>
               </a:ext>
             </a:extLst>
           </p:cNvPr>
@@ -4555,7 +4555,7 @@
           <p:nvPr/>
         </p:nvPicPr>
         <p:blipFill>
-          <a:blip r:embed="rId4">
+          <a:blip r:embed="rId5" cstate="print">
             <a:extLst>
               <a:ext uri="{28A0092B-C50C-407E-A947-70E740481C1C}">
                 <a14:useLocalDpi xmlns:a14="http://schemas.microsoft.com/office/drawing/2010/main" val="0"/>
@@ -4581,7 +4581,7 @@
           <p:cNvPr id="50" name="Picture 49">
             <a:extLst>
               <a:ext uri="{FF2B5EF4-FFF2-40B4-BE49-F238E27FC236}">
-                <a16:creationId xmlns:a16="http://schemas.microsoft.com/office/drawing/2014/main" id="{07AB700C-7528-947B-1475-4044769F9EB6}"/>
+                <a16:creationId xmlns:a16="http://schemas.microsoft.com/office/drawing/2014/main" xmlns="" id="{07AB700C-7528-947B-1475-4044769F9EB6}"/>
               </a:ext>
             </a:extLst>
           </p:cNvPr>
@@ -4591,7 +4591,7 @@
           <p:nvPr/>
         </p:nvPicPr>
         <p:blipFill>
-          <a:blip r:embed="rId4">
+          <a:blip r:embed="rId5" cstate="print">
             <a:extLst>
               <a:ext uri="{28A0092B-C50C-407E-A947-70E740481C1C}">
                 <a14:useLocalDpi xmlns:a14="http://schemas.microsoft.com/office/drawing/2010/main" val="0"/>
@@ -4617,7 +4617,7 @@
           <p:cNvPr id="51" name="Picture 50">
             <a:extLst>
               <a:ext uri="{FF2B5EF4-FFF2-40B4-BE49-F238E27FC236}">
-                <a16:creationId xmlns:a16="http://schemas.microsoft.com/office/drawing/2014/main" id="{4BDC6BCA-FF3F-0A69-5E76-0037D5DE8FE0}"/>
+                <a16:creationId xmlns:a16="http://schemas.microsoft.com/office/drawing/2014/main" xmlns="" id="{4BDC6BCA-FF3F-0A69-5E76-0037D5DE8FE0}"/>
               </a:ext>
             </a:extLst>
           </p:cNvPr>
@@ -4627,7 +4627,7 @@
           <p:nvPr/>
         </p:nvPicPr>
         <p:blipFill>
-          <a:blip r:embed="rId4">
+          <a:blip r:embed="rId5" cstate="print">
             <a:extLst>
               <a:ext uri="{28A0092B-C50C-407E-A947-70E740481C1C}">
                 <a14:useLocalDpi xmlns:a14="http://schemas.microsoft.com/office/drawing/2010/main" val="0"/>
@@ -4653,7 +4653,7 @@
           <p:cNvPr id="52" name="Picture 51">
             <a:extLst>
               <a:ext uri="{FF2B5EF4-FFF2-40B4-BE49-F238E27FC236}">
-                <a16:creationId xmlns:a16="http://schemas.microsoft.com/office/drawing/2014/main" id="{082B55FE-318E-A841-C813-FC315279C4F6}"/>
+                <a16:creationId xmlns:a16="http://schemas.microsoft.com/office/drawing/2014/main" xmlns="" id="{082B55FE-318E-A841-C813-FC315279C4F6}"/>
               </a:ext>
             </a:extLst>
           </p:cNvPr>
@@ -4663,7 +4663,7 @@
           <p:nvPr/>
         </p:nvPicPr>
         <p:blipFill>
-          <a:blip r:embed="rId4">
+          <a:blip r:embed="rId5" cstate="print">
             <a:extLst>
               <a:ext uri="{28A0092B-C50C-407E-A947-70E740481C1C}">
                 <a14:useLocalDpi xmlns:a14="http://schemas.microsoft.com/office/drawing/2010/main" val="0"/>
@@ -4689,7 +4689,7 @@
           <p:cNvPr id="53" name="Picture 52">
             <a:extLst>
               <a:ext uri="{FF2B5EF4-FFF2-40B4-BE49-F238E27FC236}">
-                <a16:creationId xmlns:a16="http://schemas.microsoft.com/office/drawing/2014/main" id="{7D795CB2-33A8-F068-4CD6-BACA27E03724}"/>
+                <a16:creationId xmlns:a16="http://schemas.microsoft.com/office/drawing/2014/main" xmlns="" id="{7D795CB2-33A8-F068-4CD6-BACA27E03724}"/>
               </a:ext>
             </a:extLst>
           </p:cNvPr>
@@ -4699,7 +4699,7 @@
           <p:nvPr/>
         </p:nvPicPr>
         <p:blipFill>
-          <a:blip r:embed="rId4">
+          <a:blip r:embed="rId5" cstate="print">
             <a:extLst>
               <a:ext uri="{28A0092B-C50C-407E-A947-70E740481C1C}">
                 <a14:useLocalDpi xmlns:a14="http://schemas.microsoft.com/office/drawing/2010/main" val="0"/>
@@ -4725,7 +4725,7 @@
           <p:cNvPr id="54" name="Picture 53">
             <a:extLst>
               <a:ext uri="{FF2B5EF4-FFF2-40B4-BE49-F238E27FC236}">
-                <a16:creationId xmlns:a16="http://schemas.microsoft.com/office/drawing/2014/main" id="{DEFC62D7-0E24-5403-781A-FE9851F3167E}"/>
+                <a16:creationId xmlns:a16="http://schemas.microsoft.com/office/drawing/2014/main" xmlns="" id="{DEFC62D7-0E24-5403-781A-FE9851F3167E}"/>
               </a:ext>
             </a:extLst>
           </p:cNvPr>
@@ -4735,7 +4735,7 @@
           <p:nvPr/>
         </p:nvPicPr>
         <p:blipFill>
-          <a:blip r:embed="rId4">
+          <a:blip r:embed="rId5" cstate="print">
             <a:extLst>
               <a:ext uri="{28A0092B-C50C-407E-A947-70E740481C1C}">
                 <a14:useLocalDpi xmlns:a14="http://schemas.microsoft.com/office/drawing/2010/main" val="0"/>
@@ -4761,7 +4761,7 @@
           <p:cNvPr id="55" name="Picture 54">
             <a:extLst>
               <a:ext uri="{FF2B5EF4-FFF2-40B4-BE49-F238E27FC236}">
-                <a16:creationId xmlns:a16="http://schemas.microsoft.com/office/drawing/2014/main" id="{945AA4DB-CE8A-F00C-5EC9-B96A800606AE}"/>
+                <a16:creationId xmlns:a16="http://schemas.microsoft.com/office/drawing/2014/main" xmlns="" id="{945AA4DB-CE8A-F00C-5EC9-B96A800606AE}"/>
               </a:ext>
             </a:extLst>
           </p:cNvPr>
@@ -4771,7 +4771,7 @@
           <p:nvPr/>
         </p:nvPicPr>
         <p:blipFill>
-          <a:blip r:embed="rId4">
+          <a:blip r:embed="rId5" cstate="print">
             <a:extLst>
               <a:ext uri="{28A0092B-C50C-407E-A947-70E740481C1C}">
                 <a14:useLocalDpi xmlns:a14="http://schemas.microsoft.com/office/drawing/2010/main" val="0"/>
@@ -4797,7 +4797,7 @@
           <p:cNvPr id="56" name="Picture 55">
             <a:extLst>
               <a:ext uri="{FF2B5EF4-FFF2-40B4-BE49-F238E27FC236}">
-                <a16:creationId xmlns:a16="http://schemas.microsoft.com/office/drawing/2014/main" id="{62B6AE7F-B15B-0F53-8DBE-1198C0EB18BC}"/>
+                <a16:creationId xmlns:a16="http://schemas.microsoft.com/office/drawing/2014/main" xmlns="" id="{62B6AE7F-B15B-0F53-8DBE-1198C0EB18BC}"/>
               </a:ext>
             </a:extLst>
           </p:cNvPr>
@@ -4807,7 +4807,7 @@
           <p:nvPr/>
         </p:nvPicPr>
         <p:blipFill>
-          <a:blip r:embed="rId4">
+          <a:blip r:embed="rId5" cstate="print">
             <a:extLst>
               <a:ext uri="{28A0092B-C50C-407E-A947-70E740481C1C}">
                 <a14:useLocalDpi xmlns:a14="http://schemas.microsoft.com/office/drawing/2010/main" val="0"/>
@@ -4833,7 +4833,7 @@
           <p:cNvPr id="57" name="Picture 56">
             <a:extLst>
               <a:ext uri="{FF2B5EF4-FFF2-40B4-BE49-F238E27FC236}">
-                <a16:creationId xmlns:a16="http://schemas.microsoft.com/office/drawing/2014/main" id="{0C206D26-2ADD-4344-E8AE-5F169FEC4295}"/>
+                <a16:creationId xmlns:a16="http://schemas.microsoft.com/office/drawing/2014/main" xmlns="" id="{0C206D26-2ADD-4344-E8AE-5F169FEC4295}"/>
               </a:ext>
             </a:extLst>
           </p:cNvPr>
@@ -4843,7 +4843,7 @@
           <p:nvPr/>
         </p:nvPicPr>
         <p:blipFill>
-          <a:blip r:embed="rId4">
+          <a:blip r:embed="rId5" cstate="print">
             <a:extLst>
               <a:ext uri="{28A0092B-C50C-407E-A947-70E740481C1C}">
                 <a14:useLocalDpi xmlns:a14="http://schemas.microsoft.com/office/drawing/2010/main" val="0"/>
@@ -4869,7 +4869,7 @@
           <p:cNvPr id="58" name="Picture 57">
             <a:extLst>
               <a:ext uri="{FF2B5EF4-FFF2-40B4-BE49-F238E27FC236}">
-                <a16:creationId xmlns:a16="http://schemas.microsoft.com/office/drawing/2014/main" id="{0804AF18-2E89-77C7-1897-FD9637A15984}"/>
+                <a16:creationId xmlns:a16="http://schemas.microsoft.com/office/drawing/2014/main" xmlns="" id="{0804AF18-2E89-77C7-1897-FD9637A15984}"/>
               </a:ext>
             </a:extLst>
           </p:cNvPr>
@@ -4879,7 +4879,7 @@
           <p:nvPr/>
         </p:nvPicPr>
         <p:blipFill>
-          <a:blip r:embed="rId4">
+          <a:blip r:embed="rId5" cstate="print">
             <a:extLst>
               <a:ext uri="{28A0092B-C50C-407E-A947-70E740481C1C}">
                 <a14:useLocalDpi xmlns:a14="http://schemas.microsoft.com/office/drawing/2010/main" val="0"/>
@@ -4905,7 +4905,7 @@
           <p:cNvPr id="59" name="Picture 58">
             <a:extLst>
               <a:ext uri="{FF2B5EF4-FFF2-40B4-BE49-F238E27FC236}">
-                <a16:creationId xmlns:a16="http://schemas.microsoft.com/office/drawing/2014/main" id="{18A6911E-BFFB-1352-B235-D4EB620B6FED}"/>
+                <a16:creationId xmlns:a16="http://schemas.microsoft.com/office/drawing/2014/main" xmlns="" id="{18A6911E-BFFB-1352-B235-D4EB620B6FED}"/>
               </a:ext>
             </a:extLst>
           </p:cNvPr>
@@ -4915,7 +4915,7 @@
           <p:nvPr/>
         </p:nvPicPr>
         <p:blipFill>
-          <a:blip r:embed="rId4">
+          <a:blip r:embed="rId5" cstate="print">
             <a:extLst>
               <a:ext uri="{28A0092B-C50C-407E-A947-70E740481C1C}">
                 <a14:useLocalDpi xmlns:a14="http://schemas.microsoft.com/office/drawing/2010/main" val="0"/>
@@ -4941,7 +4941,7 @@
           <p:cNvPr id="60" name="Picture 59">
             <a:extLst>
               <a:ext uri="{FF2B5EF4-FFF2-40B4-BE49-F238E27FC236}">
-                <a16:creationId xmlns:a16="http://schemas.microsoft.com/office/drawing/2014/main" id="{D2464243-1C0E-7432-1EEA-127CF738E495}"/>
+                <a16:creationId xmlns:a16="http://schemas.microsoft.com/office/drawing/2014/main" xmlns="" id="{D2464243-1C0E-7432-1EEA-127CF738E495}"/>
               </a:ext>
             </a:extLst>
           </p:cNvPr>
@@ -4951,7 +4951,7 @@
           <p:nvPr/>
         </p:nvPicPr>
         <p:blipFill>
-          <a:blip r:embed="rId4">
+          <a:blip r:embed="rId5" cstate="print">
             <a:extLst>
               <a:ext uri="{28A0092B-C50C-407E-A947-70E740481C1C}">
                 <a14:useLocalDpi xmlns:a14="http://schemas.microsoft.com/office/drawing/2010/main" val="0"/>
@@ -5007,7 +5007,7 @@
           <p:cNvPr id="14" name="Picture 13">
             <a:extLst>
               <a:ext uri="{FF2B5EF4-FFF2-40B4-BE49-F238E27FC236}">
-                <a16:creationId xmlns:a16="http://schemas.microsoft.com/office/drawing/2014/main" id="{D776C155-13A9-C999-801D-3A7773AC3CAD}"/>
+                <a16:creationId xmlns:a16="http://schemas.microsoft.com/office/drawing/2014/main" xmlns="" id="{D776C155-13A9-C999-801D-3A7773AC3CAD}"/>
               </a:ext>
             </a:extLst>
           </p:cNvPr>
@@ -5017,7 +5017,7 @@
           <p:nvPr/>
         </p:nvPicPr>
         <p:blipFill>
-          <a:blip r:embed="rId2">
+          <a:blip r:embed="rId2" cstate="print">
             <a:extLst>
               <a:ext uri="{28A0092B-C50C-407E-A947-70E740481C1C}">
                 <a14:useLocalDpi xmlns:a14="http://schemas.microsoft.com/office/drawing/2010/main" val="0"/>
@@ -5043,7 +5043,7 @@
           <p:cNvPr id="7" name="Picture 6">
             <a:extLst>
               <a:ext uri="{FF2B5EF4-FFF2-40B4-BE49-F238E27FC236}">
-                <a16:creationId xmlns:a16="http://schemas.microsoft.com/office/drawing/2014/main" id="{EC707A67-1C19-B7E5-8D21-D025858F298D}"/>
+                <a16:creationId xmlns:a16="http://schemas.microsoft.com/office/drawing/2014/main" xmlns="" id="{EC707A67-1C19-B7E5-8D21-D025858F298D}"/>
               </a:ext>
             </a:extLst>
           </p:cNvPr>
@@ -5053,7 +5053,7 @@
           <p:nvPr/>
         </p:nvPicPr>
         <p:blipFill>
-          <a:blip r:embed="rId2">
+          <a:blip r:embed="rId2" cstate="print">
             <a:extLst>
               <a:ext uri="{28A0092B-C50C-407E-A947-70E740481C1C}">
                 <a14:useLocalDpi xmlns:a14="http://schemas.microsoft.com/office/drawing/2010/main" val="0"/>
@@ -5079,7 +5079,7 @@
           <p:cNvPr id="5" name="Picture 4">
             <a:extLst>
               <a:ext uri="{FF2B5EF4-FFF2-40B4-BE49-F238E27FC236}">
-                <a16:creationId xmlns:a16="http://schemas.microsoft.com/office/drawing/2014/main" id="{4BEBB87C-460E-C546-1FFC-FF33AB5F609C}"/>
+                <a16:creationId xmlns:a16="http://schemas.microsoft.com/office/drawing/2014/main" xmlns="" id="{4BEBB87C-460E-C546-1FFC-FF33AB5F609C}"/>
               </a:ext>
             </a:extLst>
           </p:cNvPr>
@@ -5115,7 +5115,7 @@
           <p:cNvPr id="11" name="TextBox 10">
             <a:extLst>
               <a:ext uri="{FF2B5EF4-FFF2-40B4-BE49-F238E27FC236}">
-                <a16:creationId xmlns:a16="http://schemas.microsoft.com/office/drawing/2014/main" id="{F2F6C13D-81FC-DEDE-5FB6-9E2AD9B47683}"/>
+                <a16:creationId xmlns:a16="http://schemas.microsoft.com/office/drawing/2014/main" xmlns="" id="{F2F6C13D-81FC-DEDE-5FB6-9E2AD9B47683}"/>
               </a:ext>
             </a:extLst>
           </p:cNvPr>
@@ -5178,7 +5178,7 @@
           <p:cNvPr id="12" name="TextBox 11">
             <a:extLst>
               <a:ext uri="{FF2B5EF4-FFF2-40B4-BE49-F238E27FC236}">
-                <a16:creationId xmlns:a16="http://schemas.microsoft.com/office/drawing/2014/main" id="{DF3EB6EC-866A-FA07-D333-3833513613EB}"/>
+                <a16:creationId xmlns:a16="http://schemas.microsoft.com/office/drawing/2014/main" xmlns="" id="{DF3EB6EC-866A-FA07-D333-3833513613EB}"/>
               </a:ext>
             </a:extLst>
           </p:cNvPr>
@@ -5365,7 +5365,7 @@
           <p:cNvPr id="13" name="TextBox 12">
             <a:extLst>
               <a:ext uri="{FF2B5EF4-FFF2-40B4-BE49-F238E27FC236}">
-                <a16:creationId xmlns:a16="http://schemas.microsoft.com/office/drawing/2014/main" id="{499FAA93-F086-DEBD-8C96-6E960BDE4099}"/>
+                <a16:creationId xmlns:a16="http://schemas.microsoft.com/office/drawing/2014/main" xmlns="" id="{499FAA93-F086-DEBD-8C96-6E960BDE4099}"/>
               </a:ext>
             </a:extLst>
           </p:cNvPr>
@@ -5433,7 +5433,7 @@
           <p:cNvPr id="4" name="Table 4">
             <a:extLst>
               <a:ext uri="{FF2B5EF4-FFF2-40B4-BE49-F238E27FC236}">
-                <a16:creationId xmlns:a16="http://schemas.microsoft.com/office/drawing/2014/main" id="{9DE2FC24-D856-4261-88FA-90C85E201945}"/>
+                <a16:creationId xmlns:a16="http://schemas.microsoft.com/office/drawing/2014/main" xmlns="" id="{9DE2FC24-D856-4261-88FA-90C85E201945}"/>
               </a:ext>
             </a:extLst>
           </p:cNvPr>
@@ -5443,14 +5443,14 @@
           <p:nvPr>
             <p:extLst>
               <p:ext uri="{D42A27DB-BD31-4B8C-83A1-F6EECF244321}">
-                <p14:modId xmlns:p14="http://schemas.microsoft.com/office/powerpoint/2010/main" val="2273091798"/>
+                <p14:modId xmlns:p14="http://schemas.microsoft.com/office/powerpoint/2010/main" val="1212641508"/>
               </p:ext>
             </p:extLst>
           </p:nvPr>
         </p:nvGraphicFramePr>
         <p:xfrm>
-          <a:off x="1617942" y="1167399"/>
-          <a:ext cx="8956116" cy="4523201"/>
+          <a:off x="1420245" y="1245779"/>
+          <a:ext cx="9351510" cy="4366443"/>
         </p:xfrm>
         <a:graphic>
           <a:graphicData uri="http://schemas.openxmlformats.org/drawingml/2006/table">
@@ -5459,36 +5459,37 @@
                 <a:tableStyleId>{0505E3EF-67EA-436B-97B2-0124C06EBD24}</a:tableStyleId>
               </a:tblPr>
               <a:tblGrid>
-                <a:gridCol w="2239029">
+                <a:gridCol w="1870302">
                   <a:extLst>
                     <a:ext uri="{9D8B030D-6E8A-4147-A177-3AD203B41FA5}">
-                      <a16:colId xmlns:a16="http://schemas.microsoft.com/office/drawing/2014/main" val="3701756039"/>
+                      <a16:colId xmlns:a16="http://schemas.microsoft.com/office/drawing/2014/main" xmlns="" val="3701756039"/>
                     </a:ext>
                   </a:extLst>
                 </a:gridCol>
-                <a:gridCol w="2239029">
+                <a:gridCol w="1870302">
                   <a:extLst>
                     <a:ext uri="{9D8B030D-6E8A-4147-A177-3AD203B41FA5}">
-                      <a16:colId xmlns:a16="http://schemas.microsoft.com/office/drawing/2014/main" val="714264370"/>
+                      <a16:colId xmlns:a16="http://schemas.microsoft.com/office/drawing/2014/main" xmlns="" val="714264370"/>
                     </a:ext>
                   </a:extLst>
                 </a:gridCol>
-                <a:gridCol w="2239029">
+                <a:gridCol w="1870302">
                   <a:extLst>
                     <a:ext uri="{9D8B030D-6E8A-4147-A177-3AD203B41FA5}">
-                      <a16:colId xmlns:a16="http://schemas.microsoft.com/office/drawing/2014/main" val="1147236668"/>
+                      <a16:colId xmlns:a16="http://schemas.microsoft.com/office/drawing/2014/main" xmlns="" val="1147236668"/>
                     </a:ext>
                   </a:extLst>
                 </a:gridCol>
-                <a:gridCol w="2239029">
+                <a:gridCol w="1870302">
                   <a:extLst>
                     <a:ext uri="{9D8B030D-6E8A-4147-A177-3AD203B41FA5}">
-                      <a16:colId xmlns:a16="http://schemas.microsoft.com/office/drawing/2014/main" val="3302350609"/>
+                      <a16:colId xmlns:a16="http://schemas.microsoft.com/office/drawing/2014/main" xmlns="" val="3302350609"/>
                     </a:ext>
                   </a:extLst>
                 </a:gridCol>
+                <a:gridCol w="1870302"/>
               </a:tblGrid>
-              <a:tr h="1545564">
+              <a:tr h="783684">
                 <a:tc>
                   <a:txBody>
                     <a:bodyPr/>
@@ -5496,24 +5497,29 @@
                     <a:p>
                       <a:pPr algn="ctr"/>
                       <a:r>
-                        <a:rPr lang="en-US" dirty="0" err="1"/>
+                        <a:rPr lang="en-US" sz="1800" dirty="0" err="1"/>
                         <a:t>Heuristique</a:t>
                       </a:r>
                       <a:r>
-                        <a:rPr lang="en-US" dirty="0"/>
+                        <a:rPr lang="en-US" sz="1800" dirty="0"/>
                         <a:t> </a:t>
                       </a:r>
                       <a:r>
-                        <a:rPr lang="en-US" dirty="0" err="1"/>
+                        <a:rPr lang="en-US" sz="1800" dirty="0" err="1"/>
                         <a:t>d’évaluation</a:t>
                       </a:r>
                       <a:r>
-                        <a:rPr lang="en-US" dirty="0"/>
-                        <a:t> de la position</a:t>
-                      </a:r>
+                        <a:rPr lang="en-US" sz="1800" dirty="0"/>
+                        <a:t> de la </a:t>
+                      </a:r>
+                      <a:r>
+                        <a:rPr lang="en-US" sz="1800" dirty="0" smtClean="0"/>
+                        <a:t>position</a:t>
+                      </a:r>
+                      <a:endParaRPr lang="en-US" sz="1800" dirty="0"/>
                     </a:p>
                   </a:txBody>
-                  <a:tcPr/>
+                  <a:tcPr marL="100473" marR="100473" marT="50236" marB="50236" anchor="ctr"/>
                 </a:tc>
                 <a:tc>
                   <a:txBody>
@@ -5538,28 +5544,28 @@
                         <a:defRPr/>
                       </a:pPr>
                       <a:r>
-                        <a:rPr lang="en-US" dirty="0" err="1"/>
+                        <a:rPr lang="en-US" sz="1800" dirty="0" err="1"/>
                         <a:t>Heuristique</a:t>
                       </a:r>
                       <a:r>
-                        <a:rPr lang="en-US" dirty="0"/>
+                        <a:rPr lang="en-US" sz="1800" dirty="0"/>
                         <a:t> </a:t>
                       </a:r>
                       <a:r>
-                        <a:rPr lang="en-US" dirty="0" err="1"/>
+                        <a:rPr lang="en-US" sz="1800" dirty="0" err="1"/>
                         <a:t>d’évaluation</a:t>
                       </a:r>
                       <a:r>
-                        <a:rPr lang="en-US" dirty="0"/>
+                        <a:rPr lang="en-US" sz="1800" dirty="0"/>
                         <a:t> puissance 3</a:t>
                       </a:r>
                     </a:p>
                     <a:p>
                       <a:pPr algn="ctr"/>
-                      <a:endParaRPr lang="en-US" dirty="0"/>
+                      <a:endParaRPr lang="en-US" sz="1800" dirty="0"/>
                     </a:p>
                   </a:txBody>
-                  <a:tcPr/>
+                  <a:tcPr marL="100473" marR="100473" marT="50236" marB="50236" anchor="ctr"/>
                 </a:tc>
                 <a:tc>
                   <a:txBody>
@@ -5584,33 +5590,33 @@
                         <a:defRPr/>
                       </a:pPr>
                       <a:r>
-                        <a:rPr lang="en-US" dirty="0" err="1"/>
+                        <a:rPr lang="en-US" sz="1800" dirty="0" err="1"/>
                         <a:t>Heuristique</a:t>
                       </a:r>
                       <a:r>
-                        <a:rPr lang="en-US" dirty="0"/>
+                        <a:rPr lang="en-US" sz="1800" dirty="0"/>
                         <a:t> </a:t>
                       </a:r>
                       <a:r>
-                        <a:rPr lang="en-US" dirty="0" err="1"/>
+                        <a:rPr lang="en-US" sz="1800" dirty="0" err="1"/>
                         <a:t>d’évaluation</a:t>
                       </a:r>
                       <a:r>
-                        <a:rPr lang="en-US" dirty="0"/>
+                        <a:rPr lang="en-US" sz="1800" dirty="0"/>
                         <a:t> de la </a:t>
                       </a:r>
                       <a:r>
-                        <a:rPr lang="en-US" dirty="0" err="1"/>
+                        <a:rPr lang="en-US" sz="1800" dirty="0" err="1"/>
                         <a:t>densité</a:t>
                       </a:r>
-                      <a:endParaRPr lang="en-US" dirty="0"/>
+                      <a:endParaRPr lang="en-US" sz="1800" dirty="0"/>
                     </a:p>
                     <a:p>
                       <a:pPr algn="ctr"/>
-                      <a:endParaRPr lang="en-US" dirty="0"/>
+                      <a:endParaRPr lang="en-US" sz="1800" dirty="0"/>
                     </a:p>
                   </a:txBody>
-                  <a:tcPr/>
+                  <a:tcPr marL="100473" marR="100473" marT="50236" marB="50236" anchor="ctr"/>
                 </a:tc>
                 <a:tc>
                   <a:txBody>
@@ -5635,91 +5641,33 @@
                         <a:defRPr/>
                       </a:pPr>
                       <a:r>
-                        <a:rPr lang="en-US" dirty="0" err="1"/>
+                        <a:rPr lang="en-US" sz="1800" dirty="0" err="1"/>
                         <a:t>Heuristique</a:t>
                       </a:r>
                       <a:r>
-                        <a:rPr lang="en-US" dirty="0"/>
+                        <a:rPr lang="en-US" sz="1800" dirty="0"/>
                         <a:t> </a:t>
                       </a:r>
                       <a:r>
-                        <a:rPr lang="en-US" dirty="0" err="1"/>
+                        <a:rPr lang="en-US" sz="1800" dirty="0" err="1"/>
                         <a:t>d’évaluation</a:t>
                       </a:r>
                       <a:r>
-                        <a:rPr lang="en-US" dirty="0"/>
+                        <a:rPr lang="en-US" sz="1800" dirty="0"/>
                         <a:t> de </a:t>
                       </a:r>
                       <a:r>
-                        <a:rPr lang="en-US" dirty="0" err="1"/>
+                        <a:rPr lang="en-US" sz="1800" dirty="0" err="1"/>
                         <a:t>l’adjacence</a:t>
                       </a:r>
-                      <a:endParaRPr lang="en-US" dirty="0"/>
+                      <a:endParaRPr lang="en-US" sz="1800" dirty="0"/>
                     </a:p>
                     <a:p>
                       <a:pPr algn="ctr"/>
-                      <a:endParaRPr lang="en-US" dirty="0"/>
+                      <a:endParaRPr lang="en-US" sz="1800" dirty="0"/>
                     </a:p>
                   </a:txBody>
-                  <a:tcPr/>
-                </a:tc>
-                <a:extLst>
-                  <a:ext uri="{0D108BD9-81ED-4DB2-BD59-A6C34878D82A}">
-                    <a16:rowId xmlns:a16="http://schemas.microsoft.com/office/drawing/2014/main" val="3059242724"/>
-                  </a:ext>
-                </a:extLst>
-              </a:tr>
-              <a:tr h="2977637">
-                <a:tc>
-                  <a:txBody>
-                    <a:bodyPr/>
-                    <a:lstStyle/>
-                    <a:p>
-                      <a:pPr algn="ctr"/>
-                      <a:r>
-                        <a:rPr lang="en-US" dirty="0"/>
-                        <a:t>Donne un score au coup courant </a:t>
-                      </a:r>
-                      <a:r>
-                        <a:rPr lang="en-US" dirty="0" err="1"/>
-                        <a:t>en</a:t>
-                      </a:r>
-                      <a:r>
-                        <a:rPr lang="en-US" dirty="0"/>
-                        <a:t> </a:t>
-                      </a:r>
-                      <a:r>
-                        <a:rPr lang="en-US" dirty="0" err="1"/>
-                        <a:t>fonction</a:t>
-                      </a:r>
-                      <a:r>
-                        <a:rPr lang="en-US" dirty="0"/>
-                        <a:t> de la </a:t>
-                      </a:r>
-                      <a:r>
-                        <a:rPr lang="en-US" dirty="0" err="1"/>
-                        <a:t>pondération</a:t>
-                      </a:r>
-                      <a:r>
-                        <a:rPr lang="en-US" dirty="0"/>
-                        <a:t> des </a:t>
-                      </a:r>
-                      <a:r>
-                        <a:rPr lang="en-US" dirty="0" err="1"/>
-                        <a:t>pions</a:t>
-                      </a:r>
-                      <a:r>
-                        <a:rPr lang="en-US" dirty="0"/>
-                        <a:t> </a:t>
-                      </a:r>
-                      <a:r>
-                        <a:rPr lang="en-US" dirty="0" err="1"/>
-                        <a:t>voisins</a:t>
-                      </a:r>
-                      <a:endParaRPr lang="en-US" dirty="0"/>
-                    </a:p>
-                  </a:txBody>
-                  <a:tcPr/>
+                  <a:tcPr marL="100473" marR="100473" marT="50236" marB="50236" anchor="ctr"/>
                 </a:tc>
                 <a:tc>
                   <a:txBody>
@@ -5728,65 +5676,114 @@
                     <a:p>
                       <a:pPr algn="ctr"/>
                       <a:r>
-                        <a:rPr lang="en-US" dirty="0"/>
-                        <a:t>Donne un score au coup courant </a:t>
-                      </a:r>
-                      <a:r>
-                        <a:rPr lang="en-US" dirty="0" err="1"/>
-                        <a:t>en</a:t>
-                      </a:r>
-                      <a:r>
-                        <a:rPr lang="en-US" dirty="0"/>
+                        <a:rPr lang="en-US" sz="1800" dirty="0" err="1" smtClean="0"/>
+                        <a:t>Heuristique</a:t>
+                      </a:r>
+                      <a:r>
+                        <a:rPr lang="en-US" sz="1800" baseline="0" dirty="0" smtClean="0"/>
+                        <a:t> par </a:t>
+                      </a:r>
+                      <a:r>
+                        <a:rPr lang="en-US" sz="1800" baseline="0" dirty="0" err="1" smtClean="0"/>
+                        <a:t>défaut</a:t>
+                      </a:r>
+                      <a:r>
+                        <a:rPr lang="en-US" sz="1800" baseline="0" dirty="0" smtClean="0"/>
+                        <a:t> avec </a:t>
+                      </a:r>
+                      <a:r>
+                        <a:rPr lang="en-US" sz="1800" baseline="0" dirty="0" err="1" smtClean="0"/>
+                        <a:t>l’algorithme</a:t>
+                      </a:r>
+                      <a:r>
+                        <a:rPr lang="en-US" sz="1800" baseline="0" dirty="0" smtClean="0"/>
                         <a:t> </a:t>
                       </a:r>
                       <a:r>
-                        <a:rPr lang="en-US" dirty="0" err="1"/>
-                        <a:t>cherchant</a:t>
-                      </a:r>
-                      <a:r>
-                        <a:rPr lang="en-US" dirty="0"/>
-                        <a:t> les positions qui font </a:t>
-                      </a:r>
-                      <a:r>
-                        <a:rPr lang="en-US" dirty="0" err="1"/>
-                        <a:t>gagner</a:t>
-                      </a:r>
-                      <a:r>
-                        <a:rPr lang="en-US" dirty="0"/>
-                        <a:t> i.e. </a:t>
-                      </a:r>
-                      <a:r>
-                        <a:rPr lang="en-US" dirty="0" err="1"/>
-                        <a:t>auxquels</a:t>
-                      </a:r>
-                      <a:r>
-                        <a:rPr lang="en-US" dirty="0"/>
-                        <a:t> il manque un coup pour </a:t>
-                      </a:r>
-                      <a:r>
-                        <a:rPr lang="en-US" dirty="0" err="1"/>
-                        <a:t>gagner</a:t>
-                      </a:r>
-                      <a:r>
-                        <a:rPr lang="en-US" dirty="0"/>
-                        <a:t> </a:t>
-                      </a:r>
-                      <a:r>
-                        <a:rPr lang="en-US" dirty="0" err="1"/>
-                        <a:t>ou</a:t>
-                      </a:r>
-                      <a:r>
-                        <a:rPr lang="en-US" dirty="0"/>
-                        <a:t> pour </a:t>
-                      </a:r>
-                      <a:r>
-                        <a:rPr lang="en-US" dirty="0" err="1"/>
-                        <a:t>perdre</a:t>
-                      </a:r>
-                      <a:endParaRPr lang="en-US" dirty="0"/>
+                        <a:rPr lang="en-US" sz="1800" baseline="0" dirty="0" err="1" smtClean="0"/>
+                        <a:t>miniMax</a:t>
+                      </a:r>
+                      <a:endParaRPr lang="en-US" sz="1800" dirty="0"/>
                     </a:p>
                   </a:txBody>
-                  <a:tcPr/>
+                  <a:tcPr marL="100473" marR="100473" marT="50236" marB="50236" anchor="ctr"/>
+                </a:tc>
+                <a:extLst>
+                  <a:ext uri="{0D108BD9-81ED-4DB2-BD59-A6C34878D82A}">
+                    <a16:rowId xmlns:a16="http://schemas.microsoft.com/office/drawing/2014/main" xmlns="" val="3059242724"/>
+                  </a:ext>
+                </a:extLst>
+              </a:tr>
+              <a:tr h="3168691">
+                <a:tc>
+                  <a:txBody>
+                    <a:bodyPr/>
+                    <a:lstStyle/>
+                    <a:p>
+                      <a:pPr algn="ctr"/>
+                      <a:r>
+                        <a:rPr lang="en-US" sz="1800" dirty="0"/>
+                        <a:t>Donne un score </a:t>
+                      </a:r>
+                      <a:r>
+                        <a:rPr lang="en-US" sz="1800" dirty="0" smtClean="0"/>
+                        <a:t>à la grille</a:t>
+                      </a:r>
+                      <a:r>
+                        <a:rPr lang="en-US" sz="1800" baseline="0" dirty="0" smtClean="0"/>
+                        <a:t> </a:t>
+                      </a:r>
+                      <a:r>
+                        <a:rPr lang="en-US" sz="1800" baseline="0" dirty="0" err="1" smtClean="0"/>
+                        <a:t>en</a:t>
+                      </a:r>
+                      <a:r>
+                        <a:rPr lang="en-US" sz="1800" baseline="0" dirty="0" smtClean="0"/>
+                        <a:t> </a:t>
+                      </a:r>
+                      <a:r>
+                        <a:rPr lang="en-US" sz="1800" baseline="0" dirty="0" err="1" smtClean="0"/>
+                        <a:t>fonction</a:t>
+                      </a:r>
+                      <a:r>
+                        <a:rPr lang="en-US" sz="1800" baseline="0" dirty="0" smtClean="0"/>
+                        <a:t> de la distance des </a:t>
+                      </a:r>
+                      <a:r>
+                        <a:rPr lang="en-US" sz="1800" baseline="0" dirty="0" err="1" smtClean="0"/>
+                        <a:t>jetons</a:t>
+                      </a:r>
+                      <a:r>
+                        <a:rPr lang="en-US" sz="1800" baseline="0" dirty="0" smtClean="0"/>
+                        <a:t> du </a:t>
+                      </a:r>
+                      <a:r>
+                        <a:rPr lang="en-US" sz="1800" baseline="0" dirty="0" err="1" smtClean="0"/>
+                        <a:t>joueur</a:t>
+                      </a:r>
+                      <a:r>
+                        <a:rPr lang="en-US" sz="1800" baseline="0" dirty="0" smtClean="0"/>
+                        <a:t> et de son </a:t>
+                      </a:r>
+                      <a:r>
+                        <a:rPr lang="en-US" sz="1800" baseline="0" dirty="0" err="1" smtClean="0"/>
+                        <a:t>adversaire</a:t>
+                      </a:r>
+                      <a:r>
+                        <a:rPr lang="en-US" sz="1800" baseline="0" dirty="0" smtClean="0"/>
+                        <a:t> au </a:t>
+                      </a:r>
+                      <a:r>
+                        <a:rPr lang="en-US" sz="1800" baseline="0" dirty="0" err="1" smtClean="0"/>
+                        <a:t>centre</a:t>
+                      </a:r>
+                      <a:r>
+                        <a:rPr lang="en-US" sz="1800" baseline="0" dirty="0" smtClean="0"/>
+                        <a:t> de la grille.</a:t>
+                      </a:r>
+                    </a:p>
+                  </a:txBody>
+                  <a:tcPr marL="100473" marR="100473" marT="50236" marB="50236"/>
                 </a:tc>
                 <a:tc>
                   <a:txBody>
@@ -5795,49 +5792,129 @@
                     <a:p>
                       <a:pPr algn="ctr"/>
                       <a:r>
-                        <a:rPr lang="en-US" dirty="0"/>
-                        <a:t>Donne un score au coup courant </a:t>
-                      </a:r>
-                      <a:r>
-                        <a:rPr lang="en-US" dirty="0" err="1"/>
-                        <a:t>d’autant</a:t>
-                      </a:r>
-                      <a:r>
-                        <a:rPr lang="en-US" dirty="0"/>
-                        <a:t> plus </a:t>
-                      </a:r>
-                      <a:r>
-                        <a:rPr lang="en-US" dirty="0" err="1"/>
-                        <a:t>élevé</a:t>
-                      </a:r>
-                      <a:r>
-                        <a:rPr lang="en-US" dirty="0"/>
+                        <a:rPr lang="en-US" sz="1800" dirty="0" smtClean="0"/>
+                        <a:t>Donne</a:t>
+                      </a:r>
+                      <a:r>
+                        <a:rPr lang="en-US" sz="1800" baseline="0" dirty="0" smtClean="0"/>
+                        <a:t> un score </a:t>
+                      </a:r>
+                      <a:r>
+                        <a:rPr lang="en-US" sz="1800" baseline="0" dirty="0" err="1" smtClean="0"/>
+                        <a:t>en</a:t>
+                      </a:r>
+                      <a:r>
+                        <a:rPr lang="en-US" sz="1800" baseline="0" dirty="0" smtClean="0"/>
                         <a:t> </a:t>
                       </a:r>
                       <a:r>
-                        <a:rPr lang="en-US" dirty="0" err="1"/>
-                        <a:t>qu’il</a:t>
-                      </a:r>
-                      <a:r>
-                        <a:rPr lang="en-US" dirty="0"/>
-                        <a:t> y a de </a:t>
-                      </a:r>
-                      <a:r>
-                        <a:rPr lang="en-US" dirty="0" err="1"/>
-                        <a:t>pions</a:t>
-                      </a:r>
-                      <a:r>
-                        <a:rPr lang="en-US" dirty="0"/>
+                        <a:rPr lang="en-US" sz="1800" baseline="0" dirty="0" err="1" smtClean="0"/>
+                        <a:t>fonction</a:t>
+                      </a:r>
+                      <a:r>
+                        <a:rPr lang="en-US" sz="1800" baseline="0" dirty="0" smtClean="0"/>
+                        <a:t> du </a:t>
+                      </a:r>
+                      <a:r>
+                        <a:rPr lang="en-US" sz="1800" baseline="0" dirty="0" err="1" smtClean="0"/>
+                        <a:t>nombre</a:t>
+                      </a:r>
+                      <a:r>
+                        <a:rPr lang="en-US" sz="1800" baseline="0" dirty="0" smtClean="0"/>
+                        <a:t> de </a:t>
+                      </a:r>
+                      <a:r>
+                        <a:rPr lang="en-US" sz="1800" baseline="0" dirty="0" err="1" smtClean="0"/>
+                        <a:t>jetons</a:t>
+                      </a:r>
+                      <a:r>
+                        <a:rPr lang="en-US" sz="1800" baseline="0" dirty="0" smtClean="0"/>
+                        <a:t> du </a:t>
+                      </a:r>
+                      <a:r>
+                        <a:rPr lang="en-US" sz="1800" baseline="0" dirty="0" err="1" smtClean="0"/>
+                        <a:t>joueur</a:t>
+                      </a:r>
+                      <a:r>
+                        <a:rPr lang="en-US" sz="1800" baseline="0" dirty="0" smtClean="0"/>
                         <a:t> </a:t>
                       </a:r>
                       <a:r>
-                        <a:rPr lang="en-US" dirty="0" err="1"/>
-                        <a:t>voisins</a:t>
-                      </a:r>
-                      <a:endParaRPr lang="en-US" dirty="0"/>
+                        <a:rPr lang="en-US" sz="1800" baseline="0" dirty="0" err="1" smtClean="0"/>
+                        <a:t>où</a:t>
+                      </a:r>
+                      <a:r>
+                        <a:rPr lang="en-US" sz="1800" baseline="0" dirty="0" smtClean="0"/>
+                        <a:t> poser un </a:t>
+                      </a:r>
+                      <a:r>
+                        <a:rPr lang="en-US" sz="1800" baseline="0" dirty="0" err="1" smtClean="0"/>
+                        <a:t>autre</a:t>
+                      </a:r>
+                      <a:r>
+                        <a:rPr lang="en-US" sz="1800" baseline="0" dirty="0" smtClean="0"/>
+                        <a:t> </a:t>
+                      </a:r>
+                      <a:r>
+                        <a:rPr lang="en-US" sz="1800" baseline="0" dirty="0" err="1" smtClean="0"/>
+                        <a:t>jeton</a:t>
+                      </a:r>
+                      <a:r>
+                        <a:rPr lang="en-US" sz="1800" baseline="0" dirty="0" smtClean="0"/>
+                        <a:t> au-</a:t>
+                      </a:r>
+                      <a:r>
+                        <a:rPr lang="en-US" sz="1800" baseline="0" dirty="0" err="1" smtClean="0"/>
+                        <a:t>dessus</a:t>
+                      </a:r>
+                      <a:r>
+                        <a:rPr lang="en-US" sz="1800" baseline="0" dirty="0" smtClean="0"/>
+                        <a:t> à gauche </a:t>
+                      </a:r>
+                      <a:r>
+                        <a:rPr lang="en-US" sz="1800" baseline="0" dirty="0" err="1" smtClean="0"/>
+                        <a:t>ou</a:t>
+                      </a:r>
+                      <a:r>
+                        <a:rPr lang="en-US" sz="1800" baseline="0" dirty="0" smtClean="0"/>
+                        <a:t> à </a:t>
+                      </a:r>
+                      <a:r>
+                        <a:rPr lang="en-US" sz="1800" baseline="0" dirty="0" err="1" smtClean="0"/>
+                        <a:t>droite</a:t>
+                      </a:r>
+                      <a:r>
+                        <a:rPr lang="en-US" sz="1800" baseline="0" dirty="0" smtClean="0"/>
+                        <a:t> </a:t>
+                      </a:r>
+                      <a:r>
+                        <a:rPr lang="en-US" sz="1800" baseline="0" dirty="0" err="1" smtClean="0"/>
+                        <a:t>permet</a:t>
+                      </a:r>
+                      <a:r>
+                        <a:rPr lang="en-US" sz="1800" baseline="0" dirty="0" smtClean="0"/>
+                        <a:t> de </a:t>
+                      </a:r>
+                      <a:r>
+                        <a:rPr lang="en-US" sz="1800" baseline="0" dirty="0" err="1" smtClean="0"/>
+                        <a:t>gagner</a:t>
+                      </a:r>
+                      <a:r>
+                        <a:rPr lang="en-US" sz="1800" baseline="0" dirty="0" smtClean="0"/>
+                        <a:t> </a:t>
+                      </a:r>
+                      <a:r>
+                        <a:rPr lang="en-US" sz="1800" baseline="0" dirty="0" err="1" smtClean="0"/>
+                        <a:t>directement</a:t>
+                      </a:r>
+                      <a:r>
+                        <a:rPr lang="en-US" sz="1800" baseline="0" dirty="0" smtClean="0"/>
+                        <a:t>.</a:t>
+                      </a:r>
+                      <a:endParaRPr lang="en-US" sz="1800" dirty="0"/>
                     </a:p>
                   </a:txBody>
-                  <a:tcPr/>
+                  <a:tcPr marL="100473" marR="100473" marT="50236" marB="50236"/>
                 </a:tc>
                 <a:tc>
                   <a:txBody>
@@ -5846,61 +5923,243 @@
                     <a:p>
                       <a:pPr algn="ctr"/>
                       <a:r>
-                        <a:rPr lang="en-US" dirty="0"/>
-                        <a:t>Donne un score au coup courant </a:t>
-                      </a:r>
-                      <a:r>
-                        <a:rPr lang="en-US" dirty="0" err="1"/>
-                        <a:t>d’autant</a:t>
-                      </a:r>
-                      <a:r>
-                        <a:rPr lang="en-US" dirty="0"/>
-                        <a:t> plus </a:t>
-                      </a:r>
-                      <a:r>
-                        <a:rPr lang="en-US" dirty="0" err="1"/>
-                        <a:t>élevé</a:t>
-                      </a:r>
-                      <a:r>
-                        <a:rPr lang="en-US" dirty="0"/>
-                        <a:t> que le pion </a:t>
-                      </a:r>
-                      <a:r>
-                        <a:rPr lang="en-US" dirty="0" err="1"/>
-                        <a:t>est</a:t>
-                      </a:r>
-                      <a:r>
-                        <a:rPr lang="en-US" dirty="0"/>
+                        <a:rPr lang="en-US" sz="1800" dirty="0"/>
+                        <a:t>Donne un score </a:t>
+                      </a:r>
+                      <a:r>
+                        <a:rPr lang="en-US" sz="1800" dirty="0" err="1" smtClean="0"/>
+                        <a:t>en</a:t>
+                      </a:r>
+                      <a:r>
+                        <a:rPr lang="en-US" sz="1800" dirty="0" smtClean="0"/>
                         <a:t> </a:t>
                       </a:r>
                       <a:r>
-                        <a:rPr lang="en-US" dirty="0" err="1"/>
-                        <a:t>entouré</a:t>
-                      </a:r>
-                      <a:r>
-                        <a:rPr lang="en-US" dirty="0"/>
+                        <a:rPr lang="en-US" sz="1800" dirty="0" err="1" smtClean="0"/>
+                        <a:t>fonction</a:t>
+                      </a:r>
+                      <a:r>
+                        <a:rPr lang="en-US" sz="1800" baseline="0" dirty="0" smtClean="0"/>
+                        <a:t> du </a:t>
+                      </a:r>
+                      <a:r>
+                        <a:rPr lang="en-US" sz="1800" baseline="0" dirty="0" err="1" smtClean="0"/>
+                        <a:t>nombre</a:t>
+                      </a:r>
+                      <a:r>
+                        <a:rPr lang="en-US" sz="1800" baseline="0" dirty="0" smtClean="0"/>
                         <a:t> de </a:t>
                       </a:r>
                       <a:r>
-                        <a:rPr lang="en-US" dirty="0" err="1"/>
-                        <a:t>pions</a:t>
-                      </a:r>
-                      <a:r>
-                        <a:rPr lang="en-US" dirty="0"/>
+                        <a:rPr lang="en-US" sz="1800" baseline="0" dirty="0" err="1" smtClean="0"/>
+                        <a:t>jetons</a:t>
+                      </a:r>
+                      <a:r>
+                        <a:rPr lang="en-US" sz="1800" baseline="0" dirty="0" smtClean="0"/>
+                        <a:t> du </a:t>
+                      </a:r>
+                      <a:r>
+                        <a:rPr lang="en-US" sz="1800" baseline="0" dirty="0" err="1" smtClean="0"/>
+                        <a:t>joueur</a:t>
+                      </a:r>
+                      <a:r>
+                        <a:rPr lang="en-US" sz="1800" baseline="0" dirty="0" smtClean="0"/>
                         <a:t> </a:t>
                       </a:r>
                       <a:r>
-                        <a:rPr lang="en-US" dirty="0" err="1"/>
-                        <a:t>amis</a:t>
-                      </a:r>
-                      <a:endParaRPr lang="en-US" dirty="0"/>
+                        <a:rPr lang="en-US" sz="1800" baseline="0" dirty="0" err="1" smtClean="0"/>
+                        <a:t>dans</a:t>
+                      </a:r>
+                      <a:r>
+                        <a:rPr lang="en-US" sz="1800" baseline="0" dirty="0" smtClean="0"/>
+                        <a:t> </a:t>
+                      </a:r>
+                      <a:r>
+                        <a:rPr lang="en-US" sz="1800" baseline="0" dirty="0" err="1" smtClean="0"/>
+                        <a:t>dans</a:t>
+                      </a:r>
+                      <a:r>
+                        <a:rPr lang="en-US" sz="1800" baseline="0" dirty="0" smtClean="0"/>
+                        <a:t> des </a:t>
+                      </a:r>
+                      <a:r>
+                        <a:rPr lang="en-US" sz="1800" baseline="0" dirty="0" err="1" smtClean="0"/>
+                        <a:t>secteurs</a:t>
+                      </a:r>
+                      <a:r>
+                        <a:rPr lang="en-US" sz="1800" baseline="0" dirty="0" smtClean="0"/>
+                        <a:t> de la grille. (</a:t>
+                      </a:r>
+                      <a:r>
+                        <a:rPr lang="en-US" sz="1800" baseline="0" dirty="0" err="1" smtClean="0"/>
+                        <a:t>découpée</a:t>
+                      </a:r>
+                      <a:r>
+                        <a:rPr lang="en-US" sz="1800" baseline="0" dirty="0" smtClean="0"/>
+                        <a:t> </a:t>
+                      </a:r>
+                      <a:r>
+                        <a:rPr lang="en-US" sz="1800" baseline="0" dirty="0" err="1" smtClean="0"/>
+                        <a:t>en</a:t>
+                      </a:r>
+                      <a:r>
+                        <a:rPr lang="en-US" sz="1800" baseline="0" dirty="0" smtClean="0"/>
+                        <a:t> 6 </a:t>
+                      </a:r>
+                      <a:r>
+                        <a:rPr lang="en-US" sz="1800" baseline="0" dirty="0" err="1" smtClean="0"/>
+                        <a:t>secteurs</a:t>
+                      </a:r>
+                      <a:r>
+                        <a:rPr lang="en-US" sz="1800" baseline="0" dirty="0" smtClean="0"/>
+                        <a:t>)</a:t>
+                      </a:r>
+                      <a:endParaRPr lang="en-US" sz="1800" dirty="0"/>
                     </a:p>
                   </a:txBody>
-                  <a:tcPr/>
+                  <a:tcPr marL="100473" marR="100473" marT="50236" marB="50236"/>
+                </a:tc>
+                <a:tc>
+                  <a:txBody>
+                    <a:bodyPr/>
+                    <a:lstStyle/>
+                    <a:p>
+                      <a:pPr algn="ctr"/>
+                      <a:r>
+                        <a:rPr lang="en-US" sz="1800" dirty="0"/>
+                        <a:t>Donne un score au coup courant </a:t>
+                      </a:r>
+                      <a:r>
+                        <a:rPr lang="en-US" sz="1800" dirty="0" err="1"/>
+                        <a:t>d’autant</a:t>
+                      </a:r>
+                      <a:r>
+                        <a:rPr lang="en-US" sz="1800" dirty="0"/>
+                        <a:t> plus </a:t>
+                      </a:r>
+                      <a:r>
+                        <a:rPr lang="en-US" sz="1800" dirty="0" err="1"/>
+                        <a:t>élevé</a:t>
+                      </a:r>
+                      <a:r>
+                        <a:rPr lang="en-US" sz="1800" dirty="0"/>
+                        <a:t> que le </a:t>
+                      </a:r>
+                      <a:r>
+                        <a:rPr lang="en-US" sz="1800" dirty="0" err="1" smtClean="0"/>
+                        <a:t>jeto</a:t>
+                      </a:r>
+                      <a:r>
+                        <a:rPr lang="en-US" sz="1800" baseline="0" dirty="0" err="1" smtClean="0"/>
+                        <a:t>n</a:t>
+                      </a:r>
+                      <a:r>
+                        <a:rPr lang="en-US" sz="1800" baseline="0" dirty="0" smtClean="0"/>
+                        <a:t> </a:t>
+                      </a:r>
+                      <a:r>
+                        <a:rPr lang="en-US" sz="1800" dirty="0" err="1" smtClean="0"/>
+                        <a:t>est</a:t>
+                      </a:r>
+                      <a:r>
+                        <a:rPr lang="en-US" sz="1800" dirty="0" smtClean="0"/>
+                        <a:t> </a:t>
+                      </a:r>
+                      <a:r>
+                        <a:rPr lang="en-US" sz="1800" dirty="0" err="1"/>
+                        <a:t>entouré</a:t>
+                      </a:r>
+                      <a:r>
+                        <a:rPr lang="en-US" sz="1800" dirty="0"/>
+                        <a:t> de </a:t>
+                      </a:r>
+                      <a:r>
+                        <a:rPr lang="en-US" sz="1800" dirty="0" err="1" smtClean="0"/>
+                        <a:t>jetons</a:t>
+                      </a:r>
+                      <a:r>
+                        <a:rPr lang="en-US" sz="1800" dirty="0" smtClean="0"/>
+                        <a:t> </a:t>
+                      </a:r>
+                      <a:r>
+                        <a:rPr lang="en-US" sz="1800" dirty="0" err="1" smtClean="0"/>
+                        <a:t>amis</a:t>
+                      </a:r>
+                      <a:r>
+                        <a:rPr lang="en-US" sz="1800" dirty="0" smtClean="0"/>
+                        <a:t>.</a:t>
+                      </a:r>
+                      <a:endParaRPr lang="en-US" sz="1800" dirty="0"/>
+                    </a:p>
+                  </a:txBody>
+                  <a:tcPr marL="100473" marR="100473" marT="50236" marB="50236"/>
+                </a:tc>
+                <a:tc>
+                  <a:txBody>
+                    <a:bodyPr/>
+                    <a:lstStyle/>
+                    <a:p>
+                      <a:pPr algn="ctr"/>
+                      <a:r>
+                        <a:rPr lang="en-US" sz="1800" dirty="0" smtClean="0"/>
+                        <a:t>Donne un score “</a:t>
+                      </a:r>
+                      <a:r>
+                        <a:rPr lang="en-US" sz="1800" dirty="0" err="1" smtClean="0"/>
+                        <a:t>infini</a:t>
+                      </a:r>
+                      <a:r>
+                        <a:rPr lang="en-US" sz="1800" dirty="0" smtClean="0"/>
+                        <a:t>” </a:t>
+                      </a:r>
+                      <a:r>
+                        <a:rPr lang="en-US" sz="1800" dirty="0" err="1" smtClean="0"/>
+                        <a:t>lorsque</a:t>
+                      </a:r>
+                      <a:r>
+                        <a:rPr lang="en-US" sz="1800" baseline="0" dirty="0" smtClean="0"/>
+                        <a:t> la grille </a:t>
+                      </a:r>
+                      <a:r>
+                        <a:rPr lang="en-US" sz="1800" baseline="0" dirty="0" err="1" smtClean="0"/>
+                        <a:t>est</a:t>
+                      </a:r>
+                      <a:r>
+                        <a:rPr lang="en-US" sz="1800" baseline="0" dirty="0" smtClean="0"/>
+                        <a:t> </a:t>
+                      </a:r>
+                      <a:r>
+                        <a:rPr lang="en-US" sz="1800" baseline="0" dirty="0" err="1" smtClean="0"/>
+                        <a:t>gagnante</a:t>
+                      </a:r>
+                      <a:r>
+                        <a:rPr lang="en-US" sz="1800" baseline="0" dirty="0" smtClean="0"/>
+                        <a:t> </a:t>
+                      </a:r>
+                      <a:r>
+                        <a:rPr lang="en-US" sz="1800" baseline="0" dirty="0" err="1" smtClean="0"/>
+                        <a:t>directement</a:t>
+                      </a:r>
+                      <a:r>
+                        <a:rPr lang="en-US" sz="1800" baseline="0" dirty="0" smtClean="0"/>
+                        <a:t> </a:t>
+                      </a:r>
+                      <a:r>
+                        <a:rPr lang="en-US" sz="1800" baseline="0" dirty="0" err="1" smtClean="0"/>
+                        <a:t>ou</a:t>
+                      </a:r>
+                      <a:r>
+                        <a:rPr lang="en-US" sz="1800" baseline="0" dirty="0" smtClean="0"/>
+                        <a:t> au prochain coup.</a:t>
+                      </a:r>
+                      <a:endParaRPr lang="en-US" sz="1800" dirty="0"/>
+                    </a:p>
+                  </a:txBody>
+                  <a:tcPr marL="100473" marR="100473" marT="50236" marB="50236"/>
                 </a:tc>
                 <a:extLst>
                   <a:ext uri="{0D108BD9-81ED-4DB2-BD59-A6C34878D82A}">
-                    <a16:rowId xmlns:a16="http://schemas.microsoft.com/office/drawing/2014/main" val="681814537"/>
+                    <a16:rowId xmlns:a16="http://schemas.microsoft.com/office/drawing/2014/main" xmlns="" val="681814537"/>
                   </a:ext>
                 </a:extLst>
               </a:tr>
@@ -5943,7 +6202,7 @@
           <p:cNvPr id="4" name="Table 4">
             <a:extLst>
               <a:ext uri="{FF2B5EF4-FFF2-40B4-BE49-F238E27FC236}">
-                <a16:creationId xmlns:a16="http://schemas.microsoft.com/office/drawing/2014/main" id="{36E725D5-33F9-8665-2BC9-27C6B687C240}"/>
+                <a16:creationId xmlns:a16="http://schemas.microsoft.com/office/drawing/2014/main" xmlns="" id="{36E725D5-33F9-8665-2BC9-27C6B687C240}"/>
               </a:ext>
             </a:extLst>
           </p:cNvPr>
@@ -5953,7 +6212,7 @@
           <p:nvPr>
             <p:extLst>
               <p:ext uri="{D42A27DB-BD31-4B8C-83A1-F6EECF244321}">
-                <p14:modId xmlns:p14="http://schemas.microsoft.com/office/powerpoint/2010/main" val="21728106"/>
+                <p14:modId xmlns:p14="http://schemas.microsoft.com/office/powerpoint/2010/main" val="276719511"/>
               </p:ext>
             </p:extLst>
           </p:nvPr>
@@ -5972,14 +6231,14 @@
                 <a:gridCol w="4478058">
                   <a:extLst>
                     <a:ext uri="{9D8B030D-6E8A-4147-A177-3AD203B41FA5}">
-                      <a16:colId xmlns:a16="http://schemas.microsoft.com/office/drawing/2014/main" val="3701756039"/>
+                      <a16:colId xmlns:a16="http://schemas.microsoft.com/office/drawing/2014/main" xmlns="" val="3701756039"/>
                     </a:ext>
                   </a:extLst>
                 </a:gridCol>
                 <a:gridCol w="4478058">
                   <a:extLst>
                     <a:ext uri="{9D8B030D-6E8A-4147-A177-3AD203B41FA5}">
-                      <a16:colId xmlns:a16="http://schemas.microsoft.com/office/drawing/2014/main" val="1147236668"/>
+                      <a16:colId xmlns:a16="http://schemas.microsoft.com/office/drawing/2014/main" xmlns="" val="1147236668"/>
                     </a:ext>
                   </a:extLst>
                 </a:gridCol>
@@ -6001,7 +6260,7 @@
                       </a:r>
                     </a:p>
                   </a:txBody>
-                  <a:tcPr/>
+                  <a:tcPr anchor="ctr"/>
                 </a:tc>
                 <a:tc>
                   <a:txBody>
@@ -6035,11 +6294,11 @@
                       </a:r>
                     </a:p>
                   </a:txBody>
-                  <a:tcPr/>
+                  <a:tcPr anchor="ctr"/>
                 </a:tc>
                 <a:extLst>
                   <a:ext uri="{0D108BD9-81ED-4DB2-BD59-A6C34878D82A}">
-                    <a16:rowId xmlns:a16="http://schemas.microsoft.com/office/drawing/2014/main" val="3059242724"/>
+                    <a16:rowId xmlns:a16="http://schemas.microsoft.com/office/drawing/2014/main" xmlns="" val="3059242724"/>
                   </a:ext>
                 </a:extLst>
               </a:tr>
@@ -6050,6 +6309,158 @@
                     <a:lstStyle/>
                     <a:p>
                       <a:pPr algn="ctr"/>
+                      <a:r>
+                        <a:rPr lang="en-US" dirty="0" err="1" smtClean="0"/>
+                        <a:t>Évalue</a:t>
+                      </a:r>
+                      <a:r>
+                        <a:rPr lang="en-US" dirty="0" smtClean="0"/>
+                        <a:t> </a:t>
+                      </a:r>
+                      <a:r>
+                        <a:rPr lang="en-US" dirty="0" err="1" smtClean="0"/>
+                        <a:t>chaque</a:t>
+                      </a:r>
+                      <a:r>
+                        <a:rPr lang="en-US" dirty="0" smtClean="0"/>
+                        <a:t> </a:t>
+                      </a:r>
+                      <a:r>
+                        <a:rPr lang="en-US" dirty="0" err="1" smtClean="0"/>
+                        <a:t>jeton</a:t>
+                      </a:r>
+                      <a:r>
+                        <a:rPr lang="en-US" dirty="0" smtClean="0"/>
+                        <a:t> du </a:t>
+                      </a:r>
+                      <a:r>
+                        <a:rPr lang="en-US" dirty="0" err="1" smtClean="0"/>
+                        <a:t>joueur</a:t>
+                      </a:r>
+                      <a:r>
+                        <a:rPr lang="en-US" dirty="0" smtClean="0"/>
+                        <a:t> </a:t>
+                      </a:r>
+                      <a:r>
+                        <a:rPr lang="en-US" dirty="0" err="1" smtClean="0"/>
+                        <a:t>en</a:t>
+                      </a:r>
+                      <a:r>
+                        <a:rPr lang="en-US" dirty="0" smtClean="0"/>
+                        <a:t> </a:t>
+                      </a:r>
+                      <a:r>
+                        <a:rPr lang="en-US" dirty="0" err="1" smtClean="0"/>
+                        <a:t>fonction</a:t>
+                      </a:r>
+                      <a:r>
+                        <a:rPr lang="en-US" dirty="0" smtClean="0"/>
+                        <a:t> de son </a:t>
+                      </a:r>
+                      <a:r>
+                        <a:rPr lang="en-US" dirty="0" err="1" smtClean="0"/>
+                        <a:t>potentiel</a:t>
+                      </a:r>
+                      <a:r>
+                        <a:rPr lang="en-US" baseline="0" dirty="0" smtClean="0"/>
+                        <a:t> à </a:t>
+                      </a:r>
+                      <a:r>
+                        <a:rPr lang="en-US" baseline="0" dirty="0" err="1" smtClean="0"/>
+                        <a:t>contribuer</a:t>
+                      </a:r>
+                      <a:r>
+                        <a:rPr lang="en-US" baseline="0" dirty="0" smtClean="0"/>
+                        <a:t> à un </a:t>
+                      </a:r>
+                      <a:r>
+                        <a:rPr lang="en-US" baseline="0" dirty="0" err="1" smtClean="0"/>
+                        <a:t>alignement</a:t>
+                      </a:r>
+                      <a:r>
+                        <a:rPr lang="en-US" baseline="0" dirty="0" smtClean="0"/>
+                        <a:t> de 4 </a:t>
+                      </a:r>
+                      <a:r>
+                        <a:rPr lang="en-US" baseline="0" dirty="0" err="1" smtClean="0"/>
+                        <a:t>jetons</a:t>
+                      </a:r>
+                      <a:r>
+                        <a:rPr lang="en-US" baseline="0" dirty="0" smtClean="0"/>
+                        <a:t> </a:t>
+                      </a:r>
+                      <a:r>
+                        <a:rPr lang="en-US" baseline="0" dirty="0" err="1" smtClean="0"/>
+                        <a:t>amis</a:t>
+                      </a:r>
+                      <a:r>
+                        <a:rPr lang="en-US" baseline="0" dirty="0" smtClean="0"/>
+                        <a:t>. Le score </a:t>
+                      </a:r>
+                      <a:r>
+                        <a:rPr lang="en-US" baseline="0" dirty="0" err="1" smtClean="0"/>
+                        <a:t>est</a:t>
+                      </a:r>
+                      <a:r>
+                        <a:rPr lang="en-US" baseline="0" dirty="0" smtClean="0"/>
+                        <a:t> </a:t>
+                      </a:r>
+                      <a:r>
+                        <a:rPr lang="en-US" baseline="0" dirty="0" err="1" smtClean="0"/>
+                        <a:t>nul</a:t>
+                      </a:r>
+                      <a:r>
+                        <a:rPr lang="en-US" baseline="0" dirty="0" smtClean="0"/>
+                        <a:t> </a:t>
+                      </a:r>
+                      <a:r>
+                        <a:rPr lang="en-US" baseline="0" dirty="0" err="1" smtClean="0"/>
+                        <a:t>lorsqu’il</a:t>
+                      </a:r>
+                      <a:r>
+                        <a:rPr lang="en-US" baseline="0" dirty="0" smtClean="0"/>
+                        <a:t> </a:t>
+                      </a:r>
+                      <a:r>
+                        <a:rPr lang="en-US" baseline="0" dirty="0" err="1" smtClean="0"/>
+                        <a:t>n’y</a:t>
+                      </a:r>
+                      <a:r>
+                        <a:rPr lang="en-US" baseline="0" dirty="0" smtClean="0"/>
+                        <a:t> a plus la place de former un </a:t>
+                      </a:r>
+                      <a:r>
+                        <a:rPr lang="en-US" baseline="0" dirty="0" err="1" smtClean="0"/>
+                        <a:t>tel</a:t>
+                      </a:r>
+                      <a:r>
+                        <a:rPr lang="en-US" baseline="0" dirty="0" smtClean="0"/>
+                        <a:t> </a:t>
+                      </a:r>
+                      <a:r>
+                        <a:rPr lang="en-US" baseline="0" dirty="0" err="1" smtClean="0"/>
+                        <a:t>alignement</a:t>
+                      </a:r>
+                      <a:r>
+                        <a:rPr lang="en-US" baseline="0" dirty="0" smtClean="0"/>
+                        <a:t> </a:t>
+                      </a:r>
+                      <a:r>
+                        <a:rPr lang="en-US" baseline="0" dirty="0" err="1" smtClean="0"/>
+                        <a:t>autour</a:t>
+                      </a:r>
+                      <a:r>
+                        <a:rPr lang="en-US" baseline="0" dirty="0" smtClean="0"/>
+                        <a:t> du </a:t>
+                      </a:r>
+                      <a:r>
+                        <a:rPr lang="en-US" baseline="0" dirty="0" err="1" smtClean="0"/>
+                        <a:t>jeton</a:t>
+                      </a:r>
+                      <a:r>
+                        <a:rPr lang="en-US" baseline="0" dirty="0" smtClean="0"/>
+                        <a:t>.</a:t>
+                      </a:r>
                       <a:endParaRPr lang="en-US" dirty="0"/>
                     </a:p>
                   </a:txBody>
@@ -6077,6 +6488,150 @@
                         <a:tabLst/>
                         <a:defRPr/>
                       </a:pPr>
+                      <a:r>
+                        <a:rPr lang="en-US" dirty="0" err="1" smtClean="0"/>
+                        <a:t>Évalue</a:t>
+                      </a:r>
+                      <a:r>
+                        <a:rPr lang="en-US" baseline="0" dirty="0" smtClean="0"/>
+                        <a:t> </a:t>
+                      </a:r>
+                      <a:r>
+                        <a:rPr lang="en-US" baseline="0" dirty="0" err="1" smtClean="0"/>
+                        <a:t>chaque</a:t>
+                      </a:r>
+                      <a:r>
+                        <a:rPr lang="en-US" baseline="0" dirty="0" smtClean="0"/>
+                        <a:t> </a:t>
+                      </a:r>
+                      <a:r>
+                        <a:rPr lang="en-US" baseline="0" dirty="0" err="1" smtClean="0"/>
+                        <a:t>alignement</a:t>
+                      </a:r>
+                      <a:r>
+                        <a:rPr lang="en-US" baseline="0" dirty="0" smtClean="0"/>
+                        <a:t> de 4 cases de la grille </a:t>
+                      </a:r>
+                      <a:r>
+                        <a:rPr lang="en-US" baseline="0" dirty="0" err="1" smtClean="0"/>
+                        <a:t>en</a:t>
+                      </a:r>
+                      <a:r>
+                        <a:rPr lang="en-US" baseline="0" dirty="0" smtClean="0"/>
+                        <a:t> </a:t>
+                      </a:r>
+                      <a:r>
+                        <a:rPr lang="en-US" baseline="0" dirty="0" err="1" smtClean="0"/>
+                        <a:t>fonction</a:t>
+                      </a:r>
+                      <a:r>
+                        <a:rPr lang="en-US" baseline="0" dirty="0" smtClean="0"/>
+                        <a:t> du </a:t>
+                      </a:r>
+                      <a:r>
+                        <a:rPr lang="en-US" baseline="0" dirty="0" err="1" smtClean="0"/>
+                        <a:t>nombre</a:t>
+                      </a:r>
+                      <a:r>
+                        <a:rPr lang="en-US" baseline="0" dirty="0" smtClean="0"/>
+                        <a:t> de </a:t>
+                      </a:r>
+                      <a:r>
+                        <a:rPr lang="en-US" baseline="0" dirty="0" err="1" smtClean="0"/>
+                        <a:t>jetons</a:t>
+                      </a:r>
+                      <a:r>
+                        <a:rPr lang="en-US" baseline="0" dirty="0" smtClean="0"/>
+                        <a:t> du </a:t>
+                      </a:r>
+                      <a:r>
+                        <a:rPr lang="en-US" baseline="0" dirty="0" err="1" smtClean="0"/>
+                        <a:t>joueur</a:t>
+                      </a:r>
+                      <a:r>
+                        <a:rPr lang="en-US" baseline="0" dirty="0" smtClean="0"/>
+                        <a:t> courant </a:t>
+                      </a:r>
+                      <a:r>
+                        <a:rPr lang="en-US" baseline="0" dirty="0" err="1" smtClean="0"/>
+                        <a:t>dans</a:t>
+                      </a:r>
+                      <a:r>
+                        <a:rPr lang="en-US" baseline="0" dirty="0" smtClean="0"/>
+                        <a:t> </a:t>
+                      </a:r>
+                      <a:r>
+                        <a:rPr lang="en-US" baseline="0" dirty="0" err="1" smtClean="0"/>
+                        <a:t>cet</a:t>
+                      </a:r>
+                      <a:r>
+                        <a:rPr lang="en-US" baseline="0" dirty="0" smtClean="0"/>
+                        <a:t> </a:t>
+                      </a:r>
+                      <a:r>
+                        <a:rPr lang="en-US" baseline="0" dirty="0" err="1" smtClean="0"/>
+                        <a:t>alignement</a:t>
+                      </a:r>
+                      <a:r>
+                        <a:rPr lang="en-US" baseline="0" dirty="0" smtClean="0"/>
+                        <a:t>. Si un </a:t>
+                      </a:r>
+                      <a:r>
+                        <a:rPr lang="en-US" baseline="0" dirty="0" err="1" smtClean="0"/>
+                        <a:t>joueur</a:t>
+                      </a:r>
+                      <a:r>
+                        <a:rPr lang="en-US" baseline="0" dirty="0" smtClean="0"/>
+                        <a:t> adverse y </a:t>
+                      </a:r>
+                      <a:r>
+                        <a:rPr lang="en-US" baseline="0" dirty="0" err="1" smtClean="0"/>
+                        <a:t>est</a:t>
+                      </a:r>
+                      <a:r>
+                        <a:rPr lang="en-US" baseline="0" dirty="0" smtClean="0"/>
+                        <a:t> </a:t>
+                      </a:r>
+                      <a:r>
+                        <a:rPr lang="en-US" baseline="0" dirty="0" err="1" smtClean="0"/>
+                        <a:t>présent</a:t>
+                      </a:r>
+                      <a:r>
+                        <a:rPr lang="en-US" baseline="0" dirty="0" smtClean="0"/>
+                        <a:t>, le score pour </a:t>
+                      </a:r>
+                      <a:r>
+                        <a:rPr lang="en-US" baseline="0" dirty="0" err="1" smtClean="0"/>
+                        <a:t>cet</a:t>
+                      </a:r>
+                      <a:r>
+                        <a:rPr lang="en-US" baseline="0" dirty="0" smtClean="0"/>
+                        <a:t> </a:t>
+                      </a:r>
+                      <a:r>
+                        <a:rPr lang="en-US" baseline="0" dirty="0" err="1" smtClean="0"/>
+                        <a:t>alignement</a:t>
+                      </a:r>
+                      <a:r>
+                        <a:rPr lang="en-US" baseline="0" dirty="0" smtClean="0"/>
+                        <a:t> </a:t>
+                      </a:r>
+                      <a:r>
+                        <a:rPr lang="en-US" baseline="0" dirty="0" err="1" smtClean="0"/>
+                        <a:t>est</a:t>
+                      </a:r>
+                      <a:r>
+                        <a:rPr lang="en-US" baseline="0" dirty="0" smtClean="0"/>
+                        <a:t> </a:t>
+                      </a:r>
+                      <a:r>
+                        <a:rPr lang="en-US" baseline="0" dirty="0" err="1" smtClean="0"/>
+                        <a:t>nul</a:t>
+                      </a:r>
+                      <a:r>
+                        <a:rPr lang="en-US" baseline="0" dirty="0" smtClean="0"/>
+                        <a:t>.</a:t>
+                      </a:r>
                       <a:endParaRPr lang="en-US" dirty="0"/>
                     </a:p>
                   </a:txBody>
@@ -6084,7 +6639,7 @@
                 </a:tc>
                 <a:extLst>
                   <a:ext uri="{0D108BD9-81ED-4DB2-BD59-A6C34878D82A}">
-                    <a16:rowId xmlns:a16="http://schemas.microsoft.com/office/drawing/2014/main" val="996401370"/>
+                    <a16:rowId xmlns:a16="http://schemas.microsoft.com/office/drawing/2014/main" xmlns="" val="996401370"/>
                   </a:ext>
                 </a:extLst>
               </a:tr>
@@ -6127,7 +6682,7 @@
           <p:cNvPr id="2" name="Title 1">
             <a:extLst>
               <a:ext uri="{FF2B5EF4-FFF2-40B4-BE49-F238E27FC236}">
-                <a16:creationId xmlns:a16="http://schemas.microsoft.com/office/drawing/2014/main" id="{0DED4BE4-AB2C-7C8D-B477-214EEFC99A3F}"/>
+                <a16:creationId xmlns:a16="http://schemas.microsoft.com/office/drawing/2014/main" xmlns="" id="{0DED4BE4-AB2C-7C8D-B477-214EEFC99A3F}"/>
               </a:ext>
             </a:extLst>
           </p:cNvPr>
@@ -6165,7 +6720,7 @@
           <p:cNvPr id="3" name="Content Placeholder 2">
             <a:extLst>
               <a:ext uri="{FF2B5EF4-FFF2-40B4-BE49-F238E27FC236}">
-                <a16:creationId xmlns:a16="http://schemas.microsoft.com/office/drawing/2014/main" id="{1B1724A6-872E-5673-67B5-14F28E56E77B}"/>
+                <a16:creationId xmlns:a16="http://schemas.microsoft.com/office/drawing/2014/main" xmlns="" id="{1B1724A6-872E-5673-67B5-14F28E56E77B}"/>
               </a:ext>
             </a:extLst>
           </p:cNvPr>
@@ -6487,7 +7042,7 @@
           <p:cNvPr id="2" name="Title 1">
             <a:extLst>
               <a:ext uri="{FF2B5EF4-FFF2-40B4-BE49-F238E27FC236}">
-                <a16:creationId xmlns:a16="http://schemas.microsoft.com/office/drawing/2014/main" id="{CA44F8F3-EA41-0106-F2B7-A1D134E818B1}"/>
+                <a16:creationId xmlns:a16="http://schemas.microsoft.com/office/drawing/2014/main" xmlns="" id="{CA44F8F3-EA41-0106-F2B7-A1D134E818B1}"/>
               </a:ext>
             </a:extLst>
           </p:cNvPr>
@@ -6512,7 +7067,7 @@
           <p:cNvPr id="3" name="Content Placeholder 2">
             <a:extLst>
               <a:ext uri="{FF2B5EF4-FFF2-40B4-BE49-F238E27FC236}">
-                <a16:creationId xmlns:a16="http://schemas.microsoft.com/office/drawing/2014/main" id="{33F27D34-38BA-86BE-E6CB-9C4DF05F4161}"/>
+                <a16:creationId xmlns:a16="http://schemas.microsoft.com/office/drawing/2014/main" xmlns="" id="{33F27D34-38BA-86BE-E6CB-9C4DF05F4161}"/>
               </a:ext>
             </a:extLst>
           </p:cNvPr>
@@ -6537,7 +7092,7 @@
           <p:cNvPr id="7" name="Group 6">
             <a:extLst>
               <a:ext uri="{FF2B5EF4-FFF2-40B4-BE49-F238E27FC236}">
-                <a16:creationId xmlns:a16="http://schemas.microsoft.com/office/drawing/2014/main" id="{A908B75D-845A-88B9-DAA9-9A134B91256D}"/>
+                <a16:creationId xmlns:a16="http://schemas.microsoft.com/office/drawing/2014/main" xmlns="" id="{A908B75D-845A-88B9-DAA9-9A134B91256D}"/>
               </a:ext>
             </a:extLst>
           </p:cNvPr>
@@ -6559,7 +7114,7 @@
                 <p14:cNvPr id="4" name="Ink 3">
                   <a:extLst>
                     <a:ext uri="{FF2B5EF4-FFF2-40B4-BE49-F238E27FC236}">
-                      <a16:creationId xmlns:a16="http://schemas.microsoft.com/office/drawing/2014/main" id="{5895000E-4E97-3950-164C-3F5C80F2D2AA}"/>
+                      <a16:creationId xmlns:a16="http://schemas.microsoft.com/office/drawing/2014/main" xmlns="" id="{5895000E-4E97-3950-164C-3F5C80F2D2AA}"/>
                     </a:ext>
                   </a:extLst>
                 </p14:cNvPr>
@@ -6610,7 +7165,7 @@
                 <p14:cNvPr id="5" name="Ink 4">
                   <a:extLst>
                     <a:ext uri="{FF2B5EF4-FFF2-40B4-BE49-F238E27FC236}">
-                      <a16:creationId xmlns:a16="http://schemas.microsoft.com/office/drawing/2014/main" id="{542F9F97-8066-5476-3549-BD2B07A89C93}"/>
+                      <a16:creationId xmlns:a16="http://schemas.microsoft.com/office/drawing/2014/main" xmlns="" id="{542F9F97-8066-5476-3549-BD2B07A89C93}"/>
                     </a:ext>
                   </a:extLst>
                 </p14:cNvPr>
@@ -6661,7 +7216,7 @@
                 <p14:cNvPr id="6" name="Ink 5">
                   <a:extLst>
                     <a:ext uri="{FF2B5EF4-FFF2-40B4-BE49-F238E27FC236}">
-                      <a16:creationId xmlns:a16="http://schemas.microsoft.com/office/drawing/2014/main" id="{A15DAD65-1356-03B0-11A8-81CD8C207032}"/>
+                      <a16:creationId xmlns:a16="http://schemas.microsoft.com/office/drawing/2014/main" xmlns="" id="{A15DAD65-1356-03B0-11A8-81CD8C207032}"/>
                     </a:ext>
                   </a:extLst>
                 </p14:cNvPr>
@@ -6713,7 +7268,7 @@
               <p14:cNvPr id="8" name="Ink 7">
                 <a:extLst>
                   <a:ext uri="{FF2B5EF4-FFF2-40B4-BE49-F238E27FC236}">
-                    <a16:creationId xmlns:a16="http://schemas.microsoft.com/office/drawing/2014/main" id="{509885C5-A181-21B7-A1A6-A178280E689C}"/>
+                    <a16:creationId xmlns:a16="http://schemas.microsoft.com/office/drawing/2014/main" xmlns="" id="{509885C5-A181-21B7-A1A6-A178280E689C}"/>
                   </a:ext>
                 </a:extLst>
               </p14:cNvPr>
@@ -6764,7 +7319,7 @@
               <p14:cNvPr id="9" name="Ink 8">
                 <a:extLst>
                   <a:ext uri="{FF2B5EF4-FFF2-40B4-BE49-F238E27FC236}">
-                    <a16:creationId xmlns:a16="http://schemas.microsoft.com/office/drawing/2014/main" id="{5081EEDB-EA93-7063-FDE0-E3D704F34B7C}"/>
+                    <a16:creationId xmlns:a16="http://schemas.microsoft.com/office/drawing/2014/main" xmlns="" id="{5081EEDB-EA93-7063-FDE0-E3D704F34B7C}"/>
                   </a:ext>
                 </a:extLst>
               </p14:cNvPr>
@@ -6808,8 +7363,8 @@
           </p:pic>
         </mc:Fallback>
       </mc:AlternateContent>
-      <mc:AlternateContent xmlns:mc="http://schemas.openxmlformats.org/markup-compatibility/2006" xmlns:p14="http://schemas.microsoft.com/office/powerpoint/2010/main" xmlns:aink="http://schemas.microsoft.com/office/drawing/2016/ink">
-        <mc:Choice Requires="p14 aink">
+      <mc:AlternateContent xmlns:mc="http://schemas.openxmlformats.org/markup-compatibility/2006">
+        <mc:Choice xmlns:p14="http://schemas.microsoft.com/office/powerpoint/2010/main" xmlns:aink="http://schemas.microsoft.com/office/drawing/2016/ink" xmlns="" Requires="p14 aink">
           <p:contentPart p14:bwMode="auto" r:id="rId12">
             <p14:nvContentPartPr>
               <p14:cNvPr id="10" name="Ink 9">
@@ -6828,13 +7383,13 @@
             </p14:xfrm>
           </p:contentPart>
         </mc:Choice>
-        <mc:Fallback xmlns="">
+        <mc:Fallback>
           <p:pic>
             <p:nvPicPr>
               <p:cNvPr id="10" name="Ink 9">
                 <a:extLst>
                   <a:ext uri="{FF2B5EF4-FFF2-40B4-BE49-F238E27FC236}">
-                    <a16:creationId xmlns:a16="http://schemas.microsoft.com/office/drawing/2014/main" id="{5BB1D78D-F719-C2E8-F0BF-4A307E2560DB}"/>
+                    <a16:creationId xmlns:a16="http://schemas.microsoft.com/office/drawing/2014/main" xmlns="" xmlns:aink="http://schemas.microsoft.com/office/drawing/2016/ink" xmlns:p14="http://schemas.microsoft.com/office/powerpoint/2010/main" id="{5BB1D78D-F719-C2E8-F0BF-4A307E2560DB}"/>
                   </a:ext>
                 </a:extLst>
               </p:cNvPr>
@@ -6859,8 +7414,8 @@
           </p:pic>
         </mc:Fallback>
       </mc:AlternateContent>
-      <mc:AlternateContent xmlns:mc="http://schemas.openxmlformats.org/markup-compatibility/2006" xmlns:p14="http://schemas.microsoft.com/office/powerpoint/2010/main" xmlns:aink="http://schemas.microsoft.com/office/drawing/2016/ink">
-        <mc:Choice Requires="p14 aink">
+      <mc:AlternateContent xmlns:mc="http://schemas.openxmlformats.org/markup-compatibility/2006">
+        <mc:Choice xmlns:p14="http://schemas.microsoft.com/office/powerpoint/2010/main" xmlns:aink="http://schemas.microsoft.com/office/drawing/2016/ink" xmlns="" Requires="p14 aink">
           <p:contentPart p14:bwMode="auto" r:id="rId14">
             <p14:nvContentPartPr>
               <p14:cNvPr id="11" name="Ink 10">
@@ -6879,13 +7434,13 @@
             </p14:xfrm>
           </p:contentPart>
         </mc:Choice>
-        <mc:Fallback xmlns="">
+        <mc:Fallback>
           <p:pic>
             <p:nvPicPr>
               <p:cNvPr id="11" name="Ink 10">
                 <a:extLst>
                   <a:ext uri="{FF2B5EF4-FFF2-40B4-BE49-F238E27FC236}">
-                    <a16:creationId xmlns:a16="http://schemas.microsoft.com/office/drawing/2014/main" id="{DCF20586-18C5-DE23-1F8F-084A67D2C26A}"/>
+                    <a16:creationId xmlns:a16="http://schemas.microsoft.com/office/drawing/2014/main" xmlns="" xmlns:aink="http://schemas.microsoft.com/office/drawing/2016/ink" xmlns:p14="http://schemas.microsoft.com/office/powerpoint/2010/main" id="{DCF20586-18C5-DE23-1F8F-084A67D2C26A}"/>
                   </a:ext>
                 </a:extLst>
               </p:cNvPr>
@@ -6917,7 +7472,7 @@
               <p14:cNvPr id="12" name="Ink 11">
                 <a:extLst>
                   <a:ext uri="{FF2B5EF4-FFF2-40B4-BE49-F238E27FC236}">
-                    <a16:creationId xmlns:a16="http://schemas.microsoft.com/office/drawing/2014/main" id="{E38AC0B4-60E5-71F7-3AC3-6075831D1708}"/>
+                    <a16:creationId xmlns:a16="http://schemas.microsoft.com/office/drawing/2014/main" xmlns="" id="{E38AC0B4-60E5-71F7-3AC3-6075831D1708}"/>
                   </a:ext>
                 </a:extLst>
               </p14:cNvPr>
@@ -6968,7 +7523,7 @@
               <p14:cNvPr id="13" name="Ink 12">
                 <a:extLst>
                   <a:ext uri="{FF2B5EF4-FFF2-40B4-BE49-F238E27FC236}">
-                    <a16:creationId xmlns:a16="http://schemas.microsoft.com/office/drawing/2014/main" id="{AF2F25F0-7DF6-82F0-661B-E4254FCC287A}"/>
+                    <a16:creationId xmlns:a16="http://schemas.microsoft.com/office/drawing/2014/main" xmlns="" id="{AF2F25F0-7DF6-82F0-661B-E4254FCC287A}"/>
                   </a:ext>
                 </a:extLst>
               </p14:cNvPr>
@@ -7017,7 +7572,7 @@
           <p:cNvPr id="28" name="Group 27">
             <a:extLst>
               <a:ext uri="{FF2B5EF4-FFF2-40B4-BE49-F238E27FC236}">
-                <a16:creationId xmlns:a16="http://schemas.microsoft.com/office/drawing/2014/main" id="{55AFC53E-B053-2748-B7A5-80A5093A9A92}"/>
+                <a16:creationId xmlns:a16="http://schemas.microsoft.com/office/drawing/2014/main" xmlns="" id="{55AFC53E-B053-2748-B7A5-80A5093A9A92}"/>
               </a:ext>
             </a:extLst>
           </p:cNvPr>
@@ -7039,7 +7594,7 @@
                 <p14:cNvPr id="14" name="Ink 13">
                   <a:extLst>
                     <a:ext uri="{FF2B5EF4-FFF2-40B4-BE49-F238E27FC236}">
-                      <a16:creationId xmlns:a16="http://schemas.microsoft.com/office/drawing/2014/main" id="{4CB62AD1-D8EE-A732-18E0-F7931E6D9B8B}"/>
+                      <a16:creationId xmlns:a16="http://schemas.microsoft.com/office/drawing/2014/main" xmlns="" id="{4CB62AD1-D8EE-A732-18E0-F7931E6D9B8B}"/>
                     </a:ext>
                   </a:extLst>
                 </p14:cNvPr>
@@ -7090,7 +7645,7 @@
                 <p14:cNvPr id="15" name="Ink 14">
                   <a:extLst>
                     <a:ext uri="{FF2B5EF4-FFF2-40B4-BE49-F238E27FC236}">
-                      <a16:creationId xmlns:a16="http://schemas.microsoft.com/office/drawing/2014/main" id="{F3521F37-259C-82CA-48B6-0D0168E6278D}"/>
+                      <a16:creationId xmlns:a16="http://schemas.microsoft.com/office/drawing/2014/main" xmlns="" id="{F3521F37-259C-82CA-48B6-0D0168E6278D}"/>
                     </a:ext>
                   </a:extLst>
                 </p14:cNvPr>
@@ -7140,7 +7695,7 @@
           <p:cNvPr id="27" name="Group 26">
             <a:extLst>
               <a:ext uri="{FF2B5EF4-FFF2-40B4-BE49-F238E27FC236}">
-                <a16:creationId xmlns:a16="http://schemas.microsoft.com/office/drawing/2014/main" id="{E6285CC1-5306-D329-5750-41BC3D5C0A0C}"/>
+                <a16:creationId xmlns:a16="http://schemas.microsoft.com/office/drawing/2014/main" xmlns="" id="{E6285CC1-5306-D329-5750-41BC3D5C0A0C}"/>
               </a:ext>
             </a:extLst>
           </p:cNvPr>
@@ -7162,7 +7717,7 @@
                 <p14:cNvPr id="16" name="Ink 15">
                   <a:extLst>
                     <a:ext uri="{FF2B5EF4-FFF2-40B4-BE49-F238E27FC236}">
-                      <a16:creationId xmlns:a16="http://schemas.microsoft.com/office/drawing/2014/main" id="{7B45CFDC-7EB8-22E0-5A26-82FCE8F89C53}"/>
+                      <a16:creationId xmlns:a16="http://schemas.microsoft.com/office/drawing/2014/main" xmlns="" id="{7B45CFDC-7EB8-22E0-5A26-82FCE8F89C53}"/>
                     </a:ext>
                   </a:extLst>
                 </p14:cNvPr>
@@ -7213,7 +7768,7 @@
                 <p14:cNvPr id="17" name="Ink 16">
                   <a:extLst>
                     <a:ext uri="{FF2B5EF4-FFF2-40B4-BE49-F238E27FC236}">
-                      <a16:creationId xmlns:a16="http://schemas.microsoft.com/office/drawing/2014/main" id="{9FBEAE26-0587-D1E7-BCB9-BD74963C74C9}"/>
+                      <a16:creationId xmlns:a16="http://schemas.microsoft.com/office/drawing/2014/main" xmlns="" id="{9FBEAE26-0587-D1E7-BCB9-BD74963C74C9}"/>
                     </a:ext>
                   </a:extLst>
                 </p14:cNvPr>
@@ -7263,7 +7818,7 @@
           <p:cNvPr id="26" name="Group 25">
             <a:extLst>
               <a:ext uri="{FF2B5EF4-FFF2-40B4-BE49-F238E27FC236}">
-                <a16:creationId xmlns:a16="http://schemas.microsoft.com/office/drawing/2014/main" id="{40499918-9532-7C4B-97EB-2FEFFDE8E92A}"/>
+                <a16:creationId xmlns:a16="http://schemas.microsoft.com/office/drawing/2014/main" xmlns="" id="{40499918-9532-7C4B-97EB-2FEFFDE8E92A}"/>
               </a:ext>
             </a:extLst>
           </p:cNvPr>
@@ -7285,7 +7840,7 @@
                 <p14:cNvPr id="18" name="Ink 17">
                   <a:extLst>
                     <a:ext uri="{FF2B5EF4-FFF2-40B4-BE49-F238E27FC236}">
-                      <a16:creationId xmlns:a16="http://schemas.microsoft.com/office/drawing/2014/main" id="{CC5301CC-83AC-C960-8D62-532C5F1B97C8}"/>
+                      <a16:creationId xmlns:a16="http://schemas.microsoft.com/office/drawing/2014/main" xmlns="" id="{CC5301CC-83AC-C960-8D62-532C5F1B97C8}"/>
                     </a:ext>
                   </a:extLst>
                 </p14:cNvPr>
@@ -7336,7 +7891,7 @@
                 <p14:cNvPr id="19" name="Ink 18">
                   <a:extLst>
                     <a:ext uri="{FF2B5EF4-FFF2-40B4-BE49-F238E27FC236}">
-                      <a16:creationId xmlns:a16="http://schemas.microsoft.com/office/drawing/2014/main" id="{96F75B74-2DA5-BE74-3527-96EF42D2555E}"/>
+                      <a16:creationId xmlns:a16="http://schemas.microsoft.com/office/drawing/2014/main" xmlns="" id="{96F75B74-2DA5-BE74-3527-96EF42D2555E}"/>
                     </a:ext>
                   </a:extLst>
                 </p14:cNvPr>
@@ -7387,7 +7942,7 @@
                 <p14:cNvPr id="20" name="Ink 19">
                   <a:extLst>
                     <a:ext uri="{FF2B5EF4-FFF2-40B4-BE49-F238E27FC236}">
-                      <a16:creationId xmlns:a16="http://schemas.microsoft.com/office/drawing/2014/main" id="{F2E60F65-7D07-1656-9B5A-464E8773A715}"/>
+                      <a16:creationId xmlns:a16="http://schemas.microsoft.com/office/drawing/2014/main" xmlns="" id="{F2E60F65-7D07-1656-9B5A-464E8773A715}"/>
                     </a:ext>
                   </a:extLst>
                 </p14:cNvPr>
@@ -7438,7 +7993,7 @@
                 <p14:cNvPr id="21" name="Ink 20">
                   <a:extLst>
                     <a:ext uri="{FF2B5EF4-FFF2-40B4-BE49-F238E27FC236}">
-                      <a16:creationId xmlns:a16="http://schemas.microsoft.com/office/drawing/2014/main" id="{3F12EA89-EBCC-A007-3481-F9CF48526178}"/>
+                      <a16:creationId xmlns:a16="http://schemas.microsoft.com/office/drawing/2014/main" xmlns="" id="{3F12EA89-EBCC-A007-3481-F9CF48526178}"/>
                     </a:ext>
                   </a:extLst>
                 </p14:cNvPr>
@@ -7489,7 +8044,7 @@
                 <p14:cNvPr id="22" name="Ink 21">
                   <a:extLst>
                     <a:ext uri="{FF2B5EF4-FFF2-40B4-BE49-F238E27FC236}">
-                      <a16:creationId xmlns:a16="http://schemas.microsoft.com/office/drawing/2014/main" id="{6567879C-310F-2D89-E313-898474676982}"/>
+                      <a16:creationId xmlns:a16="http://schemas.microsoft.com/office/drawing/2014/main" xmlns="" id="{6567879C-310F-2D89-E313-898474676982}"/>
                     </a:ext>
                   </a:extLst>
                 </p14:cNvPr>
@@ -7540,7 +8095,7 @@
                 <p14:cNvPr id="23" name="Ink 22">
                   <a:extLst>
                     <a:ext uri="{FF2B5EF4-FFF2-40B4-BE49-F238E27FC236}">
-                      <a16:creationId xmlns:a16="http://schemas.microsoft.com/office/drawing/2014/main" id="{51261A69-B289-315C-85BE-A8B90BC0015C}"/>
+                      <a16:creationId xmlns:a16="http://schemas.microsoft.com/office/drawing/2014/main" xmlns="" id="{51261A69-B289-315C-85BE-A8B90BC0015C}"/>
                     </a:ext>
                   </a:extLst>
                 </p14:cNvPr>
@@ -7591,7 +8146,7 @@
                 <p14:cNvPr id="24" name="Ink 23">
                   <a:extLst>
                     <a:ext uri="{FF2B5EF4-FFF2-40B4-BE49-F238E27FC236}">
-                      <a16:creationId xmlns:a16="http://schemas.microsoft.com/office/drawing/2014/main" id="{74C9CD64-B657-2358-68CB-1FCE1C98A07F}"/>
+                      <a16:creationId xmlns:a16="http://schemas.microsoft.com/office/drawing/2014/main" xmlns="" id="{74C9CD64-B657-2358-68CB-1FCE1C98A07F}"/>
                     </a:ext>
                   </a:extLst>
                 </p14:cNvPr>
@@ -7642,7 +8197,7 @@
                 <p14:cNvPr id="25" name="Ink 24">
                   <a:extLst>
                     <a:ext uri="{FF2B5EF4-FFF2-40B4-BE49-F238E27FC236}">
-                      <a16:creationId xmlns:a16="http://schemas.microsoft.com/office/drawing/2014/main" id="{AEA405E2-1F78-0F43-EDAF-CA536CB5674F}"/>
+                      <a16:creationId xmlns:a16="http://schemas.microsoft.com/office/drawing/2014/main" xmlns="" id="{AEA405E2-1F78-0F43-EDAF-CA536CB5674F}"/>
                     </a:ext>
                   </a:extLst>
                 </p14:cNvPr>
@@ -7722,7 +8277,7 @@
           <p:cNvPr id="2" name="Title 1">
             <a:extLst>
               <a:ext uri="{FF2B5EF4-FFF2-40B4-BE49-F238E27FC236}">
-                <a16:creationId xmlns:a16="http://schemas.microsoft.com/office/drawing/2014/main" id="{786344D9-B452-03F8-6BE9-6D25038EF356}"/>
+                <a16:creationId xmlns:a16="http://schemas.microsoft.com/office/drawing/2014/main" xmlns="" id="{786344D9-B452-03F8-6BE9-6D25038EF356}"/>
               </a:ext>
             </a:extLst>
           </p:cNvPr>
@@ -7751,7 +8306,7 @@
           <p:cNvPr id="3" name="Content Placeholder 2">
             <a:extLst>
               <a:ext uri="{FF2B5EF4-FFF2-40B4-BE49-F238E27FC236}">
-                <a16:creationId xmlns:a16="http://schemas.microsoft.com/office/drawing/2014/main" id="{277B7E95-4F83-7A36-D536-6D480296D15C}"/>
+                <a16:creationId xmlns:a16="http://schemas.microsoft.com/office/drawing/2014/main" xmlns="" id="{277B7E95-4F83-7A36-D536-6D480296D15C}"/>
               </a:ext>
             </a:extLst>
           </p:cNvPr>
@@ -8125,7 +8680,7 @@
   <a:extraClrSchemeLst/>
   <a:extLst>
     <a:ext uri="{05A4C25C-085E-4340-85A3-A5531E510DB2}">
-      <thm15:themeFamily xmlns:thm15="http://schemas.microsoft.com/office/thememl/2012/main" name="Office Theme" id="{62F939B6-93AF-4DB8-9C6B-D6C7DFDC589F}" vid="{4A3C46E8-61CC-4603-A589-7422A47A8E4A}"/>
+      <thm15:themeFamily xmlns:thm15="http://schemas.microsoft.com/office/thememl/2012/main" xmlns="" name="Office Theme" id="{62F939B6-93AF-4DB8-9C6B-D6C7DFDC589F}" vid="{4A3C46E8-61CC-4603-A589-7422A47A8E4A}"/>
     </a:ext>
   </a:extLst>
 </a:theme>
